--- a/Slides/Lesson3.pptx
+++ b/Slides/Lesson3.pptx
@@ -9,15 +9,26 @@
     <p:sldId id="258" r:id="rId3"/>
     <p:sldId id="259" r:id="rId4"/>
     <p:sldId id="260" r:id="rId5"/>
-    <p:sldId id="262" r:id="rId6"/>
-    <p:sldId id="263" r:id="rId7"/>
-    <p:sldId id="264" r:id="rId8"/>
-    <p:sldId id="265" r:id="rId9"/>
-    <p:sldId id="266" r:id="rId10"/>
-    <p:sldId id="267" r:id="rId11"/>
-    <p:sldId id="268" r:id="rId12"/>
-    <p:sldId id="269" r:id="rId13"/>
-    <p:sldId id="270" r:id="rId14"/>
+    <p:sldId id="271" r:id="rId6"/>
+    <p:sldId id="262" r:id="rId7"/>
+    <p:sldId id="263" r:id="rId8"/>
+    <p:sldId id="274" r:id="rId9"/>
+    <p:sldId id="264" r:id="rId10"/>
+    <p:sldId id="275" r:id="rId11"/>
+    <p:sldId id="265" r:id="rId12"/>
+    <p:sldId id="266" r:id="rId13"/>
+    <p:sldId id="267" r:id="rId14"/>
+    <p:sldId id="268" r:id="rId15"/>
+    <p:sldId id="269" r:id="rId16"/>
+    <p:sldId id="281" r:id="rId17"/>
+    <p:sldId id="272" r:id="rId18"/>
+    <p:sldId id="276" r:id="rId19"/>
+    <p:sldId id="277" r:id="rId20"/>
+    <p:sldId id="278" r:id="rId21"/>
+    <p:sldId id="279" r:id="rId22"/>
+    <p:sldId id="280" r:id="rId23"/>
+    <p:sldId id="270" r:id="rId24"/>
+    <p:sldId id="273" r:id="rId25"/>
   </p:sldIdLst>
   <p:sldSz cx="9144000" cy="6858000" type="screen4x3"/>
   <p:notesSz cx="6858000" cy="9144000"/>
@@ -116,6 +127,22 @@
       </a:defRPr>
     </a:lvl9pPr>
   </p:defaultTextStyle>
+  <p:extLst>
+    <p:ext uri="{EFAFB233-063F-42B5-8137-9DF3F51BA10A}">
+      <p15:sldGuideLst xmlns:p15="http://schemas.microsoft.com/office/powerpoint/2012/main">
+        <p15:guide id="1" orient="horz" pos="2160">
+          <p15:clr>
+            <a:srgbClr val="A4A3A4"/>
+          </p15:clr>
+        </p15:guide>
+        <p15:guide id="2" pos="2880">
+          <p15:clr>
+            <a:srgbClr val="A4A3A4"/>
+          </p15:clr>
+        </p15:guide>
+      </p15:sldGuideLst>
+    </p:ext>
+  </p:extLst>
 </p:presentation>
 </file>
 
@@ -300,7 +327,7 @@
           <a:p>
             <a:fld id="{1F14DB6E-5E5A-D64F-BC9B-82536EC5F491}" type="datetimeFigureOut">
               <a:rPr lang="en-US" smtClean="0"/>
-              <a:t>1/28/16</a:t>
+              <a:t>1/30/16</a:t>
             </a:fld>
             <a:endParaRPr lang="en-US"/>
           </a:p>
@@ -470,7 +497,7 @@
           <a:p>
             <a:fld id="{1F14DB6E-5E5A-D64F-BC9B-82536EC5F491}" type="datetimeFigureOut">
               <a:rPr lang="en-US" smtClean="0"/>
-              <a:t>1/28/16</a:t>
+              <a:t>1/30/16</a:t>
             </a:fld>
             <a:endParaRPr lang="en-US"/>
           </a:p>
@@ -650,7 +677,7 @@
           <a:p>
             <a:fld id="{1F14DB6E-5E5A-D64F-BC9B-82536EC5F491}" type="datetimeFigureOut">
               <a:rPr lang="en-US" smtClean="0"/>
-              <a:t>1/28/16</a:t>
+              <a:t>1/30/16</a:t>
             </a:fld>
             <a:endParaRPr lang="en-US"/>
           </a:p>
@@ -820,7 +847,7 @@
           <a:p>
             <a:fld id="{1F14DB6E-5E5A-D64F-BC9B-82536EC5F491}" type="datetimeFigureOut">
               <a:rPr lang="en-US" smtClean="0"/>
-              <a:t>1/28/16</a:t>
+              <a:t>1/30/16</a:t>
             </a:fld>
             <a:endParaRPr lang="en-US"/>
           </a:p>
@@ -1066,7 +1093,7 @@
           <a:p>
             <a:fld id="{1F14DB6E-5E5A-D64F-BC9B-82536EC5F491}" type="datetimeFigureOut">
               <a:rPr lang="en-US" smtClean="0"/>
-              <a:t>1/28/16</a:t>
+              <a:t>1/30/16</a:t>
             </a:fld>
             <a:endParaRPr lang="en-US"/>
           </a:p>
@@ -1354,7 +1381,7 @@
           <a:p>
             <a:fld id="{1F14DB6E-5E5A-D64F-BC9B-82536EC5F491}" type="datetimeFigureOut">
               <a:rPr lang="en-US" smtClean="0"/>
-              <a:t>1/28/16</a:t>
+              <a:t>1/30/16</a:t>
             </a:fld>
             <a:endParaRPr lang="en-US"/>
           </a:p>
@@ -1776,7 +1803,7 @@
           <a:p>
             <a:fld id="{1F14DB6E-5E5A-D64F-BC9B-82536EC5F491}" type="datetimeFigureOut">
               <a:rPr lang="en-US" smtClean="0"/>
-              <a:t>1/28/16</a:t>
+              <a:t>1/30/16</a:t>
             </a:fld>
             <a:endParaRPr lang="en-US"/>
           </a:p>
@@ -1894,7 +1921,7 @@
           <a:p>
             <a:fld id="{1F14DB6E-5E5A-D64F-BC9B-82536EC5F491}" type="datetimeFigureOut">
               <a:rPr lang="en-US" smtClean="0"/>
-              <a:t>1/28/16</a:t>
+              <a:t>1/30/16</a:t>
             </a:fld>
             <a:endParaRPr lang="en-US"/>
           </a:p>
@@ -1989,7 +2016,7 @@
           <a:p>
             <a:fld id="{1F14DB6E-5E5A-D64F-BC9B-82536EC5F491}" type="datetimeFigureOut">
               <a:rPr lang="en-US" smtClean="0"/>
-              <a:t>1/28/16</a:t>
+              <a:t>1/30/16</a:t>
             </a:fld>
             <a:endParaRPr lang="en-US"/>
           </a:p>
@@ -2266,7 +2293,7 @@
           <a:p>
             <a:fld id="{1F14DB6E-5E5A-D64F-BC9B-82536EC5F491}" type="datetimeFigureOut">
               <a:rPr lang="en-US" smtClean="0"/>
-              <a:t>1/28/16</a:t>
+              <a:t>1/30/16</a:t>
             </a:fld>
             <a:endParaRPr lang="en-US"/>
           </a:p>
@@ -2519,7 +2546,7 @@
           <a:p>
             <a:fld id="{1F14DB6E-5E5A-D64F-BC9B-82536EC5F491}" type="datetimeFigureOut">
               <a:rPr lang="en-US" smtClean="0"/>
-              <a:t>1/28/16</a:t>
+              <a:t>1/30/16</a:t>
             </a:fld>
             <a:endParaRPr lang="en-US"/>
           </a:p>
@@ -2732,7 +2759,7 @@
           <a:p>
             <a:fld id="{1F14DB6E-5E5A-D64F-BC9B-82536EC5F491}" type="datetimeFigureOut">
               <a:rPr lang="en-US" smtClean="0"/>
-              <a:t>1/28/16</a:t>
+              <a:t>1/30/16</a:t>
             </a:fld>
             <a:endParaRPr lang="en-US"/>
           </a:p>
@@ -3191,7 +3218,7 @@
   <p:timing>
     <p:tnLst>
       <p:par>
-        <p:cTn xmlns:p14="http://schemas.microsoft.com/office/powerpoint/2010/main" id="1" dur="indefinite" restart="never" nodeType="tmRoot"/>
+        <p:cTn id="1" dur="indefinite" restart="never" nodeType="tmRoot"/>
       </p:par>
     </p:tnLst>
   </p:timing>
@@ -3217,7 +3244,7 @@
       </p:grpSpPr>
       <p:sp>
         <p:nvSpPr>
-          <p:cNvPr id="4" name="Title 3"/>
+          <p:cNvPr id="2" name="Title 1"/>
           <p:cNvSpPr>
             <a:spLocks noGrp="1"/>
           </p:cNvSpPr>
@@ -3232,7 +3259,7 @@
           <a:p>
             <a:r>
               <a:rPr lang="en-US" dirty="0" smtClean="0"/>
-              <a:t>Arrays &amp; STRINGS</a:t>
+              <a:t>Function Declaration</a:t>
             </a:r>
             <a:endParaRPr lang="en-US" dirty="0"/>
           </a:p>
@@ -3240,12 +3267,12 @@
       </p:sp>
       <p:sp>
         <p:nvSpPr>
-          <p:cNvPr id="5" name="Text Placeholder 4"/>
-          <p:cNvSpPr>
-            <a:spLocks noGrp="1"/>
-          </p:cNvSpPr>
-          <p:nvPr>
-            <p:ph type="body" idx="1"/>
+          <p:cNvPr id="3" name="Content Placeholder 2"/>
+          <p:cNvSpPr>
+            <a:spLocks noGrp="1"/>
+          </p:cNvSpPr>
+          <p:nvPr>
+            <p:ph idx="1"/>
           </p:nvPr>
         </p:nvSpPr>
         <p:spPr/>
@@ -3253,6 +3280,40 @@
           <a:bodyPr/>
           <a:lstStyle/>
           <a:p>
+            <a:r>
+              <a:rPr lang="en-US" dirty="0" err="1" smtClean="0"/>
+              <a:t>Int</a:t>
+            </a:r>
+            <a:r>
+              <a:rPr lang="en-US" dirty="0" smtClean="0"/>
+              <a:t> power(</a:t>
+            </a:r>
+            <a:r>
+              <a:rPr lang="en-US" dirty="0" err="1" smtClean="0"/>
+              <a:t>int</a:t>
+            </a:r>
+            <a:r>
+              <a:rPr lang="en-US" dirty="0" smtClean="0"/>
+              <a:t> m, </a:t>
+            </a:r>
+            <a:r>
+              <a:rPr lang="en-US" dirty="0" err="1" smtClean="0"/>
+              <a:t>int</a:t>
+            </a:r>
+            <a:r>
+              <a:rPr lang="en-US" dirty="0" smtClean="0"/>
+              <a:t> n)</a:t>
+            </a:r>
+          </a:p>
+          <a:p>
+            <a:r>
+              <a:rPr lang="en-US" dirty="0" err="1" smtClean="0"/>
+              <a:t>int</a:t>
+            </a:r>
+            <a:r>
+              <a:rPr lang="en-US" dirty="0" smtClean="0"/>
+              <a:t> </a:t>
+            </a:r>
             <a:endParaRPr lang="en-US" dirty="0"/>
           </a:p>
         </p:txBody>
@@ -3260,7 +3321,7 @@
     </p:spTree>
     <p:extLst>
       <p:ext uri="{BB962C8B-B14F-4D97-AF65-F5344CB8AC3E}">
-        <p14:creationId xmlns:p14="http://schemas.microsoft.com/office/powerpoint/2010/main" val="1627486271"/>
+        <p14:creationId xmlns:p14="http://schemas.microsoft.com/office/powerpoint/2010/main" val="1204396456"/>
       </p:ext>
     </p:extLst>
   </p:cSld>
@@ -3270,7 +3331,7 @@
   <p:timing>
     <p:tnLst>
       <p:par>
-        <p:cTn xmlns:p14="http://schemas.microsoft.com/office/powerpoint/2010/main" id="1" dur="indefinite" restart="never" nodeType="tmRoot"/>
+        <p:cTn id="1" dur="indefinite" restart="never" nodeType="tmRoot"/>
       </p:par>
     </p:tnLst>
   </p:timing>
@@ -3296,7 +3357,7 @@
       </p:grpSpPr>
       <p:sp>
         <p:nvSpPr>
-          <p:cNvPr id="4" name="Title 3"/>
+          <p:cNvPr id="5" name="Title 4"/>
           <p:cNvSpPr>
             <a:spLocks noGrp="1"/>
           </p:cNvSpPr>
@@ -3311,7 +3372,7 @@
           <a:p>
             <a:r>
               <a:rPr lang="en-US" dirty="0" smtClean="0"/>
-              <a:t>ARRAYS</a:t>
+              <a:t>DEMO</a:t>
             </a:r>
             <a:endParaRPr lang="en-US" dirty="0"/>
           </a:p>
@@ -3319,7 +3380,7 @@
       </p:sp>
       <p:sp>
         <p:nvSpPr>
-          <p:cNvPr id="5" name="Content Placeholder 4"/>
+          <p:cNvPr id="6" name="Content Placeholder 5"/>
           <p:cNvSpPr>
             <a:spLocks noGrp="1"/>
           </p:cNvSpPr>
@@ -3333,67 +3394,17 @@
           <a:lstStyle/>
           <a:p>
             <a:r>
-              <a:rPr lang="en-US" dirty="0" smtClean="0"/>
-              <a:t>Are used when we need many variables of the same type. </a:t>
-            </a:r>
-          </a:p>
-          <a:p>
-            <a:r>
-              <a:rPr lang="en-US" dirty="0" smtClean="0"/>
-              <a:t>For example:</a:t>
-            </a:r>
-          </a:p>
-          <a:p>
-            <a:pPr lvl="1"/>
-            <a:r>
-              <a:rPr lang="en-US" dirty="0" err="1"/>
-              <a:t>i</a:t>
-            </a:r>
-            <a:r>
               <a:rPr lang="en-US" dirty="0" err="1" smtClean="0"/>
-              <a:t>nt</a:t>
-            </a:r>
-            <a:r>
-              <a:rPr lang="en-US" dirty="0" smtClean="0"/>
-              <a:t> a[10];</a:t>
-            </a:r>
-          </a:p>
-          <a:p>
-            <a:pPr lvl="1"/>
-            <a:r>
-              <a:rPr lang="en-US" dirty="0"/>
-              <a:t>c</a:t>
-            </a:r>
-            <a:r>
-              <a:rPr lang="en-US" dirty="0" smtClean="0"/>
-              <a:t>har s[10];</a:t>
-            </a:r>
-          </a:p>
-          <a:p>
-            <a:r>
-              <a:rPr lang="en-US" dirty="0" smtClean="0"/>
-              <a:t>They index always starts at 0</a:t>
-            </a:r>
-          </a:p>
-          <a:p>
-            <a:r>
-              <a:rPr lang="en-US" dirty="0" smtClean="0"/>
-              <a:t>DEMO: grades program. </a:t>
+              <a:t>POWER.c</a:t>
             </a:r>
             <a:endParaRPr lang="en-US" dirty="0"/>
-          </a:p>
-          <a:p>
-            <a:endParaRPr lang="en-US" dirty="0" smtClean="0"/>
-          </a:p>
-          <a:p>
-            <a:endParaRPr lang="en-US" dirty="0" smtClean="0"/>
           </a:p>
         </p:txBody>
       </p:sp>
     </p:spTree>
     <p:extLst>
       <p:ext uri="{BB962C8B-B14F-4D97-AF65-F5344CB8AC3E}">
-        <p14:creationId xmlns:p14="http://schemas.microsoft.com/office/powerpoint/2010/main" val="3583755603"/>
+        <p14:creationId xmlns:p14="http://schemas.microsoft.com/office/powerpoint/2010/main" val="3819516401"/>
       </p:ext>
     </p:extLst>
   </p:cSld>
@@ -3403,7 +3414,7 @@
   <p:timing>
     <p:tnLst>
       <p:par>
-        <p:cTn xmlns:p14="http://schemas.microsoft.com/office/powerpoint/2010/main" id="1" dur="indefinite" restart="never" nodeType="tmRoot"/>
+        <p:cTn id="1" dur="indefinite" restart="never" nodeType="tmRoot"/>
       </p:par>
     </p:tnLst>
   </p:timing>
@@ -3444,7 +3455,7 @@
           <a:p>
             <a:r>
               <a:rPr lang="en-US" dirty="0" smtClean="0"/>
-              <a:t>STRINGS</a:t>
+              <a:t>Call by value</a:t>
             </a:r>
             <a:endParaRPr lang="en-US" dirty="0"/>
           </a:p>
@@ -3467,64 +3478,40 @@
           <a:p>
             <a:r>
               <a:rPr lang="en-US" dirty="0" smtClean="0"/>
-              <a:t>An array of characters</a:t>
+              <a:t>In C, parameters to functions are </a:t>
+            </a:r>
+            <a:r>
+              <a:rPr lang="en-US" b="1" dirty="0" smtClean="0"/>
+              <a:t>ALWAYS passed by value. </a:t>
             </a:r>
           </a:p>
           <a:p>
             <a:r>
               <a:rPr lang="en-US" dirty="0"/>
-              <a:t>A</a:t>
+              <a:t>V</a:t>
             </a:r>
             <a:r>
               <a:rPr lang="en-US" dirty="0" smtClean="0"/>
-              <a:t> lot of functionality in the &lt;</a:t>
-            </a:r>
-            <a:r>
-              <a:rPr lang="en-US" dirty="0" err="1" smtClean="0"/>
-              <a:t>string.h</a:t>
-            </a:r>
+              <a:t>ariables passed as arguments will not change on the calling environment. </a:t>
+            </a:r>
+          </a:p>
+          <a:p>
             <a:r>
               <a:rPr lang="en-US" dirty="0" smtClean="0"/>
-              <a:t>&gt; header file</a:t>
-            </a:r>
-          </a:p>
-          <a:p>
-            <a:r>
-              <a:rPr lang="en-US" dirty="0" smtClean="0"/>
-              <a:t>Length of a string = </a:t>
-            </a:r>
-            <a:r>
-              <a:rPr lang="en-US" dirty="0" err="1" smtClean="0"/>
-              <a:t>strlen</a:t>
-            </a:r>
-            <a:endParaRPr lang="en-US" dirty="0"/>
-          </a:p>
-          <a:p>
-            <a:r>
-              <a:rPr lang="en-US" dirty="0" smtClean="0"/>
-              <a:t>Length doesn’t take into account the null terminating character (‘\0’)</a:t>
-            </a:r>
-          </a:p>
-          <a:p>
-            <a:r>
-              <a:rPr lang="en-US" dirty="0" smtClean="0"/>
-              <a:t>Representation:</a:t>
-            </a:r>
-          </a:p>
-          <a:p>
-            <a:pPr lvl="1"/>
-            <a:r>
-              <a:rPr lang="en-US" dirty="0" smtClean="0"/>
-              <a:t>“hello world”</a:t>
-            </a:r>
-            <a:endParaRPr lang="en-US" dirty="0"/>
+              <a:t>Demo: </a:t>
+            </a:r>
+            <a:r>
+              <a:rPr lang="en-US" b="1" dirty="0" err="1" smtClean="0"/>
+              <a:t>nochange.c</a:t>
+            </a:r>
+            <a:endParaRPr lang="en-US" b="1" dirty="0"/>
           </a:p>
         </p:txBody>
       </p:sp>
     </p:spTree>
     <p:extLst>
       <p:ext uri="{BB962C8B-B14F-4D97-AF65-F5344CB8AC3E}">
-        <p14:creationId xmlns:p14="http://schemas.microsoft.com/office/powerpoint/2010/main" val="463547428"/>
+        <p14:creationId xmlns:p14="http://schemas.microsoft.com/office/powerpoint/2010/main" val="2909596694"/>
       </p:ext>
     </p:extLst>
   </p:cSld>
@@ -3534,7 +3521,7 @@
   <p:timing>
     <p:tnLst>
       <p:par>
-        <p:cTn xmlns:p14="http://schemas.microsoft.com/office/powerpoint/2010/main" id="1" dur="indefinite" restart="never" nodeType="tmRoot"/>
+        <p:cTn id="1" dur="indefinite" restart="never" nodeType="tmRoot"/>
       </p:par>
     </p:tnLst>
   </p:timing>
@@ -3560,7 +3547,7 @@
       </p:grpSpPr>
       <p:sp>
         <p:nvSpPr>
-          <p:cNvPr id="2" name="Title 1"/>
+          <p:cNvPr id="4" name="Title 3"/>
           <p:cNvSpPr>
             <a:spLocks noGrp="1"/>
           </p:cNvSpPr>
@@ -3575,7 +3562,7 @@
           <a:p>
             <a:r>
               <a:rPr lang="en-US" dirty="0" smtClean="0"/>
-              <a:t>GIT</a:t>
+              <a:t>Arrays &amp; STRINGS</a:t>
             </a:r>
             <a:endParaRPr lang="en-US" dirty="0"/>
           </a:p>
@@ -3583,161 +3570,27 @@
       </p:sp>
       <p:sp>
         <p:nvSpPr>
-          <p:cNvPr id="3" name="Content Placeholder 2"/>
-          <p:cNvSpPr>
-            <a:spLocks noGrp="1"/>
-          </p:cNvSpPr>
-          <p:nvPr>
-            <p:ph idx="1"/>
+          <p:cNvPr id="5" name="Text Placeholder 4"/>
+          <p:cNvSpPr>
+            <a:spLocks noGrp="1"/>
+          </p:cNvSpPr>
+          <p:nvPr>
+            <p:ph type="body" idx="1"/>
           </p:nvPr>
         </p:nvSpPr>
         <p:spPr/>
         <p:txBody>
-          <a:bodyPr>
-            <a:normAutofit fontScale="70000" lnSpcReduction="20000"/>
-          </a:bodyPr>
+          <a:bodyPr/>
           <a:lstStyle/>
           <a:p>
-            <a:r>
-              <a:rPr lang="en-US" dirty="0" err="1" smtClean="0"/>
-              <a:t>Git</a:t>
-            </a:r>
-            <a:r>
-              <a:rPr lang="en-US" dirty="0" smtClean="0"/>
-              <a:t> Concepts: </a:t>
-            </a:r>
-          </a:p>
-          <a:p>
-            <a:pPr lvl="1"/>
-            <a:r>
-              <a:rPr lang="en-US" dirty="0" smtClean="0"/>
-              <a:t>Fork</a:t>
-            </a:r>
-          </a:p>
-          <a:p>
-            <a:pPr lvl="1"/>
-            <a:r>
-              <a:rPr lang="en-US" dirty="0" smtClean="0"/>
-              <a:t>Clone</a:t>
-            </a:r>
-          </a:p>
-          <a:p>
-            <a:pPr lvl="1"/>
-            <a:r>
-              <a:rPr lang="en-US" dirty="0" smtClean="0"/>
-              <a:t>Pull request</a:t>
-            </a:r>
-          </a:p>
-          <a:p>
-            <a:pPr marL="457200" lvl="1" indent="0">
-              <a:buNone/>
-            </a:pPr>
             <a:endParaRPr lang="en-US" dirty="0"/>
-          </a:p>
-          <a:p>
-            <a:pPr lvl="1"/>
-            <a:endParaRPr lang="en-US" dirty="0" smtClean="0"/>
-          </a:p>
-          <a:p>
-            <a:r>
-              <a:rPr lang="en-US" dirty="0" err="1" smtClean="0"/>
-              <a:t>Git</a:t>
-            </a:r>
-            <a:r>
-              <a:rPr lang="en-US" dirty="0" smtClean="0"/>
-              <a:t> reading:</a:t>
-            </a:r>
-          </a:p>
-          <a:p>
-            <a:pPr lvl="1"/>
-            <a:r>
-              <a:rPr lang="en-US" dirty="0">
-                <a:hlinkClick r:id="rId2"/>
-              </a:rPr>
-              <a:t>https://guides.github.com/activities/forking/</a:t>
-            </a:r>
-            <a:r>
-              <a:rPr lang="en-US" dirty="0" smtClean="0">
-                <a:hlinkClick r:id="rId2"/>
-              </a:rPr>
-              <a:t>index.html</a:t>
-            </a:r>
-            <a:endParaRPr lang="en-US" dirty="0" smtClean="0"/>
-          </a:p>
-          <a:p>
-            <a:pPr lvl="1"/>
-            <a:endParaRPr lang="en-US" dirty="0" smtClean="0"/>
-          </a:p>
-          <a:p>
-            <a:pPr marL="0" indent="0">
-              <a:buNone/>
-            </a:pPr>
-            <a:endParaRPr lang="en-US" dirty="0"/>
-          </a:p>
-          <a:p>
-            <a:r>
-              <a:rPr lang="en-US" dirty="0" err="1" smtClean="0"/>
-              <a:t>Git</a:t>
-            </a:r>
-            <a:r>
-              <a:rPr lang="en-US" dirty="0" smtClean="0"/>
-              <a:t> videos:</a:t>
-            </a:r>
-          </a:p>
-          <a:p>
-            <a:pPr lvl="1"/>
-            <a:r>
-              <a:rPr lang="en-US" dirty="0" smtClean="0">
-                <a:hlinkClick r:id="rId3"/>
-              </a:rPr>
-              <a:t>http</a:t>
-            </a:r>
-            <a:r>
-              <a:rPr lang="en-US" dirty="0">
-                <a:hlinkClick r:id="rId3"/>
-              </a:rPr>
-              <a:t>://git-scm.com/</a:t>
-            </a:r>
-            <a:r>
-              <a:rPr lang="en-US" dirty="0" smtClean="0">
-                <a:hlinkClick r:id="rId3"/>
-              </a:rPr>
-              <a:t>videos</a:t>
-            </a:r>
-            <a:r>
-              <a:rPr lang="en-US" dirty="0" smtClean="0"/>
-              <a:t> </a:t>
-            </a:r>
-          </a:p>
-          <a:p>
-            <a:pPr lvl="1"/>
-            <a:r>
-              <a:rPr lang="en-US" dirty="0"/>
-              <a:t>https://</a:t>
-            </a:r>
-            <a:r>
-              <a:rPr lang="en-US" dirty="0" err="1"/>
-              <a:t>www.youtube.com</a:t>
-            </a:r>
-            <a:r>
-              <a:rPr lang="en-US" dirty="0"/>
-              <a:t>/</a:t>
-            </a:r>
-            <a:r>
-              <a:rPr lang="en-US" dirty="0" err="1"/>
-              <a:t>watch?v</a:t>
-            </a:r>
-            <a:r>
-              <a:rPr lang="en-US" dirty="0"/>
-              <a:t>=0fKg7e37bQE</a:t>
-            </a:r>
           </a:p>
         </p:txBody>
       </p:sp>
     </p:spTree>
     <p:extLst>
       <p:ext uri="{BB962C8B-B14F-4D97-AF65-F5344CB8AC3E}">
-        <p14:creationId xmlns:p14="http://schemas.microsoft.com/office/powerpoint/2010/main" val="1728550643"/>
+        <p14:creationId xmlns:p14="http://schemas.microsoft.com/office/powerpoint/2010/main" val="1627486271"/>
       </p:ext>
     </p:extLst>
   </p:cSld>
@@ -3747,7 +3600,1222 @@
   <p:timing>
     <p:tnLst>
       <p:par>
-        <p:cTn xmlns:p14="http://schemas.microsoft.com/office/powerpoint/2010/main" id="1" dur="indefinite" restart="never" nodeType="tmRoot"/>
+        <p:cTn id="1" dur="indefinite" restart="never" nodeType="tmRoot"/>
+      </p:par>
+    </p:tnLst>
+  </p:timing>
+</p:sld>
+</file>
+
+<file path=ppt/slides/slide14.xml><?xml version="1.0" encoding="utf-8"?>
+<p:sld xmlns:a="http://schemas.openxmlformats.org/drawingml/2006/main" xmlns:r="http://schemas.openxmlformats.org/officeDocument/2006/relationships" xmlns:p="http://schemas.openxmlformats.org/presentationml/2006/main">
+  <p:cSld>
+    <p:spTree>
+      <p:nvGrpSpPr>
+        <p:cNvPr id="1" name=""/>
+        <p:cNvGrpSpPr/>
+        <p:nvPr/>
+      </p:nvGrpSpPr>
+      <p:grpSpPr>
+        <a:xfrm>
+          <a:off x="0" y="0"/>
+          <a:ext cx="0" cy="0"/>
+          <a:chOff x="0" y="0"/>
+          <a:chExt cx="0" cy="0"/>
+        </a:xfrm>
+      </p:grpSpPr>
+      <p:sp>
+        <p:nvSpPr>
+          <p:cNvPr id="4" name="Title 3"/>
+          <p:cNvSpPr>
+            <a:spLocks noGrp="1"/>
+          </p:cNvSpPr>
+          <p:nvPr>
+            <p:ph type="title"/>
+          </p:nvPr>
+        </p:nvSpPr>
+        <p:spPr/>
+        <p:txBody>
+          <a:bodyPr/>
+          <a:lstStyle/>
+          <a:p>
+            <a:r>
+              <a:rPr lang="en-US" dirty="0" smtClean="0"/>
+              <a:t>ARRAYS</a:t>
+            </a:r>
+            <a:endParaRPr lang="en-US" dirty="0"/>
+          </a:p>
+        </p:txBody>
+      </p:sp>
+      <p:sp>
+        <p:nvSpPr>
+          <p:cNvPr id="5" name="Content Placeholder 4"/>
+          <p:cNvSpPr>
+            <a:spLocks noGrp="1"/>
+          </p:cNvSpPr>
+          <p:nvPr>
+            <p:ph idx="1"/>
+          </p:nvPr>
+        </p:nvSpPr>
+        <p:spPr/>
+        <p:txBody>
+          <a:bodyPr/>
+          <a:lstStyle/>
+          <a:p>
+            <a:r>
+              <a:rPr lang="en-US" dirty="0" smtClean="0"/>
+              <a:t>Are used when we need many variables of the same type. </a:t>
+            </a:r>
+          </a:p>
+          <a:p>
+            <a:r>
+              <a:rPr lang="en-US" dirty="0" smtClean="0"/>
+              <a:t>For example:</a:t>
+            </a:r>
+          </a:p>
+          <a:p>
+            <a:pPr lvl="1"/>
+            <a:r>
+              <a:rPr lang="en-US" dirty="0" err="1"/>
+              <a:t>i</a:t>
+            </a:r>
+            <a:r>
+              <a:rPr lang="en-US" dirty="0" err="1" smtClean="0"/>
+              <a:t>nt</a:t>
+            </a:r>
+            <a:r>
+              <a:rPr lang="en-US" dirty="0" smtClean="0"/>
+              <a:t> a[10];</a:t>
+            </a:r>
+          </a:p>
+          <a:p>
+            <a:pPr lvl="1"/>
+            <a:r>
+              <a:rPr lang="en-US" dirty="0"/>
+              <a:t>c</a:t>
+            </a:r>
+            <a:r>
+              <a:rPr lang="en-US" dirty="0" smtClean="0"/>
+              <a:t>har s[10];</a:t>
+            </a:r>
+          </a:p>
+          <a:p>
+            <a:r>
+              <a:rPr lang="en-US" dirty="0" smtClean="0"/>
+              <a:t>The </a:t>
+            </a:r>
+            <a:r>
+              <a:rPr lang="en-US" dirty="0" smtClean="0"/>
+              <a:t>index always starts at 0</a:t>
+            </a:r>
+          </a:p>
+          <a:p>
+            <a:r>
+              <a:rPr lang="en-US" dirty="0" smtClean="0"/>
+              <a:t>DEMO: </a:t>
+            </a:r>
+            <a:endParaRPr lang="en-US" dirty="0" smtClean="0"/>
+          </a:p>
+          <a:p>
+            <a:pPr lvl="1"/>
+            <a:r>
+              <a:rPr lang="en-US" dirty="0" smtClean="0"/>
+              <a:t>max, min grades </a:t>
+            </a:r>
+            <a:r>
+              <a:rPr lang="en-US" dirty="0" smtClean="0"/>
+              <a:t>program. </a:t>
+            </a:r>
+            <a:endParaRPr lang="en-US" dirty="0"/>
+          </a:p>
+          <a:p>
+            <a:endParaRPr lang="en-US" dirty="0" smtClean="0"/>
+          </a:p>
+          <a:p>
+            <a:endParaRPr lang="en-US" dirty="0" smtClean="0"/>
+          </a:p>
+        </p:txBody>
+      </p:sp>
+    </p:spTree>
+    <p:extLst>
+      <p:ext uri="{BB962C8B-B14F-4D97-AF65-F5344CB8AC3E}">
+        <p14:creationId xmlns:p14="http://schemas.microsoft.com/office/powerpoint/2010/main" val="3583755603"/>
+      </p:ext>
+    </p:extLst>
+  </p:cSld>
+  <p:clrMapOvr>
+    <a:masterClrMapping/>
+  </p:clrMapOvr>
+  <p:timing>
+    <p:tnLst>
+      <p:par>
+        <p:cTn id="1" dur="indefinite" restart="never" nodeType="tmRoot"/>
+      </p:par>
+    </p:tnLst>
+  </p:timing>
+</p:sld>
+</file>
+
+<file path=ppt/slides/slide15.xml><?xml version="1.0" encoding="utf-8"?>
+<p:sld xmlns:a="http://schemas.openxmlformats.org/drawingml/2006/main" xmlns:r="http://schemas.openxmlformats.org/officeDocument/2006/relationships" xmlns:p="http://schemas.openxmlformats.org/presentationml/2006/main">
+  <p:cSld>
+    <p:spTree>
+      <p:nvGrpSpPr>
+        <p:cNvPr id="1" name=""/>
+        <p:cNvGrpSpPr/>
+        <p:nvPr/>
+      </p:nvGrpSpPr>
+      <p:grpSpPr>
+        <a:xfrm>
+          <a:off x="0" y="0"/>
+          <a:ext cx="0" cy="0"/>
+          <a:chOff x="0" y="0"/>
+          <a:chExt cx="0" cy="0"/>
+        </a:xfrm>
+      </p:grpSpPr>
+      <p:sp>
+        <p:nvSpPr>
+          <p:cNvPr id="2" name="Title 1"/>
+          <p:cNvSpPr>
+            <a:spLocks noGrp="1"/>
+          </p:cNvSpPr>
+          <p:nvPr>
+            <p:ph type="title"/>
+          </p:nvPr>
+        </p:nvSpPr>
+        <p:spPr/>
+        <p:txBody>
+          <a:bodyPr/>
+          <a:lstStyle/>
+          <a:p>
+            <a:r>
+              <a:rPr lang="en-US" dirty="0" smtClean="0"/>
+              <a:t>STRINGS</a:t>
+            </a:r>
+            <a:endParaRPr lang="en-US" dirty="0"/>
+          </a:p>
+        </p:txBody>
+      </p:sp>
+      <p:sp>
+        <p:nvSpPr>
+          <p:cNvPr id="3" name="Content Placeholder 2"/>
+          <p:cNvSpPr>
+            <a:spLocks noGrp="1"/>
+          </p:cNvSpPr>
+          <p:nvPr>
+            <p:ph idx="1"/>
+          </p:nvPr>
+        </p:nvSpPr>
+        <p:spPr/>
+        <p:txBody>
+          <a:bodyPr>
+            <a:normAutofit/>
+          </a:bodyPr>
+          <a:lstStyle/>
+          <a:p>
+            <a:r>
+              <a:rPr lang="en-US" dirty="0" smtClean="0"/>
+              <a:t>An array of characters</a:t>
+            </a:r>
+          </a:p>
+          <a:p>
+            <a:r>
+              <a:rPr lang="en-US" dirty="0"/>
+              <a:t>A</a:t>
+            </a:r>
+            <a:r>
+              <a:rPr lang="en-US" dirty="0" smtClean="0"/>
+              <a:t> lot of functionality in the &lt;</a:t>
+            </a:r>
+            <a:r>
+              <a:rPr lang="en-US" dirty="0" err="1" smtClean="0"/>
+              <a:t>string.h</a:t>
+            </a:r>
+            <a:r>
+              <a:rPr lang="en-US" dirty="0" smtClean="0"/>
+              <a:t>&gt; header file</a:t>
+            </a:r>
+          </a:p>
+          <a:p>
+            <a:r>
+              <a:rPr lang="en-US" dirty="0" smtClean="0"/>
+              <a:t>Length of a string = </a:t>
+            </a:r>
+            <a:r>
+              <a:rPr lang="en-US" dirty="0" err="1" smtClean="0"/>
+              <a:t>strlen</a:t>
+            </a:r>
+            <a:endParaRPr lang="en-US" dirty="0"/>
+          </a:p>
+          <a:p>
+            <a:r>
+              <a:rPr lang="en-US" dirty="0" smtClean="0"/>
+              <a:t>Length doesn’t take into account the null terminating character (‘\0</a:t>
+            </a:r>
+            <a:r>
+              <a:rPr lang="en-US" dirty="0" smtClean="0"/>
+              <a:t>’)</a:t>
+            </a:r>
+            <a:endParaRPr lang="en-US" dirty="0" smtClean="0"/>
+          </a:p>
+        </p:txBody>
+      </p:sp>
+    </p:spTree>
+    <p:extLst>
+      <p:ext uri="{BB962C8B-B14F-4D97-AF65-F5344CB8AC3E}">
+        <p14:creationId xmlns:p14="http://schemas.microsoft.com/office/powerpoint/2010/main" val="463547428"/>
+      </p:ext>
+    </p:extLst>
+  </p:cSld>
+  <p:clrMapOvr>
+    <a:masterClrMapping/>
+  </p:clrMapOvr>
+  <p:timing>
+    <p:tnLst>
+      <p:par>
+        <p:cTn id="1" dur="indefinite" restart="never" nodeType="tmRoot"/>
+      </p:par>
+    </p:tnLst>
+  </p:timing>
+</p:sld>
+</file>
+
+<file path=ppt/slides/slide16.xml><?xml version="1.0" encoding="utf-8"?>
+<p:sld xmlns:a="http://schemas.openxmlformats.org/drawingml/2006/main" xmlns:r="http://schemas.openxmlformats.org/officeDocument/2006/relationships" xmlns:p="http://schemas.openxmlformats.org/presentationml/2006/main">
+  <p:cSld>
+    <p:spTree>
+      <p:nvGrpSpPr>
+        <p:cNvPr id="1" name=""/>
+        <p:cNvGrpSpPr/>
+        <p:nvPr/>
+      </p:nvGrpSpPr>
+      <p:grpSpPr>
+        <a:xfrm>
+          <a:off x="0" y="0"/>
+          <a:ext cx="0" cy="0"/>
+          <a:chOff x="0" y="0"/>
+          <a:chExt cx="0" cy="0"/>
+        </a:xfrm>
+      </p:grpSpPr>
+      <p:sp>
+        <p:nvSpPr>
+          <p:cNvPr id="2" name="Title 1"/>
+          <p:cNvSpPr>
+            <a:spLocks noGrp="1"/>
+          </p:cNvSpPr>
+          <p:nvPr>
+            <p:ph type="title"/>
+          </p:nvPr>
+        </p:nvSpPr>
+        <p:spPr/>
+        <p:txBody>
+          <a:bodyPr/>
+          <a:lstStyle/>
+          <a:p>
+            <a:endParaRPr lang="en-US"/>
+          </a:p>
+        </p:txBody>
+      </p:sp>
+      <p:sp>
+        <p:nvSpPr>
+          <p:cNvPr id="3" name="Content Placeholder 2"/>
+          <p:cNvSpPr>
+            <a:spLocks noGrp="1"/>
+          </p:cNvSpPr>
+          <p:nvPr>
+            <p:ph idx="1"/>
+          </p:nvPr>
+        </p:nvSpPr>
+        <p:spPr/>
+        <p:txBody>
+          <a:bodyPr/>
+          <a:lstStyle/>
+          <a:p>
+            <a:r>
+              <a:rPr lang="en-US" dirty="0" smtClean="0"/>
+              <a:t>Functions that use strings like </a:t>
+            </a:r>
+            <a:r>
+              <a:rPr lang="en-US" dirty="0" err="1" smtClean="0"/>
+              <a:t>printf</a:t>
+            </a:r>
+            <a:r>
+              <a:rPr lang="en-US" dirty="0" smtClean="0"/>
+              <a:t> use the null character (‘\0’) as a sentinel. </a:t>
+            </a:r>
+          </a:p>
+          <a:p>
+            <a:endParaRPr lang="en-US" dirty="0"/>
+          </a:p>
+        </p:txBody>
+      </p:sp>
+      <p:pic>
+        <p:nvPicPr>
+          <p:cNvPr id="4" name="Picture 3"/>
+          <p:cNvPicPr>
+            <a:picLocks noChangeAspect="1"/>
+          </p:cNvPicPr>
+          <p:nvPr/>
+        </p:nvPicPr>
+        <p:blipFill>
+          <a:blip r:embed="rId2">
+            <a:extLst>
+              <a:ext uri="{28A0092B-C50C-407E-A947-70E740481C1C}">
+                <a14:useLocalDpi xmlns:a14="http://schemas.microsoft.com/office/drawing/2010/main" val="0"/>
+              </a:ext>
+            </a:extLst>
+          </a:blip>
+          <a:stretch>
+            <a:fillRect/>
+          </a:stretch>
+        </p:blipFill>
+        <p:spPr>
+          <a:xfrm>
+            <a:off x="1614449" y="3543610"/>
+            <a:ext cx="4978400" cy="850900"/>
+          </a:xfrm>
+          <a:prstGeom prst="rect">
+            <a:avLst/>
+          </a:prstGeom>
+        </p:spPr>
+      </p:pic>
+    </p:spTree>
+    <p:extLst>
+      <p:ext uri="{BB962C8B-B14F-4D97-AF65-F5344CB8AC3E}">
+        <p14:creationId xmlns:p14="http://schemas.microsoft.com/office/powerpoint/2010/main" val="121680115"/>
+      </p:ext>
+    </p:extLst>
+  </p:cSld>
+  <p:clrMapOvr>
+    <a:masterClrMapping/>
+  </p:clrMapOvr>
+  <p:timing>
+    <p:tnLst>
+      <p:par>
+        <p:cTn id="1" dur="indefinite" restart="never" nodeType="tmRoot"/>
+      </p:par>
+    </p:tnLst>
+  </p:timing>
+</p:sld>
+</file>
+
+<file path=ppt/slides/slide17.xml><?xml version="1.0" encoding="utf-8"?>
+<p:sld xmlns:a="http://schemas.openxmlformats.org/drawingml/2006/main" xmlns:r="http://schemas.openxmlformats.org/officeDocument/2006/relationships" xmlns:p="http://schemas.openxmlformats.org/presentationml/2006/main">
+  <p:cSld>
+    <p:spTree>
+      <p:nvGrpSpPr>
+        <p:cNvPr id="1" name=""/>
+        <p:cNvGrpSpPr/>
+        <p:nvPr/>
+      </p:nvGrpSpPr>
+      <p:grpSpPr>
+        <a:xfrm>
+          <a:off x="0" y="0"/>
+          <a:ext cx="0" cy="0"/>
+          <a:chOff x="0" y="0"/>
+          <a:chExt cx="0" cy="0"/>
+        </a:xfrm>
+      </p:grpSpPr>
+      <p:sp>
+        <p:nvSpPr>
+          <p:cNvPr id="2" name="Title 1"/>
+          <p:cNvSpPr>
+            <a:spLocks noGrp="1"/>
+          </p:cNvSpPr>
+          <p:nvPr>
+            <p:ph type="title"/>
+          </p:nvPr>
+        </p:nvSpPr>
+        <p:spPr/>
+        <p:txBody>
+          <a:bodyPr/>
+          <a:lstStyle/>
+          <a:p>
+            <a:r>
+              <a:rPr lang="en-US" dirty="0" smtClean="0"/>
+              <a:t>Demo</a:t>
+            </a:r>
+            <a:endParaRPr lang="en-US" dirty="0"/>
+          </a:p>
+        </p:txBody>
+      </p:sp>
+      <p:sp>
+        <p:nvSpPr>
+          <p:cNvPr id="3" name="Content Placeholder 2"/>
+          <p:cNvSpPr>
+            <a:spLocks noGrp="1"/>
+          </p:cNvSpPr>
+          <p:nvPr>
+            <p:ph idx="1"/>
+          </p:nvPr>
+        </p:nvSpPr>
+        <p:spPr/>
+        <p:txBody>
+          <a:bodyPr/>
+          <a:lstStyle/>
+          <a:p>
+            <a:r>
+              <a:rPr lang="en-US" dirty="0" err="1" smtClean="0"/>
+              <a:t>Niceday.c</a:t>
+            </a:r>
+            <a:endParaRPr lang="en-US" dirty="0" smtClean="0"/>
+          </a:p>
+          <a:p>
+            <a:r>
+              <a:rPr lang="en-US" dirty="0" smtClean="0"/>
+              <a:t>Demonstrates:</a:t>
+            </a:r>
+          </a:p>
+          <a:p>
+            <a:pPr lvl="1"/>
+            <a:r>
+              <a:rPr lang="en-US" dirty="0" smtClean="0"/>
+              <a:t>How to get data using </a:t>
+            </a:r>
+            <a:r>
+              <a:rPr lang="en-US" dirty="0" err="1" smtClean="0"/>
+              <a:t>getchar</a:t>
+            </a:r>
+            <a:r>
+              <a:rPr lang="en-US" dirty="0" smtClean="0"/>
+              <a:t>()</a:t>
+            </a:r>
+          </a:p>
+          <a:p>
+            <a:pPr lvl="1"/>
+            <a:r>
+              <a:rPr lang="en-US" dirty="0" err="1" smtClean="0"/>
+              <a:t>Isalpha</a:t>
+            </a:r>
+            <a:r>
+              <a:rPr lang="en-US" dirty="0" smtClean="0"/>
+              <a:t>()</a:t>
+            </a:r>
+          </a:p>
+          <a:p>
+            <a:pPr lvl="1"/>
+            <a:r>
+              <a:rPr lang="en-US" dirty="0" smtClean="0"/>
+              <a:t>Adding the null terminating character to a string (‘\0’)</a:t>
+            </a:r>
+          </a:p>
+          <a:p>
+            <a:pPr lvl="1"/>
+            <a:endParaRPr lang="en-US" dirty="0" smtClean="0"/>
+          </a:p>
+          <a:p>
+            <a:pPr lvl="1"/>
+            <a:endParaRPr lang="en-US" dirty="0"/>
+          </a:p>
+        </p:txBody>
+      </p:sp>
+    </p:spTree>
+    <p:extLst>
+      <p:ext uri="{BB962C8B-B14F-4D97-AF65-F5344CB8AC3E}">
+        <p14:creationId xmlns:p14="http://schemas.microsoft.com/office/powerpoint/2010/main" val="429945432"/>
+      </p:ext>
+    </p:extLst>
+  </p:cSld>
+  <p:clrMapOvr>
+    <a:masterClrMapping/>
+  </p:clrMapOvr>
+  <p:timing>
+    <p:tnLst>
+      <p:par>
+        <p:cTn id="1" dur="indefinite" restart="never" nodeType="tmRoot"/>
+      </p:par>
+    </p:tnLst>
+  </p:timing>
+</p:sld>
+</file>
+
+<file path=ppt/slides/slide18.xml><?xml version="1.0" encoding="utf-8"?>
+<p:sld xmlns:a="http://schemas.openxmlformats.org/drawingml/2006/main" xmlns:r="http://schemas.openxmlformats.org/officeDocument/2006/relationships" xmlns:p="http://schemas.openxmlformats.org/presentationml/2006/main">
+  <p:cSld>
+    <p:spTree>
+      <p:nvGrpSpPr>
+        <p:cNvPr id="1" name=""/>
+        <p:cNvGrpSpPr/>
+        <p:nvPr/>
+      </p:nvGrpSpPr>
+      <p:grpSpPr>
+        <a:xfrm>
+          <a:off x="0" y="0"/>
+          <a:ext cx="0" cy="0"/>
+          <a:chOff x="0" y="0"/>
+          <a:chExt cx="0" cy="0"/>
+        </a:xfrm>
+      </p:grpSpPr>
+      <p:sp>
+        <p:nvSpPr>
+          <p:cNvPr id="2" name="Title 1"/>
+          <p:cNvSpPr>
+            <a:spLocks noGrp="1"/>
+          </p:cNvSpPr>
+          <p:nvPr>
+            <p:ph type="title"/>
+          </p:nvPr>
+        </p:nvSpPr>
+        <p:spPr/>
+        <p:txBody>
+          <a:bodyPr/>
+          <a:lstStyle/>
+          <a:p>
+            <a:r>
+              <a:rPr lang="en-US" dirty="0" smtClean="0"/>
+              <a:t>Operating System Considerations</a:t>
+            </a:r>
+            <a:endParaRPr lang="en-US" dirty="0"/>
+          </a:p>
+        </p:txBody>
+      </p:sp>
+      <p:sp>
+        <p:nvSpPr>
+          <p:cNvPr id="3" name="Content Placeholder 2"/>
+          <p:cNvSpPr>
+            <a:spLocks noGrp="1"/>
+          </p:cNvSpPr>
+          <p:nvPr>
+            <p:ph idx="1"/>
+          </p:nvPr>
+        </p:nvSpPr>
+        <p:spPr/>
+        <p:txBody>
+          <a:bodyPr/>
+          <a:lstStyle/>
+          <a:p>
+            <a:r>
+              <a:rPr lang="en-US" dirty="0" smtClean="0"/>
+              <a:t>Steps to running a program:</a:t>
+            </a:r>
+          </a:p>
+          <a:p>
+            <a:pPr lvl="1"/>
+            <a:r>
+              <a:rPr lang="en-US" dirty="0" smtClean="0"/>
+              <a:t>Edit (</a:t>
+            </a:r>
+            <a:r>
+              <a:rPr lang="en-US" b="1" dirty="0" smtClean="0"/>
+              <a:t>Sublime, </a:t>
+            </a:r>
+            <a:r>
+              <a:rPr lang="en-US" b="1" dirty="0" err="1" smtClean="0"/>
+              <a:t>Emacs</a:t>
+            </a:r>
+            <a:r>
+              <a:rPr lang="en-US" b="1" dirty="0" smtClean="0"/>
+              <a:t>, vi</a:t>
+            </a:r>
+            <a:r>
+              <a:rPr lang="en-US" dirty="0" smtClean="0"/>
+              <a:t>)</a:t>
+            </a:r>
+          </a:p>
+          <a:p>
+            <a:pPr lvl="1"/>
+            <a:r>
+              <a:rPr lang="en-US" dirty="0" smtClean="0"/>
+              <a:t>Compile  (</a:t>
+            </a:r>
+            <a:r>
+              <a:rPr lang="en-US" b="1" dirty="0" smtClean="0"/>
+              <a:t>cc </a:t>
+            </a:r>
+            <a:r>
+              <a:rPr lang="en-US" b="1" dirty="0" err="1" smtClean="0"/>
+              <a:t>program.c</a:t>
+            </a:r>
+            <a:r>
+              <a:rPr lang="en-US" dirty="0" smtClean="0"/>
+              <a:t>)</a:t>
+            </a:r>
+          </a:p>
+          <a:p>
+            <a:pPr lvl="1"/>
+            <a:r>
+              <a:rPr lang="en-US" dirty="0" smtClean="0"/>
+              <a:t>Execute (</a:t>
+            </a:r>
+            <a:r>
+              <a:rPr lang="en-US" b="1" dirty="0" smtClean="0"/>
+              <a:t>./</a:t>
+            </a:r>
+            <a:r>
+              <a:rPr lang="en-US" b="1" dirty="0" err="1" smtClean="0"/>
+              <a:t>a.out</a:t>
+            </a:r>
+            <a:r>
+              <a:rPr lang="en-US" dirty="0" smtClean="0"/>
+              <a:t> or </a:t>
+            </a:r>
+            <a:r>
+              <a:rPr lang="en-US" b="1" dirty="0" smtClean="0"/>
+              <a:t>./</a:t>
+            </a:r>
+            <a:r>
+              <a:rPr lang="en-US" b="1" dirty="0" err="1" smtClean="0"/>
+              <a:t>a.exe</a:t>
+            </a:r>
+            <a:r>
+              <a:rPr lang="en-US" dirty="0" smtClean="0"/>
+              <a:t>)</a:t>
+            </a:r>
+            <a:endParaRPr lang="en-US" dirty="0"/>
+          </a:p>
+        </p:txBody>
+      </p:sp>
+    </p:spTree>
+    <p:extLst>
+      <p:ext uri="{BB962C8B-B14F-4D97-AF65-F5344CB8AC3E}">
+        <p14:creationId xmlns:p14="http://schemas.microsoft.com/office/powerpoint/2010/main" val="929809463"/>
+      </p:ext>
+    </p:extLst>
+  </p:cSld>
+  <p:clrMapOvr>
+    <a:masterClrMapping/>
+  </p:clrMapOvr>
+  <p:timing>
+    <p:tnLst>
+      <p:par>
+        <p:cTn id="1" dur="indefinite" restart="never" nodeType="tmRoot">
+          <p:childTnLst>
+            <p:seq concurrent="1" nextAc="seek">
+              <p:cTn id="2" dur="indefinite" nodeType="mainSeq">
+                <p:childTnLst>
+                  <p:par>
+                    <p:cTn id="3" fill="hold">
+                      <p:stCondLst>
+                        <p:cond delay="indefinite"/>
+                      </p:stCondLst>
+                      <p:childTnLst>
+                        <p:par>
+                          <p:cTn id="4" fill="hold">
+                            <p:stCondLst>
+                              <p:cond delay="0"/>
+                            </p:stCondLst>
+                            <p:childTnLst>
+                              <p:par>
+                                <p:cTn id="5" presetID="2" presetClass="entr" presetSubtype="4" fill="hold" nodeType="clickEffect">
+                                  <p:stCondLst>
+                                    <p:cond delay="0"/>
+                                  </p:stCondLst>
+                                  <p:childTnLst>
+                                    <p:set>
+                                      <p:cBhvr>
+                                        <p:cTn id="6" dur="1" fill="hold">
+                                          <p:stCondLst>
+                                            <p:cond delay="0"/>
+                                          </p:stCondLst>
+                                        </p:cTn>
+                                        <p:tgtEl>
+                                          <p:spTgt spid="3">
+                                            <p:txEl>
+                                              <p:pRg st="1" end="1"/>
+                                            </p:txEl>
+                                          </p:spTgt>
+                                        </p:tgtEl>
+                                        <p:attrNameLst>
+                                          <p:attrName>style.visibility</p:attrName>
+                                        </p:attrNameLst>
+                                      </p:cBhvr>
+                                      <p:to>
+                                        <p:strVal val="visible"/>
+                                      </p:to>
+                                    </p:set>
+                                    <p:anim calcmode="lin" valueType="num">
+                                      <p:cBhvr additive="base">
+                                        <p:cTn id="7" dur="500" fill="hold"/>
+                                        <p:tgtEl>
+                                          <p:spTgt spid="3">
+                                            <p:txEl>
+                                              <p:pRg st="1" end="1"/>
+                                            </p:txEl>
+                                          </p:spTgt>
+                                        </p:tgtEl>
+                                        <p:attrNameLst>
+                                          <p:attrName>ppt_x</p:attrName>
+                                        </p:attrNameLst>
+                                      </p:cBhvr>
+                                      <p:tavLst>
+                                        <p:tav tm="0">
+                                          <p:val>
+                                            <p:strVal val="#ppt_x"/>
+                                          </p:val>
+                                        </p:tav>
+                                        <p:tav tm="100000">
+                                          <p:val>
+                                            <p:strVal val="#ppt_x"/>
+                                          </p:val>
+                                        </p:tav>
+                                      </p:tavLst>
+                                    </p:anim>
+                                    <p:anim calcmode="lin" valueType="num">
+                                      <p:cBhvr additive="base">
+                                        <p:cTn id="8" dur="500" fill="hold"/>
+                                        <p:tgtEl>
+                                          <p:spTgt spid="3">
+                                            <p:txEl>
+                                              <p:pRg st="1" end="1"/>
+                                            </p:txEl>
+                                          </p:spTgt>
+                                        </p:tgtEl>
+                                        <p:attrNameLst>
+                                          <p:attrName>ppt_y</p:attrName>
+                                        </p:attrNameLst>
+                                      </p:cBhvr>
+                                      <p:tavLst>
+                                        <p:tav tm="0">
+                                          <p:val>
+                                            <p:strVal val="1+#ppt_h/2"/>
+                                          </p:val>
+                                        </p:tav>
+                                        <p:tav tm="100000">
+                                          <p:val>
+                                            <p:strVal val="#ppt_y"/>
+                                          </p:val>
+                                        </p:tav>
+                                      </p:tavLst>
+                                    </p:anim>
+                                  </p:childTnLst>
+                                </p:cTn>
+                              </p:par>
+                            </p:childTnLst>
+                          </p:cTn>
+                        </p:par>
+                      </p:childTnLst>
+                    </p:cTn>
+                  </p:par>
+                  <p:par>
+                    <p:cTn id="9" fill="hold">
+                      <p:stCondLst>
+                        <p:cond delay="indefinite"/>
+                      </p:stCondLst>
+                      <p:childTnLst>
+                        <p:par>
+                          <p:cTn id="10" fill="hold">
+                            <p:stCondLst>
+                              <p:cond delay="0"/>
+                            </p:stCondLst>
+                            <p:childTnLst>
+                              <p:par>
+                                <p:cTn id="11" presetID="2" presetClass="entr" presetSubtype="4" fill="hold" nodeType="clickEffect">
+                                  <p:stCondLst>
+                                    <p:cond delay="0"/>
+                                  </p:stCondLst>
+                                  <p:childTnLst>
+                                    <p:set>
+                                      <p:cBhvr>
+                                        <p:cTn id="12" dur="1" fill="hold">
+                                          <p:stCondLst>
+                                            <p:cond delay="0"/>
+                                          </p:stCondLst>
+                                        </p:cTn>
+                                        <p:tgtEl>
+                                          <p:spTgt spid="3">
+                                            <p:txEl>
+                                              <p:pRg st="2" end="2"/>
+                                            </p:txEl>
+                                          </p:spTgt>
+                                        </p:tgtEl>
+                                        <p:attrNameLst>
+                                          <p:attrName>style.visibility</p:attrName>
+                                        </p:attrNameLst>
+                                      </p:cBhvr>
+                                      <p:to>
+                                        <p:strVal val="visible"/>
+                                      </p:to>
+                                    </p:set>
+                                    <p:anim calcmode="lin" valueType="num">
+                                      <p:cBhvr additive="base">
+                                        <p:cTn id="13" dur="500" fill="hold"/>
+                                        <p:tgtEl>
+                                          <p:spTgt spid="3">
+                                            <p:txEl>
+                                              <p:pRg st="2" end="2"/>
+                                            </p:txEl>
+                                          </p:spTgt>
+                                        </p:tgtEl>
+                                        <p:attrNameLst>
+                                          <p:attrName>ppt_x</p:attrName>
+                                        </p:attrNameLst>
+                                      </p:cBhvr>
+                                      <p:tavLst>
+                                        <p:tav tm="0">
+                                          <p:val>
+                                            <p:strVal val="#ppt_x"/>
+                                          </p:val>
+                                        </p:tav>
+                                        <p:tav tm="100000">
+                                          <p:val>
+                                            <p:strVal val="#ppt_x"/>
+                                          </p:val>
+                                        </p:tav>
+                                      </p:tavLst>
+                                    </p:anim>
+                                    <p:anim calcmode="lin" valueType="num">
+                                      <p:cBhvr additive="base">
+                                        <p:cTn id="14" dur="500" fill="hold"/>
+                                        <p:tgtEl>
+                                          <p:spTgt spid="3">
+                                            <p:txEl>
+                                              <p:pRg st="2" end="2"/>
+                                            </p:txEl>
+                                          </p:spTgt>
+                                        </p:tgtEl>
+                                        <p:attrNameLst>
+                                          <p:attrName>ppt_y</p:attrName>
+                                        </p:attrNameLst>
+                                      </p:cBhvr>
+                                      <p:tavLst>
+                                        <p:tav tm="0">
+                                          <p:val>
+                                            <p:strVal val="1+#ppt_h/2"/>
+                                          </p:val>
+                                        </p:tav>
+                                        <p:tav tm="100000">
+                                          <p:val>
+                                            <p:strVal val="#ppt_y"/>
+                                          </p:val>
+                                        </p:tav>
+                                      </p:tavLst>
+                                    </p:anim>
+                                  </p:childTnLst>
+                                </p:cTn>
+                              </p:par>
+                            </p:childTnLst>
+                          </p:cTn>
+                        </p:par>
+                      </p:childTnLst>
+                    </p:cTn>
+                  </p:par>
+                  <p:par>
+                    <p:cTn id="15" fill="hold">
+                      <p:stCondLst>
+                        <p:cond delay="indefinite"/>
+                      </p:stCondLst>
+                      <p:childTnLst>
+                        <p:par>
+                          <p:cTn id="16" fill="hold">
+                            <p:stCondLst>
+                              <p:cond delay="0"/>
+                            </p:stCondLst>
+                            <p:childTnLst>
+                              <p:par>
+                                <p:cTn id="17" presetID="2" presetClass="entr" presetSubtype="4" fill="hold" nodeType="clickEffect">
+                                  <p:stCondLst>
+                                    <p:cond delay="0"/>
+                                  </p:stCondLst>
+                                  <p:childTnLst>
+                                    <p:set>
+                                      <p:cBhvr>
+                                        <p:cTn id="18" dur="1" fill="hold">
+                                          <p:stCondLst>
+                                            <p:cond delay="0"/>
+                                          </p:stCondLst>
+                                        </p:cTn>
+                                        <p:tgtEl>
+                                          <p:spTgt spid="3">
+                                            <p:txEl>
+                                              <p:pRg st="3" end="3"/>
+                                            </p:txEl>
+                                          </p:spTgt>
+                                        </p:tgtEl>
+                                        <p:attrNameLst>
+                                          <p:attrName>style.visibility</p:attrName>
+                                        </p:attrNameLst>
+                                      </p:cBhvr>
+                                      <p:to>
+                                        <p:strVal val="visible"/>
+                                      </p:to>
+                                    </p:set>
+                                    <p:anim calcmode="lin" valueType="num">
+                                      <p:cBhvr additive="base">
+                                        <p:cTn id="19" dur="500" fill="hold"/>
+                                        <p:tgtEl>
+                                          <p:spTgt spid="3">
+                                            <p:txEl>
+                                              <p:pRg st="3" end="3"/>
+                                            </p:txEl>
+                                          </p:spTgt>
+                                        </p:tgtEl>
+                                        <p:attrNameLst>
+                                          <p:attrName>ppt_x</p:attrName>
+                                        </p:attrNameLst>
+                                      </p:cBhvr>
+                                      <p:tavLst>
+                                        <p:tav tm="0">
+                                          <p:val>
+                                            <p:strVal val="#ppt_x"/>
+                                          </p:val>
+                                        </p:tav>
+                                        <p:tav tm="100000">
+                                          <p:val>
+                                            <p:strVal val="#ppt_x"/>
+                                          </p:val>
+                                        </p:tav>
+                                      </p:tavLst>
+                                    </p:anim>
+                                    <p:anim calcmode="lin" valueType="num">
+                                      <p:cBhvr additive="base">
+                                        <p:cTn id="20" dur="500" fill="hold"/>
+                                        <p:tgtEl>
+                                          <p:spTgt spid="3">
+                                            <p:txEl>
+                                              <p:pRg st="3" end="3"/>
+                                            </p:txEl>
+                                          </p:spTgt>
+                                        </p:tgtEl>
+                                        <p:attrNameLst>
+                                          <p:attrName>ppt_y</p:attrName>
+                                        </p:attrNameLst>
+                                      </p:cBhvr>
+                                      <p:tavLst>
+                                        <p:tav tm="0">
+                                          <p:val>
+                                            <p:strVal val="1+#ppt_h/2"/>
+                                          </p:val>
+                                        </p:tav>
+                                        <p:tav tm="100000">
+                                          <p:val>
+                                            <p:strVal val="#ppt_y"/>
+                                          </p:val>
+                                        </p:tav>
+                                      </p:tavLst>
+                                    </p:anim>
+                                  </p:childTnLst>
+                                </p:cTn>
+                              </p:par>
+                            </p:childTnLst>
+                          </p:cTn>
+                        </p:par>
+                      </p:childTnLst>
+                    </p:cTn>
+                  </p:par>
+                </p:childTnLst>
+              </p:cTn>
+              <p:prevCondLst>
+                <p:cond evt="onPrev" delay="0">
+                  <p:tgtEl>
+                    <p:sldTgt/>
+                  </p:tgtEl>
+                </p:cond>
+              </p:prevCondLst>
+              <p:nextCondLst>
+                <p:cond evt="onNext" delay="0">
+                  <p:tgtEl>
+                    <p:sldTgt/>
+                  </p:tgtEl>
+                </p:cond>
+              </p:nextCondLst>
+            </p:seq>
+          </p:childTnLst>
+        </p:cTn>
+      </p:par>
+    </p:tnLst>
+  </p:timing>
+</p:sld>
+</file>
+
+<file path=ppt/slides/slide19.xml><?xml version="1.0" encoding="utf-8"?>
+<p:sld xmlns:a="http://schemas.openxmlformats.org/drawingml/2006/main" xmlns:r="http://schemas.openxmlformats.org/officeDocument/2006/relationships" xmlns:p="http://schemas.openxmlformats.org/presentationml/2006/main">
+  <p:cSld>
+    <p:spTree>
+      <p:nvGrpSpPr>
+        <p:cNvPr id="1" name=""/>
+        <p:cNvGrpSpPr/>
+        <p:nvPr/>
+      </p:nvGrpSpPr>
+      <p:grpSpPr>
+        <a:xfrm>
+          <a:off x="0" y="0"/>
+          <a:ext cx="0" cy="0"/>
+          <a:chOff x="0" y="0"/>
+          <a:chExt cx="0" cy="0"/>
+        </a:xfrm>
+      </p:grpSpPr>
+      <p:sp>
+        <p:nvSpPr>
+          <p:cNvPr id="2" name="Title 1"/>
+          <p:cNvSpPr>
+            <a:spLocks noGrp="1"/>
+          </p:cNvSpPr>
+          <p:nvPr>
+            <p:ph type="title"/>
+          </p:nvPr>
+        </p:nvSpPr>
+        <p:spPr/>
+        <p:txBody>
+          <a:bodyPr/>
+          <a:lstStyle/>
+          <a:p>
+            <a:r>
+              <a:rPr lang="en-US" dirty="0" smtClean="0"/>
+              <a:t>Compiler switches</a:t>
+            </a:r>
+            <a:endParaRPr lang="en-US" dirty="0"/>
+          </a:p>
+        </p:txBody>
+      </p:sp>
+      <p:sp>
+        <p:nvSpPr>
+          <p:cNvPr id="3" name="Content Placeholder 2"/>
+          <p:cNvSpPr>
+            <a:spLocks noGrp="1"/>
+          </p:cNvSpPr>
+          <p:nvPr>
+            <p:ph idx="1"/>
+          </p:nvPr>
+        </p:nvSpPr>
+        <p:spPr/>
+        <p:txBody>
+          <a:bodyPr/>
+          <a:lstStyle/>
+          <a:p>
+            <a:r>
+              <a:rPr lang="en-US" dirty="0" smtClean="0"/>
+              <a:t>Problem:</a:t>
+            </a:r>
+          </a:p>
+          <a:p>
+            <a:pPr lvl="1"/>
+            <a:r>
+              <a:rPr lang="en-US" dirty="0" smtClean="0"/>
+              <a:t>If we compiler another program in the same directory </a:t>
+            </a:r>
+            <a:r>
+              <a:rPr lang="en-US" dirty="0" err="1" smtClean="0"/>
+              <a:t>a.out</a:t>
+            </a:r>
+            <a:r>
+              <a:rPr lang="en-US" dirty="0" smtClean="0"/>
+              <a:t> will be overwritten. </a:t>
+            </a:r>
+          </a:p>
+          <a:p>
+            <a:r>
+              <a:rPr lang="en-US" dirty="0" smtClean="0"/>
+              <a:t>Solution (s):</a:t>
+            </a:r>
+          </a:p>
+          <a:p>
+            <a:pPr lvl="1"/>
+            <a:r>
+              <a:rPr lang="en-US" dirty="0" smtClean="0"/>
+              <a:t>Use move </a:t>
+            </a:r>
+          </a:p>
+          <a:p>
+            <a:pPr lvl="2"/>
+            <a:r>
+              <a:rPr lang="en-US" b="1" dirty="0" err="1" smtClean="0">
+                <a:latin typeface="Courier" charset="0"/>
+                <a:ea typeface="Courier" charset="0"/>
+                <a:cs typeface="Courier" charset="0"/>
+              </a:rPr>
+              <a:t>Mv</a:t>
+            </a:r>
+            <a:r>
+              <a:rPr lang="en-US" b="1" dirty="0" smtClean="0">
+                <a:latin typeface="Courier" charset="0"/>
+                <a:ea typeface="Courier" charset="0"/>
+                <a:cs typeface="Courier" charset="0"/>
+              </a:rPr>
+              <a:t> </a:t>
+            </a:r>
+            <a:r>
+              <a:rPr lang="en-US" b="1" dirty="0" err="1" smtClean="0">
+                <a:latin typeface="Courier" charset="0"/>
+                <a:ea typeface="Courier" charset="0"/>
+                <a:cs typeface="Courier" charset="0"/>
+              </a:rPr>
+              <a:t>a.out</a:t>
+            </a:r>
+            <a:r>
+              <a:rPr lang="en-US" b="1" dirty="0" smtClean="0">
+                <a:latin typeface="Courier" charset="0"/>
+                <a:ea typeface="Courier" charset="0"/>
+                <a:cs typeface="Courier" charset="0"/>
+              </a:rPr>
+              <a:t> </a:t>
+            </a:r>
+            <a:r>
+              <a:rPr lang="en-US" b="1" dirty="0" err="1" smtClean="0">
+                <a:latin typeface="Courier" charset="0"/>
+                <a:ea typeface="Courier" charset="0"/>
+                <a:cs typeface="Courier" charset="0"/>
+              </a:rPr>
+              <a:t>strlen</a:t>
+            </a:r>
+            <a:endParaRPr lang="en-US" b="1" dirty="0" smtClean="0">
+              <a:latin typeface="Courier" charset="0"/>
+              <a:ea typeface="Courier" charset="0"/>
+              <a:cs typeface="Courier" charset="0"/>
+            </a:endParaRPr>
+          </a:p>
+          <a:p>
+            <a:pPr lvl="1"/>
+            <a:r>
+              <a:rPr lang="en-US" dirty="0" smtClean="0"/>
+              <a:t>Use a compiler switch (argument)</a:t>
+            </a:r>
+          </a:p>
+          <a:p>
+            <a:pPr lvl="2"/>
+            <a:r>
+              <a:rPr lang="en-US" b="1" dirty="0" smtClean="0">
+                <a:latin typeface="Courier" charset="0"/>
+                <a:ea typeface="Courier" charset="0"/>
+                <a:cs typeface="Courier" charset="0"/>
+              </a:rPr>
+              <a:t>cc –o </a:t>
+            </a:r>
+            <a:r>
+              <a:rPr lang="en-US" b="1" dirty="0" err="1" smtClean="0">
+                <a:latin typeface="Courier" charset="0"/>
+                <a:ea typeface="Courier" charset="0"/>
+                <a:cs typeface="Courier" charset="0"/>
+              </a:rPr>
+              <a:t>strlen</a:t>
+            </a:r>
+            <a:r>
+              <a:rPr lang="en-US" b="1" dirty="0" smtClean="0">
+                <a:latin typeface="Courier" charset="0"/>
+                <a:ea typeface="Courier" charset="0"/>
+                <a:cs typeface="Courier" charset="0"/>
+              </a:rPr>
+              <a:t> </a:t>
+            </a:r>
+            <a:r>
+              <a:rPr lang="en-US" b="1" dirty="0" err="1" smtClean="0">
+                <a:latin typeface="Courier" charset="0"/>
+                <a:ea typeface="Courier" charset="0"/>
+                <a:cs typeface="Courier" charset="0"/>
+              </a:rPr>
+              <a:t>strlen.c</a:t>
+            </a:r>
+            <a:endParaRPr lang="en-US" b="1" dirty="0">
+              <a:latin typeface="Courier" charset="0"/>
+              <a:ea typeface="Courier" charset="0"/>
+              <a:cs typeface="Courier" charset="0"/>
+            </a:endParaRPr>
+          </a:p>
+        </p:txBody>
+      </p:sp>
+    </p:spTree>
+    <p:extLst>
+      <p:ext uri="{BB962C8B-B14F-4D97-AF65-F5344CB8AC3E}">
+        <p14:creationId xmlns:p14="http://schemas.microsoft.com/office/powerpoint/2010/main" val="1128728699"/>
+      </p:ext>
+    </p:extLst>
+  </p:cSld>
+  <p:clrMapOvr>
+    <a:masterClrMapping/>
+  </p:clrMapOvr>
+  <p:timing>
+    <p:tnLst>
+      <p:par>
+        <p:cTn id="1" dur="indefinite" restart="never" nodeType="tmRoot"/>
       </p:par>
     </p:tnLst>
   </p:timing>
@@ -3826,7 +4894,1181 @@
   <p:timing>
     <p:tnLst>
       <p:par>
-        <p:cTn xmlns:p14="http://schemas.microsoft.com/office/powerpoint/2010/main" id="1" dur="indefinite" restart="never" nodeType="tmRoot"/>
+        <p:cTn id="1" dur="indefinite" restart="never" nodeType="tmRoot"/>
+      </p:par>
+    </p:tnLst>
+  </p:timing>
+</p:sld>
+</file>
+
+<file path=ppt/slides/slide20.xml><?xml version="1.0" encoding="utf-8"?>
+<p:sld xmlns:a="http://schemas.openxmlformats.org/drawingml/2006/main" xmlns:r="http://schemas.openxmlformats.org/officeDocument/2006/relationships" xmlns:p="http://schemas.openxmlformats.org/presentationml/2006/main">
+  <p:cSld>
+    <p:spTree>
+      <p:nvGrpSpPr>
+        <p:cNvPr id="1" name=""/>
+        <p:cNvGrpSpPr/>
+        <p:nvPr/>
+      </p:nvGrpSpPr>
+      <p:grpSpPr>
+        <a:xfrm>
+          <a:off x="0" y="0"/>
+          <a:ext cx="0" cy="0"/>
+          <a:chOff x="0" y="0"/>
+          <a:chExt cx="0" cy="0"/>
+        </a:xfrm>
+      </p:grpSpPr>
+      <p:sp>
+        <p:nvSpPr>
+          <p:cNvPr id="2" name="Title 1"/>
+          <p:cNvSpPr>
+            <a:spLocks noGrp="1"/>
+          </p:cNvSpPr>
+          <p:nvPr>
+            <p:ph type="title"/>
+          </p:nvPr>
+        </p:nvSpPr>
+        <p:spPr/>
+        <p:txBody>
+          <a:bodyPr/>
+          <a:lstStyle/>
+          <a:p>
+            <a:r>
+              <a:rPr lang="en-US" dirty="0" smtClean="0"/>
+              <a:t>Declaring loop </a:t>
+            </a:r>
+            <a:r>
+              <a:rPr lang="en-US" dirty="0" err="1" smtClean="0"/>
+              <a:t>vars</a:t>
+            </a:r>
+            <a:r>
+              <a:rPr lang="en-US" dirty="0" smtClean="0"/>
+              <a:t> </a:t>
+            </a:r>
+            <a:endParaRPr lang="en-US" dirty="0"/>
+          </a:p>
+        </p:txBody>
+      </p:sp>
+      <p:sp>
+        <p:nvSpPr>
+          <p:cNvPr id="3" name="Content Placeholder 2"/>
+          <p:cNvSpPr>
+            <a:spLocks noGrp="1"/>
+          </p:cNvSpPr>
+          <p:nvPr>
+            <p:ph idx="1"/>
+          </p:nvPr>
+        </p:nvSpPr>
+        <p:spPr/>
+        <p:txBody>
+          <a:bodyPr/>
+          <a:lstStyle/>
+          <a:p>
+            <a:r>
+              <a:rPr lang="en-US" dirty="0" smtClean="0"/>
+              <a:t>Remember:</a:t>
+            </a:r>
+          </a:p>
+          <a:p>
+            <a:pPr lvl="1"/>
+            <a:r>
+              <a:rPr lang="en-US" b="1" dirty="0" smtClean="0">
+                <a:latin typeface="Courier" charset="0"/>
+                <a:ea typeface="Courier" charset="0"/>
+                <a:cs typeface="Courier" charset="0"/>
+              </a:rPr>
+              <a:t>cc </a:t>
+            </a:r>
+            <a:r>
+              <a:rPr lang="en-US" b="1" dirty="0">
+                <a:latin typeface="Courier" charset="0"/>
+                <a:ea typeface="Courier" charset="0"/>
+                <a:cs typeface="Courier" charset="0"/>
+              </a:rPr>
+              <a:t>–</a:t>
+            </a:r>
+            <a:r>
+              <a:rPr lang="en-US" b="1" dirty="0" err="1">
+                <a:latin typeface="Courier" charset="0"/>
+                <a:ea typeface="Courier" charset="0"/>
+                <a:cs typeface="Courier" charset="0"/>
+              </a:rPr>
+              <a:t>std</a:t>
+            </a:r>
+            <a:r>
+              <a:rPr lang="en-US" b="1" dirty="0">
+                <a:latin typeface="Courier" charset="0"/>
+                <a:ea typeface="Courier" charset="0"/>
+                <a:cs typeface="Courier" charset="0"/>
+              </a:rPr>
+              <a:t>=c99 </a:t>
+            </a:r>
+            <a:r>
+              <a:rPr lang="en-US" b="1" dirty="0" err="1">
+                <a:latin typeface="Courier" charset="0"/>
+                <a:ea typeface="Courier" charset="0"/>
+                <a:cs typeface="Courier" charset="0"/>
+              </a:rPr>
+              <a:t>program.c</a:t>
+            </a:r>
+            <a:r>
+              <a:rPr lang="en-US" b="1" dirty="0">
+                <a:latin typeface="Courier" charset="0"/>
+                <a:ea typeface="Courier" charset="0"/>
+                <a:cs typeface="Courier" charset="0"/>
+              </a:rPr>
+              <a:t> </a:t>
+            </a:r>
+          </a:p>
+          <a:p>
+            <a:r>
+              <a:rPr lang="en-US" dirty="0" smtClean="0"/>
+              <a:t>We could even do:</a:t>
+            </a:r>
+          </a:p>
+          <a:p>
+            <a:pPr lvl="1"/>
+            <a:r>
+              <a:rPr lang="en-US" b="1" dirty="0" smtClean="0">
+                <a:latin typeface="Courier" charset="0"/>
+                <a:ea typeface="Courier" charset="0"/>
+                <a:cs typeface="Courier" charset="0"/>
+              </a:rPr>
+              <a:t>cc –</a:t>
+            </a:r>
+            <a:r>
+              <a:rPr lang="en-US" b="1" dirty="0" err="1" smtClean="0">
+                <a:latin typeface="Courier" charset="0"/>
+                <a:ea typeface="Courier" charset="0"/>
+                <a:cs typeface="Courier" charset="0"/>
+              </a:rPr>
+              <a:t>std</a:t>
+            </a:r>
+            <a:r>
+              <a:rPr lang="en-US" b="1" dirty="0" smtClean="0">
+                <a:latin typeface="Courier" charset="0"/>
+                <a:ea typeface="Courier" charset="0"/>
+                <a:cs typeface="Courier" charset="0"/>
+              </a:rPr>
+              <a:t>=c99 –o program </a:t>
+            </a:r>
+            <a:r>
+              <a:rPr lang="en-US" b="1" dirty="0" err="1" smtClean="0">
+                <a:latin typeface="Courier" charset="0"/>
+                <a:ea typeface="Courier" charset="0"/>
+                <a:cs typeface="Courier" charset="0"/>
+              </a:rPr>
+              <a:t>program.c</a:t>
+            </a:r>
+            <a:endParaRPr lang="en-US" b="1" dirty="0">
+              <a:latin typeface="Courier" charset="0"/>
+              <a:ea typeface="Courier" charset="0"/>
+              <a:cs typeface="Courier" charset="0"/>
+            </a:endParaRPr>
+          </a:p>
+        </p:txBody>
+      </p:sp>
+    </p:spTree>
+    <p:extLst>
+      <p:ext uri="{BB962C8B-B14F-4D97-AF65-F5344CB8AC3E}">
+        <p14:creationId xmlns:p14="http://schemas.microsoft.com/office/powerpoint/2010/main" val="1210433717"/>
+      </p:ext>
+    </p:extLst>
+  </p:cSld>
+  <p:clrMapOvr>
+    <a:masterClrMapping/>
+  </p:clrMapOvr>
+  <p:timing>
+    <p:tnLst>
+      <p:par>
+        <p:cTn id="1" dur="indefinite" restart="never" nodeType="tmRoot"/>
+      </p:par>
+    </p:tnLst>
+  </p:timing>
+</p:sld>
+</file>
+
+<file path=ppt/slides/slide21.xml><?xml version="1.0" encoding="utf-8"?>
+<p:sld xmlns:a="http://schemas.openxmlformats.org/drawingml/2006/main" xmlns:r="http://schemas.openxmlformats.org/officeDocument/2006/relationships" xmlns:p="http://schemas.openxmlformats.org/presentationml/2006/main">
+  <p:cSld>
+    <p:spTree>
+      <p:nvGrpSpPr>
+        <p:cNvPr id="1" name=""/>
+        <p:cNvGrpSpPr/>
+        <p:nvPr/>
+      </p:nvGrpSpPr>
+      <p:grpSpPr>
+        <a:xfrm>
+          <a:off x="0" y="0"/>
+          <a:ext cx="0" cy="0"/>
+          <a:chOff x="0" y="0"/>
+          <a:chExt cx="0" cy="0"/>
+        </a:xfrm>
+      </p:grpSpPr>
+      <p:sp>
+        <p:nvSpPr>
+          <p:cNvPr id="2" name="Title 1"/>
+          <p:cNvSpPr>
+            <a:spLocks noGrp="1"/>
+          </p:cNvSpPr>
+          <p:nvPr>
+            <p:ph type="title"/>
+          </p:nvPr>
+        </p:nvSpPr>
+        <p:spPr/>
+        <p:txBody>
+          <a:bodyPr/>
+          <a:lstStyle/>
+          <a:p>
+            <a:r>
+              <a:rPr lang="en-US" dirty="0" smtClean="0"/>
+              <a:t>Interrupting a program</a:t>
+            </a:r>
+            <a:endParaRPr lang="en-US" dirty="0"/>
+          </a:p>
+        </p:txBody>
+      </p:sp>
+      <p:sp>
+        <p:nvSpPr>
+          <p:cNvPr id="3" name="Content Placeholder 2"/>
+          <p:cNvSpPr>
+            <a:spLocks noGrp="1"/>
+          </p:cNvSpPr>
+          <p:nvPr>
+            <p:ph idx="1"/>
+          </p:nvPr>
+        </p:nvSpPr>
+        <p:spPr/>
+        <p:txBody>
+          <a:bodyPr/>
+          <a:lstStyle/>
+          <a:p>
+            <a:r>
+              <a:rPr lang="en-US" dirty="0" smtClean="0"/>
+              <a:t>Remember about the infinite loop ?</a:t>
+            </a:r>
+          </a:p>
+          <a:p>
+            <a:pPr marL="0" indent="0">
+              <a:buNone/>
+            </a:pPr>
+            <a:r>
+              <a:rPr lang="en-US" dirty="0" smtClean="0"/>
+              <a:t> </a:t>
+            </a:r>
+          </a:p>
+          <a:p>
+            <a:pPr marL="0" indent="0">
+              <a:buNone/>
+            </a:pPr>
+            <a:r>
+              <a:rPr lang="en-US" dirty="0" smtClean="0">
+                <a:latin typeface="Courier" charset="0"/>
+                <a:ea typeface="Courier" charset="0"/>
+                <a:cs typeface="Courier" charset="0"/>
+              </a:rPr>
+              <a:t>	while (</a:t>
+            </a:r>
+            <a:r>
+              <a:rPr lang="en-US" dirty="0" err="1" smtClean="0">
+                <a:latin typeface="Courier" charset="0"/>
+                <a:ea typeface="Courier" charset="0"/>
+                <a:cs typeface="Courier" charset="0"/>
+              </a:rPr>
+              <a:t>i</a:t>
+            </a:r>
+            <a:r>
+              <a:rPr lang="en-US" dirty="0" smtClean="0">
+                <a:latin typeface="Courier" charset="0"/>
+                <a:ea typeface="Courier" charset="0"/>
+                <a:cs typeface="Courier" charset="0"/>
+              </a:rPr>
+              <a:t> &lt; 10) {</a:t>
+            </a:r>
+          </a:p>
+          <a:p>
+            <a:pPr marL="0" indent="0">
+              <a:buNone/>
+            </a:pPr>
+            <a:r>
+              <a:rPr lang="en-US" dirty="0">
+                <a:latin typeface="Courier" charset="0"/>
+                <a:ea typeface="Courier" charset="0"/>
+                <a:cs typeface="Courier" charset="0"/>
+              </a:rPr>
+              <a:t>	</a:t>
+            </a:r>
+            <a:r>
+              <a:rPr lang="en-US" dirty="0" smtClean="0">
+                <a:latin typeface="Courier" charset="0"/>
+                <a:ea typeface="Courier" charset="0"/>
+                <a:cs typeface="Courier" charset="0"/>
+              </a:rPr>
+              <a:t>	</a:t>
+            </a:r>
+            <a:r>
+              <a:rPr lang="en-US" dirty="0" err="1" smtClean="0">
+                <a:latin typeface="Courier" charset="0"/>
+                <a:ea typeface="Courier" charset="0"/>
+                <a:cs typeface="Courier" charset="0"/>
+              </a:rPr>
+              <a:t>printf</a:t>
+            </a:r>
+            <a:r>
+              <a:rPr lang="en-US" dirty="0" smtClean="0">
+                <a:latin typeface="Courier" charset="0"/>
+                <a:ea typeface="Courier" charset="0"/>
+                <a:cs typeface="Courier" charset="0"/>
+              </a:rPr>
+              <a:t>(“hello”);	</a:t>
+            </a:r>
+          </a:p>
+          <a:p>
+            <a:pPr marL="0" indent="0">
+              <a:buNone/>
+            </a:pPr>
+            <a:r>
+              <a:rPr lang="en-US" dirty="0">
+                <a:latin typeface="Courier" charset="0"/>
+                <a:ea typeface="Courier" charset="0"/>
+                <a:cs typeface="Courier" charset="0"/>
+              </a:rPr>
+              <a:t> </a:t>
+            </a:r>
+            <a:r>
+              <a:rPr lang="en-US" dirty="0" smtClean="0">
+                <a:latin typeface="Courier" charset="0"/>
+                <a:ea typeface="Courier" charset="0"/>
+                <a:cs typeface="Courier" charset="0"/>
+              </a:rPr>
+              <a:t>    }</a:t>
+            </a:r>
+          </a:p>
+          <a:p>
+            <a:pPr marL="0" indent="0">
+              <a:buNone/>
+            </a:pPr>
+            <a:endParaRPr lang="en-US" dirty="0" smtClean="0"/>
+          </a:p>
+          <a:p>
+            <a:r>
+              <a:rPr lang="en-US" dirty="0" smtClean="0"/>
+              <a:t>Stop it with </a:t>
+            </a:r>
+            <a:r>
+              <a:rPr lang="en-US" b="1" dirty="0" smtClean="0"/>
+              <a:t>Control - C</a:t>
+            </a:r>
+            <a:r>
+              <a:rPr lang="en-US" b="1" dirty="0"/>
+              <a:t>	</a:t>
+            </a:r>
+          </a:p>
+        </p:txBody>
+      </p:sp>
+    </p:spTree>
+    <p:extLst>
+      <p:ext uri="{BB962C8B-B14F-4D97-AF65-F5344CB8AC3E}">
+        <p14:creationId xmlns:p14="http://schemas.microsoft.com/office/powerpoint/2010/main" val="1699674674"/>
+      </p:ext>
+    </p:extLst>
+  </p:cSld>
+  <p:clrMapOvr>
+    <a:masterClrMapping/>
+  </p:clrMapOvr>
+  <p:timing>
+    <p:tnLst>
+      <p:par>
+        <p:cTn id="1" dur="indefinite" restart="never" nodeType="tmRoot">
+          <p:childTnLst>
+            <p:seq concurrent="1" nextAc="seek">
+              <p:cTn id="2" dur="indefinite" nodeType="mainSeq">
+                <p:childTnLst>
+                  <p:par>
+                    <p:cTn id="3" fill="hold">
+                      <p:stCondLst>
+                        <p:cond delay="indefinite"/>
+                      </p:stCondLst>
+                      <p:childTnLst>
+                        <p:par>
+                          <p:cTn id="4" fill="hold">
+                            <p:stCondLst>
+                              <p:cond delay="0"/>
+                            </p:stCondLst>
+                            <p:childTnLst>
+                              <p:par>
+                                <p:cTn id="5" presetID="2" presetClass="entr" presetSubtype="4" fill="hold" nodeType="clickEffect">
+                                  <p:stCondLst>
+                                    <p:cond delay="0"/>
+                                  </p:stCondLst>
+                                  <p:childTnLst>
+                                    <p:set>
+                                      <p:cBhvr>
+                                        <p:cTn id="6" dur="1" fill="hold">
+                                          <p:stCondLst>
+                                            <p:cond delay="0"/>
+                                          </p:stCondLst>
+                                        </p:cTn>
+                                        <p:tgtEl>
+                                          <p:spTgt spid="3">
+                                            <p:txEl>
+                                              <p:pRg st="2" end="2"/>
+                                            </p:txEl>
+                                          </p:spTgt>
+                                        </p:tgtEl>
+                                        <p:attrNameLst>
+                                          <p:attrName>style.visibility</p:attrName>
+                                        </p:attrNameLst>
+                                      </p:cBhvr>
+                                      <p:to>
+                                        <p:strVal val="visible"/>
+                                      </p:to>
+                                    </p:set>
+                                    <p:anim calcmode="lin" valueType="num">
+                                      <p:cBhvr additive="base">
+                                        <p:cTn id="7" dur="500" fill="hold"/>
+                                        <p:tgtEl>
+                                          <p:spTgt spid="3">
+                                            <p:txEl>
+                                              <p:pRg st="2" end="2"/>
+                                            </p:txEl>
+                                          </p:spTgt>
+                                        </p:tgtEl>
+                                        <p:attrNameLst>
+                                          <p:attrName>ppt_x</p:attrName>
+                                        </p:attrNameLst>
+                                      </p:cBhvr>
+                                      <p:tavLst>
+                                        <p:tav tm="0">
+                                          <p:val>
+                                            <p:strVal val="#ppt_x"/>
+                                          </p:val>
+                                        </p:tav>
+                                        <p:tav tm="100000">
+                                          <p:val>
+                                            <p:strVal val="#ppt_x"/>
+                                          </p:val>
+                                        </p:tav>
+                                      </p:tavLst>
+                                    </p:anim>
+                                    <p:anim calcmode="lin" valueType="num">
+                                      <p:cBhvr additive="base">
+                                        <p:cTn id="8" dur="500" fill="hold"/>
+                                        <p:tgtEl>
+                                          <p:spTgt spid="3">
+                                            <p:txEl>
+                                              <p:pRg st="2" end="2"/>
+                                            </p:txEl>
+                                          </p:spTgt>
+                                        </p:tgtEl>
+                                        <p:attrNameLst>
+                                          <p:attrName>ppt_y</p:attrName>
+                                        </p:attrNameLst>
+                                      </p:cBhvr>
+                                      <p:tavLst>
+                                        <p:tav tm="0">
+                                          <p:val>
+                                            <p:strVal val="1+#ppt_h/2"/>
+                                          </p:val>
+                                        </p:tav>
+                                        <p:tav tm="100000">
+                                          <p:val>
+                                            <p:strVal val="#ppt_y"/>
+                                          </p:val>
+                                        </p:tav>
+                                      </p:tavLst>
+                                    </p:anim>
+                                  </p:childTnLst>
+                                </p:cTn>
+                              </p:par>
+                              <p:par>
+                                <p:cTn id="9" presetID="2" presetClass="entr" presetSubtype="4" fill="hold" nodeType="withEffect">
+                                  <p:stCondLst>
+                                    <p:cond delay="0"/>
+                                  </p:stCondLst>
+                                  <p:childTnLst>
+                                    <p:set>
+                                      <p:cBhvr>
+                                        <p:cTn id="10" dur="1" fill="hold">
+                                          <p:stCondLst>
+                                            <p:cond delay="0"/>
+                                          </p:stCondLst>
+                                        </p:cTn>
+                                        <p:tgtEl>
+                                          <p:spTgt spid="3">
+                                            <p:txEl>
+                                              <p:pRg st="3" end="3"/>
+                                            </p:txEl>
+                                          </p:spTgt>
+                                        </p:tgtEl>
+                                        <p:attrNameLst>
+                                          <p:attrName>style.visibility</p:attrName>
+                                        </p:attrNameLst>
+                                      </p:cBhvr>
+                                      <p:to>
+                                        <p:strVal val="visible"/>
+                                      </p:to>
+                                    </p:set>
+                                    <p:anim calcmode="lin" valueType="num">
+                                      <p:cBhvr additive="base">
+                                        <p:cTn id="11" dur="500" fill="hold"/>
+                                        <p:tgtEl>
+                                          <p:spTgt spid="3">
+                                            <p:txEl>
+                                              <p:pRg st="3" end="3"/>
+                                            </p:txEl>
+                                          </p:spTgt>
+                                        </p:tgtEl>
+                                        <p:attrNameLst>
+                                          <p:attrName>ppt_x</p:attrName>
+                                        </p:attrNameLst>
+                                      </p:cBhvr>
+                                      <p:tavLst>
+                                        <p:tav tm="0">
+                                          <p:val>
+                                            <p:strVal val="#ppt_x"/>
+                                          </p:val>
+                                        </p:tav>
+                                        <p:tav tm="100000">
+                                          <p:val>
+                                            <p:strVal val="#ppt_x"/>
+                                          </p:val>
+                                        </p:tav>
+                                      </p:tavLst>
+                                    </p:anim>
+                                    <p:anim calcmode="lin" valueType="num">
+                                      <p:cBhvr additive="base">
+                                        <p:cTn id="12" dur="500" fill="hold"/>
+                                        <p:tgtEl>
+                                          <p:spTgt spid="3">
+                                            <p:txEl>
+                                              <p:pRg st="3" end="3"/>
+                                            </p:txEl>
+                                          </p:spTgt>
+                                        </p:tgtEl>
+                                        <p:attrNameLst>
+                                          <p:attrName>ppt_y</p:attrName>
+                                        </p:attrNameLst>
+                                      </p:cBhvr>
+                                      <p:tavLst>
+                                        <p:tav tm="0">
+                                          <p:val>
+                                            <p:strVal val="1+#ppt_h/2"/>
+                                          </p:val>
+                                        </p:tav>
+                                        <p:tav tm="100000">
+                                          <p:val>
+                                            <p:strVal val="#ppt_y"/>
+                                          </p:val>
+                                        </p:tav>
+                                      </p:tavLst>
+                                    </p:anim>
+                                  </p:childTnLst>
+                                </p:cTn>
+                              </p:par>
+                              <p:par>
+                                <p:cTn id="13" presetID="2" presetClass="entr" presetSubtype="4" fill="hold" nodeType="withEffect">
+                                  <p:stCondLst>
+                                    <p:cond delay="0"/>
+                                  </p:stCondLst>
+                                  <p:childTnLst>
+                                    <p:set>
+                                      <p:cBhvr>
+                                        <p:cTn id="14" dur="1" fill="hold">
+                                          <p:stCondLst>
+                                            <p:cond delay="0"/>
+                                          </p:stCondLst>
+                                        </p:cTn>
+                                        <p:tgtEl>
+                                          <p:spTgt spid="3">
+                                            <p:txEl>
+                                              <p:pRg st="4" end="4"/>
+                                            </p:txEl>
+                                          </p:spTgt>
+                                        </p:tgtEl>
+                                        <p:attrNameLst>
+                                          <p:attrName>style.visibility</p:attrName>
+                                        </p:attrNameLst>
+                                      </p:cBhvr>
+                                      <p:to>
+                                        <p:strVal val="visible"/>
+                                      </p:to>
+                                    </p:set>
+                                    <p:anim calcmode="lin" valueType="num">
+                                      <p:cBhvr additive="base">
+                                        <p:cTn id="15" dur="500" fill="hold"/>
+                                        <p:tgtEl>
+                                          <p:spTgt spid="3">
+                                            <p:txEl>
+                                              <p:pRg st="4" end="4"/>
+                                            </p:txEl>
+                                          </p:spTgt>
+                                        </p:tgtEl>
+                                        <p:attrNameLst>
+                                          <p:attrName>ppt_x</p:attrName>
+                                        </p:attrNameLst>
+                                      </p:cBhvr>
+                                      <p:tavLst>
+                                        <p:tav tm="0">
+                                          <p:val>
+                                            <p:strVal val="#ppt_x"/>
+                                          </p:val>
+                                        </p:tav>
+                                        <p:tav tm="100000">
+                                          <p:val>
+                                            <p:strVal val="#ppt_x"/>
+                                          </p:val>
+                                        </p:tav>
+                                      </p:tavLst>
+                                    </p:anim>
+                                    <p:anim calcmode="lin" valueType="num">
+                                      <p:cBhvr additive="base">
+                                        <p:cTn id="16" dur="500" fill="hold"/>
+                                        <p:tgtEl>
+                                          <p:spTgt spid="3">
+                                            <p:txEl>
+                                              <p:pRg st="4" end="4"/>
+                                            </p:txEl>
+                                          </p:spTgt>
+                                        </p:tgtEl>
+                                        <p:attrNameLst>
+                                          <p:attrName>ppt_y</p:attrName>
+                                        </p:attrNameLst>
+                                      </p:cBhvr>
+                                      <p:tavLst>
+                                        <p:tav tm="0">
+                                          <p:val>
+                                            <p:strVal val="1+#ppt_h/2"/>
+                                          </p:val>
+                                        </p:tav>
+                                        <p:tav tm="100000">
+                                          <p:val>
+                                            <p:strVal val="#ppt_y"/>
+                                          </p:val>
+                                        </p:tav>
+                                      </p:tavLst>
+                                    </p:anim>
+                                  </p:childTnLst>
+                                </p:cTn>
+                              </p:par>
+                            </p:childTnLst>
+                          </p:cTn>
+                        </p:par>
+                      </p:childTnLst>
+                    </p:cTn>
+                  </p:par>
+                  <p:par>
+                    <p:cTn id="17" fill="hold">
+                      <p:stCondLst>
+                        <p:cond delay="indefinite"/>
+                      </p:stCondLst>
+                      <p:childTnLst>
+                        <p:par>
+                          <p:cTn id="18" fill="hold">
+                            <p:stCondLst>
+                              <p:cond delay="0"/>
+                            </p:stCondLst>
+                            <p:childTnLst>
+                              <p:par>
+                                <p:cTn id="19" presetID="2" presetClass="entr" presetSubtype="4" fill="hold" nodeType="clickEffect">
+                                  <p:stCondLst>
+                                    <p:cond delay="0"/>
+                                  </p:stCondLst>
+                                  <p:childTnLst>
+                                    <p:set>
+                                      <p:cBhvr>
+                                        <p:cTn id="20" dur="1" fill="hold">
+                                          <p:stCondLst>
+                                            <p:cond delay="0"/>
+                                          </p:stCondLst>
+                                        </p:cTn>
+                                        <p:tgtEl>
+                                          <p:spTgt spid="3">
+                                            <p:txEl>
+                                              <p:pRg st="6" end="6"/>
+                                            </p:txEl>
+                                          </p:spTgt>
+                                        </p:tgtEl>
+                                        <p:attrNameLst>
+                                          <p:attrName>style.visibility</p:attrName>
+                                        </p:attrNameLst>
+                                      </p:cBhvr>
+                                      <p:to>
+                                        <p:strVal val="visible"/>
+                                      </p:to>
+                                    </p:set>
+                                    <p:anim calcmode="lin" valueType="num">
+                                      <p:cBhvr additive="base">
+                                        <p:cTn id="21" dur="500" fill="hold"/>
+                                        <p:tgtEl>
+                                          <p:spTgt spid="3">
+                                            <p:txEl>
+                                              <p:pRg st="6" end="6"/>
+                                            </p:txEl>
+                                          </p:spTgt>
+                                        </p:tgtEl>
+                                        <p:attrNameLst>
+                                          <p:attrName>ppt_x</p:attrName>
+                                        </p:attrNameLst>
+                                      </p:cBhvr>
+                                      <p:tavLst>
+                                        <p:tav tm="0">
+                                          <p:val>
+                                            <p:strVal val="#ppt_x"/>
+                                          </p:val>
+                                        </p:tav>
+                                        <p:tav tm="100000">
+                                          <p:val>
+                                            <p:strVal val="#ppt_x"/>
+                                          </p:val>
+                                        </p:tav>
+                                      </p:tavLst>
+                                    </p:anim>
+                                    <p:anim calcmode="lin" valueType="num">
+                                      <p:cBhvr additive="base">
+                                        <p:cTn id="22" dur="500" fill="hold"/>
+                                        <p:tgtEl>
+                                          <p:spTgt spid="3">
+                                            <p:txEl>
+                                              <p:pRg st="6" end="6"/>
+                                            </p:txEl>
+                                          </p:spTgt>
+                                        </p:tgtEl>
+                                        <p:attrNameLst>
+                                          <p:attrName>ppt_y</p:attrName>
+                                        </p:attrNameLst>
+                                      </p:cBhvr>
+                                      <p:tavLst>
+                                        <p:tav tm="0">
+                                          <p:val>
+                                            <p:strVal val="1+#ppt_h/2"/>
+                                          </p:val>
+                                        </p:tav>
+                                        <p:tav tm="100000">
+                                          <p:val>
+                                            <p:strVal val="#ppt_y"/>
+                                          </p:val>
+                                        </p:tav>
+                                      </p:tavLst>
+                                    </p:anim>
+                                  </p:childTnLst>
+                                </p:cTn>
+                              </p:par>
+                            </p:childTnLst>
+                          </p:cTn>
+                        </p:par>
+                      </p:childTnLst>
+                    </p:cTn>
+                  </p:par>
+                </p:childTnLst>
+              </p:cTn>
+              <p:prevCondLst>
+                <p:cond evt="onPrev" delay="0">
+                  <p:tgtEl>
+                    <p:sldTgt/>
+                  </p:tgtEl>
+                </p:cond>
+              </p:prevCondLst>
+              <p:nextCondLst>
+                <p:cond evt="onNext" delay="0">
+                  <p:tgtEl>
+                    <p:sldTgt/>
+                  </p:tgtEl>
+                </p:cond>
+              </p:nextCondLst>
+            </p:seq>
+          </p:childTnLst>
+        </p:cTn>
+      </p:par>
+    </p:tnLst>
+  </p:timing>
+</p:sld>
+</file>
+
+<file path=ppt/slides/slide22.xml><?xml version="1.0" encoding="utf-8"?>
+<p:sld xmlns:a="http://schemas.openxmlformats.org/drawingml/2006/main" xmlns:r="http://schemas.openxmlformats.org/officeDocument/2006/relationships" xmlns:p="http://schemas.openxmlformats.org/presentationml/2006/main">
+  <p:cSld>
+    <p:spTree>
+      <p:nvGrpSpPr>
+        <p:cNvPr id="1" name=""/>
+        <p:cNvGrpSpPr/>
+        <p:nvPr/>
+      </p:nvGrpSpPr>
+      <p:grpSpPr>
+        <a:xfrm>
+          <a:off x="0" y="0"/>
+          <a:ext cx="0" cy="0"/>
+          <a:chOff x="0" y="0"/>
+          <a:chExt cx="0" cy="0"/>
+        </a:xfrm>
+      </p:grpSpPr>
+      <p:sp>
+        <p:nvSpPr>
+          <p:cNvPr id="2" name="Title 1"/>
+          <p:cNvSpPr>
+            <a:spLocks noGrp="1"/>
+          </p:cNvSpPr>
+          <p:nvPr>
+            <p:ph type="title"/>
+          </p:nvPr>
+        </p:nvSpPr>
+        <p:spPr/>
+        <p:txBody>
+          <a:bodyPr/>
+          <a:lstStyle/>
+          <a:p>
+            <a:r>
+              <a:rPr lang="en-US" dirty="0" smtClean="0"/>
+              <a:t>Redirection</a:t>
+            </a:r>
+            <a:endParaRPr lang="en-US" dirty="0"/>
+          </a:p>
+        </p:txBody>
+      </p:sp>
+      <p:sp>
+        <p:nvSpPr>
+          <p:cNvPr id="3" name="Content Placeholder 2"/>
+          <p:cNvSpPr>
+            <a:spLocks noGrp="1"/>
+          </p:cNvSpPr>
+          <p:nvPr>
+            <p:ph idx="1"/>
+          </p:nvPr>
+        </p:nvSpPr>
+        <p:spPr/>
+        <p:txBody>
+          <a:bodyPr/>
+          <a:lstStyle/>
+          <a:p>
+            <a:r>
+              <a:rPr lang="en-US" dirty="0" smtClean="0"/>
+              <a:t>Accomplished using the &gt; </a:t>
+            </a:r>
+          </a:p>
+          <a:p>
+            <a:pPr lvl="1"/>
+            <a:r>
+              <a:rPr lang="en-US" dirty="0" err="1" smtClean="0"/>
+              <a:t>ls</a:t>
+            </a:r>
+            <a:r>
+              <a:rPr lang="en-US" dirty="0" smtClean="0"/>
+              <a:t> &gt; </a:t>
+            </a:r>
+            <a:r>
+              <a:rPr lang="en-US" dirty="0" err="1" smtClean="0"/>
+              <a:t>tmp</a:t>
+            </a:r>
+            <a:endParaRPr lang="en-US" dirty="0" smtClean="0"/>
+          </a:p>
+          <a:p>
+            <a:pPr lvl="1"/>
+            <a:endParaRPr lang="en-US" dirty="0"/>
+          </a:p>
+          <a:p>
+            <a:r>
+              <a:rPr lang="en-US" dirty="0" smtClean="0"/>
+              <a:t>We can do it for a program too !</a:t>
+            </a:r>
+          </a:p>
+          <a:p>
+            <a:pPr lvl="1"/>
+            <a:endParaRPr lang="en-US" dirty="0"/>
+          </a:p>
+        </p:txBody>
+      </p:sp>
+    </p:spTree>
+    <p:extLst>
+      <p:ext uri="{BB962C8B-B14F-4D97-AF65-F5344CB8AC3E}">
+        <p14:creationId xmlns:p14="http://schemas.microsoft.com/office/powerpoint/2010/main" val="1723383072"/>
+      </p:ext>
+    </p:extLst>
+  </p:cSld>
+  <p:clrMapOvr>
+    <a:masterClrMapping/>
+  </p:clrMapOvr>
+  <p:timing>
+    <p:tnLst>
+      <p:par>
+        <p:cTn id="1" dur="indefinite" restart="never" nodeType="tmRoot"/>
+      </p:par>
+    </p:tnLst>
+  </p:timing>
+</p:sld>
+</file>
+
+<file path=ppt/slides/slide23.xml><?xml version="1.0" encoding="utf-8"?>
+<p:sld xmlns:a="http://schemas.openxmlformats.org/drawingml/2006/main" xmlns:r="http://schemas.openxmlformats.org/officeDocument/2006/relationships" xmlns:p="http://schemas.openxmlformats.org/presentationml/2006/main">
+  <p:cSld>
+    <p:spTree>
+      <p:nvGrpSpPr>
+        <p:cNvPr id="1" name=""/>
+        <p:cNvGrpSpPr/>
+        <p:nvPr/>
+      </p:nvGrpSpPr>
+      <p:grpSpPr>
+        <a:xfrm>
+          <a:off x="0" y="0"/>
+          <a:ext cx="0" cy="0"/>
+          <a:chOff x="0" y="0"/>
+          <a:chExt cx="0" cy="0"/>
+        </a:xfrm>
+      </p:grpSpPr>
+      <p:sp>
+        <p:nvSpPr>
+          <p:cNvPr id="2" name="Title 1"/>
+          <p:cNvSpPr>
+            <a:spLocks noGrp="1"/>
+          </p:cNvSpPr>
+          <p:nvPr>
+            <p:ph type="title"/>
+          </p:nvPr>
+        </p:nvSpPr>
+        <p:spPr/>
+        <p:txBody>
+          <a:bodyPr/>
+          <a:lstStyle/>
+          <a:p>
+            <a:r>
+              <a:rPr lang="en-US" dirty="0" smtClean="0"/>
+              <a:t>Homework for Friday </a:t>
+            </a:r>
+            <a:endParaRPr lang="en-US" dirty="0"/>
+          </a:p>
+        </p:txBody>
+      </p:sp>
+      <p:sp>
+        <p:nvSpPr>
+          <p:cNvPr id="3" name="Content Placeholder 2"/>
+          <p:cNvSpPr>
+            <a:spLocks noGrp="1"/>
+          </p:cNvSpPr>
+          <p:nvPr>
+            <p:ph idx="1"/>
+          </p:nvPr>
+        </p:nvSpPr>
+        <p:spPr/>
+        <p:txBody>
+          <a:bodyPr>
+            <a:normAutofit fontScale="92500" lnSpcReduction="20000"/>
+          </a:bodyPr>
+          <a:lstStyle/>
+          <a:p>
+            <a:r>
+              <a:rPr lang="en-US" dirty="0" smtClean="0"/>
+              <a:t>Go through this tutorial:</a:t>
+            </a:r>
+          </a:p>
+          <a:p>
+            <a:pPr lvl="1"/>
+            <a:r>
+              <a:rPr lang="en-US" dirty="0">
+                <a:hlinkClick r:id="rId2"/>
+              </a:rPr>
+              <a:t>https://learn.wheelhouse.io/events/nyu</a:t>
+            </a:r>
+            <a:endParaRPr lang="en-US" dirty="0"/>
+          </a:p>
+          <a:p>
+            <a:pPr marL="0" indent="0">
+              <a:buNone/>
+            </a:pPr>
+            <a:endParaRPr lang="en-US" dirty="0" smtClean="0"/>
+          </a:p>
+          <a:p>
+            <a:r>
+              <a:rPr lang="en-US" dirty="0" err="1" smtClean="0"/>
+              <a:t>Git</a:t>
+            </a:r>
+            <a:r>
+              <a:rPr lang="en-US" dirty="0" smtClean="0"/>
+              <a:t> </a:t>
+            </a:r>
+            <a:r>
+              <a:rPr lang="en-US" dirty="0" smtClean="0"/>
+              <a:t>Concepts: </a:t>
+            </a:r>
+          </a:p>
+          <a:p>
+            <a:pPr lvl="1"/>
+            <a:r>
+              <a:rPr lang="en-US" dirty="0" smtClean="0"/>
+              <a:t>Fork</a:t>
+            </a:r>
+          </a:p>
+          <a:p>
+            <a:pPr lvl="1"/>
+            <a:r>
+              <a:rPr lang="en-US" dirty="0" smtClean="0"/>
+              <a:t>Clone</a:t>
+            </a:r>
+          </a:p>
+          <a:p>
+            <a:pPr lvl="1"/>
+            <a:r>
+              <a:rPr lang="en-US" dirty="0" smtClean="0"/>
+              <a:t>Pull request</a:t>
+            </a:r>
+          </a:p>
+          <a:p>
+            <a:pPr marL="457200" lvl="1" indent="0">
+              <a:buNone/>
+            </a:pPr>
+            <a:endParaRPr lang="en-US" dirty="0" smtClean="0"/>
+          </a:p>
+          <a:p>
+            <a:r>
+              <a:rPr lang="en-US" dirty="0" err="1" smtClean="0"/>
+              <a:t>Git</a:t>
+            </a:r>
+            <a:r>
+              <a:rPr lang="en-US" dirty="0" smtClean="0"/>
+              <a:t> reading:</a:t>
+            </a:r>
+          </a:p>
+          <a:p>
+            <a:pPr lvl="1"/>
+            <a:r>
+              <a:rPr lang="en-US" dirty="0">
+                <a:hlinkClick r:id="rId3"/>
+              </a:rPr>
+              <a:t>https://guides.github.com/activities/forking/</a:t>
+            </a:r>
+            <a:r>
+              <a:rPr lang="en-US" dirty="0" smtClean="0">
+                <a:hlinkClick r:id="rId3"/>
+              </a:rPr>
+              <a:t>index.html</a:t>
+            </a:r>
+            <a:endParaRPr lang="en-US" dirty="0" smtClean="0"/>
+          </a:p>
+          <a:p>
+            <a:pPr lvl="1"/>
+            <a:endParaRPr lang="en-US" dirty="0" smtClean="0"/>
+          </a:p>
+        </p:txBody>
+      </p:sp>
+    </p:spTree>
+    <p:extLst>
+      <p:ext uri="{BB962C8B-B14F-4D97-AF65-F5344CB8AC3E}">
+        <p14:creationId xmlns:p14="http://schemas.microsoft.com/office/powerpoint/2010/main" val="1728550643"/>
+      </p:ext>
+    </p:extLst>
+  </p:cSld>
+  <p:clrMapOvr>
+    <a:masterClrMapping/>
+  </p:clrMapOvr>
+  <p:timing>
+    <p:tnLst>
+      <p:par>
+        <p:cTn id="1" dur="indefinite" restart="never" nodeType="tmRoot"/>
+      </p:par>
+    </p:tnLst>
+  </p:timing>
+</p:sld>
+</file>
+
+<file path=ppt/slides/slide24.xml><?xml version="1.0" encoding="utf-8"?>
+<p:sld xmlns:a="http://schemas.openxmlformats.org/drawingml/2006/main" xmlns:r="http://schemas.openxmlformats.org/officeDocument/2006/relationships" xmlns:p="http://schemas.openxmlformats.org/presentationml/2006/main">
+  <p:cSld>
+    <p:spTree>
+      <p:nvGrpSpPr>
+        <p:cNvPr id="1" name=""/>
+        <p:cNvGrpSpPr/>
+        <p:nvPr/>
+      </p:nvGrpSpPr>
+      <p:grpSpPr>
+        <a:xfrm>
+          <a:off x="0" y="0"/>
+          <a:ext cx="0" cy="0"/>
+          <a:chOff x="0" y="0"/>
+          <a:chExt cx="0" cy="0"/>
+        </a:xfrm>
+      </p:grpSpPr>
+      <p:sp>
+        <p:nvSpPr>
+          <p:cNvPr id="2" name="Title 1"/>
+          <p:cNvSpPr>
+            <a:spLocks noGrp="1"/>
+          </p:cNvSpPr>
+          <p:nvPr>
+            <p:ph type="title"/>
+          </p:nvPr>
+        </p:nvSpPr>
+        <p:spPr/>
+        <p:txBody>
+          <a:bodyPr/>
+          <a:lstStyle/>
+          <a:p>
+            <a:r>
+              <a:rPr lang="en-US" dirty="0" smtClean="0"/>
+              <a:t>Practice</a:t>
+            </a:r>
+            <a:endParaRPr lang="en-US" dirty="0"/>
+          </a:p>
+        </p:txBody>
+      </p:sp>
+      <p:sp>
+        <p:nvSpPr>
+          <p:cNvPr id="3" name="Content Placeholder 2"/>
+          <p:cNvSpPr>
+            <a:spLocks noGrp="1"/>
+          </p:cNvSpPr>
+          <p:nvPr>
+            <p:ph idx="1"/>
+          </p:nvPr>
+        </p:nvSpPr>
+        <p:spPr/>
+        <p:txBody>
+          <a:bodyPr/>
+          <a:lstStyle/>
+          <a:p>
+            <a:r>
+              <a:rPr lang="en-US" dirty="0" smtClean="0"/>
+              <a:t>Complete the following program by writing </a:t>
+            </a:r>
+            <a:r>
+              <a:rPr lang="en-US" dirty="0" err="1" smtClean="0"/>
+              <a:t>stringlength</a:t>
+            </a:r>
+            <a:r>
+              <a:rPr lang="en-US" dirty="0" smtClean="0"/>
+              <a:t>() function that prints the length of a string. Compare your result with the </a:t>
+            </a:r>
+            <a:r>
+              <a:rPr lang="en-US" dirty="0" err="1" smtClean="0"/>
+              <a:t>strlen</a:t>
+            </a:r>
+            <a:r>
+              <a:rPr lang="en-US" dirty="0" smtClean="0"/>
+              <a:t>() function in </a:t>
+            </a:r>
+            <a:r>
+              <a:rPr lang="en-US" dirty="0" err="1" smtClean="0"/>
+              <a:t>string.h</a:t>
+            </a:r>
+            <a:r>
+              <a:rPr lang="en-US" dirty="0" smtClean="0"/>
+              <a:t>.</a:t>
+            </a:r>
+            <a:endParaRPr lang="en-US" dirty="0"/>
+          </a:p>
+        </p:txBody>
+      </p:sp>
+    </p:spTree>
+    <p:extLst>
+      <p:ext uri="{BB962C8B-B14F-4D97-AF65-F5344CB8AC3E}">
+        <p14:creationId xmlns:p14="http://schemas.microsoft.com/office/powerpoint/2010/main" val="63371597"/>
+      </p:ext>
+    </p:extLst>
+  </p:cSld>
+  <p:clrMapOvr>
+    <a:masterClrMapping/>
+  </p:clrMapOvr>
+  <p:timing>
+    <p:tnLst>
+      <p:par>
+        <p:cTn id="1" dur="indefinite" restart="never" nodeType="tmRoot"/>
       </p:par>
     </p:tnLst>
   </p:timing>
@@ -3907,7 +6149,7 @@
   <p:timing>
     <p:tnLst>
       <p:par>
-        <p:cTn xmlns:p14="http://schemas.microsoft.com/office/powerpoint/2010/main" id="1" dur="indefinite" restart="never" nodeType="tmRoot"/>
+        <p:cTn id="1" dur="indefinite" restart="never" nodeType="tmRoot"/>
       </p:par>
     </p:tnLst>
   </p:timing>
@@ -3966,35 +6208,142 @@
         </p:nvSpPr>
         <p:spPr/>
         <p:txBody>
-          <a:bodyPr/>
+          <a:bodyPr>
+            <a:normAutofit fontScale="92500" lnSpcReduction="20000"/>
+          </a:bodyPr>
           <a:lstStyle/>
           <a:p>
+            <a:pPr marL="0" indent="0">
+              <a:buNone/>
+            </a:pPr>
+            <a:r>
+              <a:rPr lang="en-US" sz="4000" b="1" dirty="0" smtClean="0">
+                <a:latin typeface="Courier" charset="0"/>
+                <a:ea typeface="Courier" charset="0"/>
+                <a:cs typeface="Courier" charset="0"/>
+              </a:rPr>
+              <a:t>for </a:t>
+            </a:r>
+            <a:r>
+              <a:rPr lang="en-US" b="1" dirty="0">
+                <a:latin typeface="Courier" charset="0"/>
+                <a:ea typeface="Courier" charset="0"/>
+                <a:cs typeface="Courier" charset="0"/>
+              </a:rPr>
+              <a:t>(</a:t>
+            </a:r>
+            <a:r>
+              <a:rPr lang="en-US" b="1" dirty="0" err="1">
+                <a:latin typeface="Courier" charset="0"/>
+                <a:ea typeface="Courier" charset="0"/>
+                <a:cs typeface="Courier" charset="0"/>
+              </a:rPr>
+              <a:t>exprl</a:t>
+            </a:r>
+            <a:r>
+              <a:rPr lang="en-US" b="1" dirty="0">
+                <a:latin typeface="Courier" charset="0"/>
+                <a:ea typeface="Courier" charset="0"/>
+                <a:cs typeface="Courier" charset="0"/>
+              </a:rPr>
+              <a:t>; expr2; expr3)</a:t>
+            </a:r>
+          </a:p>
+          <a:p>
+            <a:pPr marL="0" indent="0">
+              <a:buNone/>
+            </a:pPr>
+            <a:r>
+              <a:rPr lang="en-US" b="1" dirty="0" smtClean="0">
+                <a:latin typeface="Courier" charset="0"/>
+                <a:ea typeface="Courier" charset="0"/>
+                <a:cs typeface="Courier" charset="0"/>
+              </a:rPr>
+              <a:t>	Statement;</a:t>
+            </a:r>
+            <a:endParaRPr lang="en-US" b="1" dirty="0" smtClean="0">
+              <a:latin typeface="Courier" charset="0"/>
+              <a:ea typeface="Courier" charset="0"/>
+              <a:cs typeface="Courier" charset="0"/>
+            </a:endParaRPr>
+          </a:p>
+          <a:p>
+            <a:pPr marL="0" indent="0">
+              <a:buNone/>
+            </a:pPr>
             <a:r>
               <a:rPr lang="en-US" dirty="0" smtClean="0"/>
-              <a:t>How would you write a program to print “hello world” 2x ? 10x ? </a:t>
-            </a:r>
-          </a:p>
-          <a:p>
-            <a:r>
-              <a:rPr lang="en-US" dirty="0" smtClean="0"/>
-              <a:t>FOR</a:t>
-            </a:r>
-          </a:p>
-          <a:p>
-            <a:r>
-              <a:rPr lang="en-US" dirty="0" smtClean="0"/>
-              <a:t>WHILE</a:t>
-            </a:r>
-          </a:p>
-          <a:p>
-            <a:r>
-              <a:rPr lang="en-US" dirty="0" smtClean="0"/>
-              <a:t>Let’s try it</a:t>
-            </a:r>
-            <a:r>
-              <a:rPr lang="is-IS" dirty="0" smtClean="0"/>
-              <a:t>…</a:t>
-            </a:r>
+              <a:t>OR</a:t>
+            </a:r>
+          </a:p>
+          <a:p>
+            <a:pPr marL="0" indent="0">
+              <a:buNone/>
+            </a:pPr>
+            <a:endParaRPr lang="en-US" b="1" dirty="0" smtClean="0"/>
+          </a:p>
+          <a:p>
+            <a:pPr marL="0" indent="0">
+              <a:buNone/>
+            </a:pPr>
+            <a:r>
+              <a:rPr lang="en-US" b="1" dirty="0" err="1" smtClean="0"/>
+              <a:t>exprl</a:t>
+            </a:r>
+            <a:r>
+              <a:rPr lang="en-US" b="1" dirty="0"/>
+              <a:t>;</a:t>
+            </a:r>
+          </a:p>
+          <a:p>
+            <a:pPr marL="0" indent="0">
+              <a:buNone/>
+            </a:pPr>
+            <a:r>
+              <a:rPr lang="en-US" b="1" dirty="0" smtClean="0"/>
+              <a:t>while  </a:t>
+            </a:r>
+            <a:r>
+              <a:rPr lang="en-US" b="1" dirty="0"/>
+              <a:t>(expr2) {</a:t>
+            </a:r>
+          </a:p>
+          <a:p>
+            <a:pPr marL="0" indent="0">
+              <a:buNone/>
+            </a:pPr>
+            <a:r>
+              <a:rPr lang="en-US" b="1" dirty="0"/>
+              <a:t>	</a:t>
+            </a:r>
+            <a:r>
+              <a:rPr lang="en-US" b="1" dirty="0" smtClean="0"/>
+              <a:t>statement;</a:t>
+            </a:r>
+            <a:endParaRPr lang="en-US" b="1" dirty="0"/>
+          </a:p>
+          <a:p>
+            <a:pPr marL="0" indent="0">
+              <a:buNone/>
+            </a:pPr>
+            <a:r>
+              <a:rPr lang="en-US" b="1" dirty="0" smtClean="0"/>
+              <a:t>	expr3</a:t>
+            </a:r>
+            <a:r>
+              <a:rPr lang="en-US" b="1" dirty="0"/>
+              <a:t>;</a:t>
+            </a:r>
+          </a:p>
+          <a:p>
+            <a:pPr marL="0" indent="0">
+              <a:buNone/>
+            </a:pPr>
+            <a:r>
+              <a:rPr lang="en-US" b="1" dirty="0"/>
+              <a:t>}</a:t>
+            </a:r>
+            <a:endParaRPr lang="en-US" b="1" dirty="0" smtClean="0"/>
           </a:p>
           <a:p>
             <a:endParaRPr lang="en-US" dirty="0" smtClean="0"/>
@@ -4017,7 +6366,7 @@
   <p:timing>
     <p:tnLst>
       <p:par>
-        <p:cTn xmlns:p14="http://schemas.microsoft.com/office/powerpoint/2010/main" id="1" dur="indefinite" restart="never" nodeType="tmRoot"/>
+        <p:cTn id="1" dur="indefinite" restart="never" nodeType="tmRoot"/>
       </p:par>
     </p:tnLst>
   </p:timing>
@@ -4043,7 +6392,7 @@
       </p:grpSpPr>
       <p:sp>
         <p:nvSpPr>
-          <p:cNvPr id="2" name="Title 1"/>
+          <p:cNvPr id="4" name="Title 3"/>
           <p:cNvSpPr>
             <a:spLocks noGrp="1"/>
           </p:cNvSpPr>
@@ -4058,7 +6407,7 @@
           <a:p>
             <a:r>
               <a:rPr lang="en-US" dirty="0" smtClean="0"/>
-              <a:t>functions</a:t>
+              <a:t>For loop</a:t>
             </a:r>
             <a:endParaRPr lang="en-US" dirty="0"/>
           </a:p>
@@ -4066,27 +6415,683 @@
       </p:sp>
       <p:sp>
         <p:nvSpPr>
-          <p:cNvPr id="3" name="Text Placeholder 2"/>
-          <p:cNvSpPr>
-            <a:spLocks noGrp="1"/>
-          </p:cNvSpPr>
-          <p:nvPr>
-            <p:ph type="body" idx="1"/>
+          <p:cNvPr id="5" name="Content Placeholder 4"/>
+          <p:cNvSpPr>
+            <a:spLocks noGrp="1"/>
+          </p:cNvSpPr>
+          <p:nvPr>
+            <p:ph idx="1"/>
           </p:nvPr>
         </p:nvSpPr>
         <p:spPr/>
         <p:txBody>
-          <a:bodyPr/>
+          <a:bodyPr>
+            <a:normAutofit fontScale="92500" lnSpcReduction="10000"/>
+          </a:bodyPr>
           <a:lstStyle/>
           <a:p>
-            <a:endParaRPr lang="en-US"/>
-          </a:p>
-        </p:txBody>
-      </p:sp>
+            <a:pPr marL="0" indent="0">
+              <a:buNone/>
+            </a:pPr>
+            <a:endParaRPr lang="en-US" sz="2400" dirty="0" smtClean="0"/>
+          </a:p>
+          <a:p>
+            <a:pPr marL="0" indent="0">
+              <a:buNone/>
+            </a:pPr>
+            <a:r>
+              <a:rPr lang="en-US" sz="2400" b="1" dirty="0" smtClean="0">
+                <a:latin typeface="Courier" charset="0"/>
+                <a:ea typeface="Courier" charset="0"/>
+                <a:cs typeface="Courier" charset="0"/>
+              </a:rPr>
+              <a:t>for </a:t>
+            </a:r>
+            <a:r>
+              <a:rPr lang="en-US" sz="2400" b="1" dirty="0">
+                <a:latin typeface="Courier" charset="0"/>
+                <a:ea typeface="Courier" charset="0"/>
+                <a:cs typeface="Courier" charset="0"/>
+              </a:rPr>
+              <a:t>(</a:t>
+            </a:r>
+            <a:r>
+              <a:rPr lang="en-US" sz="2400" b="1" dirty="0" err="1">
+                <a:latin typeface="Courier" charset="0"/>
+                <a:ea typeface="Courier" charset="0"/>
+                <a:cs typeface="Courier" charset="0"/>
+              </a:rPr>
+              <a:t>int</a:t>
+            </a:r>
+            <a:r>
+              <a:rPr lang="en-US" sz="2400" b="1" dirty="0">
+                <a:latin typeface="Courier" charset="0"/>
+                <a:ea typeface="Courier" charset="0"/>
+                <a:cs typeface="Courier" charset="0"/>
+              </a:rPr>
+              <a:t> </a:t>
+            </a:r>
+            <a:r>
+              <a:rPr lang="en-US" sz="2400" b="1" dirty="0" err="1">
+                <a:latin typeface="Courier" charset="0"/>
+                <a:ea typeface="Courier" charset="0"/>
+                <a:cs typeface="Courier" charset="0"/>
+              </a:rPr>
+              <a:t>i</a:t>
+            </a:r>
+            <a:r>
+              <a:rPr lang="en-US" sz="2400" b="1" dirty="0">
+                <a:latin typeface="Courier" charset="0"/>
+                <a:ea typeface="Courier" charset="0"/>
+                <a:cs typeface="Courier" charset="0"/>
+              </a:rPr>
+              <a:t> = </a:t>
+            </a:r>
+            <a:r>
+              <a:rPr lang="en-US" sz="2400" b="1" dirty="0">
+                <a:latin typeface="Courier" charset="0"/>
+                <a:ea typeface="Courier" charset="0"/>
+                <a:cs typeface="Courier" charset="0"/>
+              </a:rPr>
+              <a:t>0</a:t>
+            </a:r>
+            <a:r>
+              <a:rPr lang="en-US" sz="2400" b="1" dirty="0" smtClean="0">
+                <a:latin typeface="Courier" charset="0"/>
+                <a:ea typeface="Courier" charset="0"/>
+                <a:cs typeface="Courier" charset="0"/>
+              </a:rPr>
+              <a:t>; </a:t>
+            </a:r>
+            <a:r>
+              <a:rPr lang="en-US" sz="2400" b="1" dirty="0" err="1">
+                <a:latin typeface="Courier" charset="0"/>
+                <a:ea typeface="Courier" charset="0"/>
+                <a:cs typeface="Courier" charset="0"/>
+              </a:rPr>
+              <a:t>i</a:t>
+            </a:r>
+            <a:r>
+              <a:rPr lang="en-US" sz="2400" b="1" dirty="0">
+                <a:latin typeface="Courier" charset="0"/>
+                <a:ea typeface="Courier" charset="0"/>
+                <a:cs typeface="Courier" charset="0"/>
+              </a:rPr>
+              <a:t> &lt; 10; </a:t>
+            </a:r>
+            <a:r>
+              <a:rPr lang="en-US" sz="2400" b="1" dirty="0" err="1">
+                <a:latin typeface="Courier" charset="0"/>
+                <a:ea typeface="Courier" charset="0"/>
+                <a:cs typeface="Courier" charset="0"/>
+              </a:rPr>
+              <a:t>i</a:t>
+            </a:r>
+            <a:r>
+              <a:rPr lang="en-US" sz="2400" b="1" dirty="0" smtClean="0">
+                <a:latin typeface="Courier" charset="0"/>
+                <a:ea typeface="Courier" charset="0"/>
+                <a:cs typeface="Courier" charset="0"/>
+              </a:rPr>
+              <a:t>++)</a:t>
+            </a:r>
+            <a:endParaRPr lang="en-US" sz="2400" b="1" dirty="0">
+              <a:latin typeface="Courier" charset="0"/>
+              <a:ea typeface="Courier" charset="0"/>
+              <a:cs typeface="Courier" charset="0"/>
+            </a:endParaRPr>
+          </a:p>
+          <a:p>
+            <a:pPr marL="0" indent="0">
+              <a:buNone/>
+            </a:pPr>
+            <a:r>
+              <a:rPr lang="pt-BR" sz="2400" b="1" dirty="0" smtClean="0">
+                <a:latin typeface="Courier" charset="0"/>
+                <a:ea typeface="Courier" charset="0"/>
+                <a:cs typeface="Courier" charset="0"/>
+              </a:rPr>
+              <a:t>	</a:t>
+            </a:r>
+            <a:r>
+              <a:rPr lang="pt-BR" sz="2400" b="1" dirty="0" err="1" smtClean="0">
+                <a:latin typeface="Courier" charset="0"/>
+                <a:ea typeface="Courier" charset="0"/>
+                <a:cs typeface="Courier" charset="0"/>
+              </a:rPr>
+              <a:t>printf</a:t>
+            </a:r>
+            <a:r>
+              <a:rPr lang="pt-BR" sz="2400" b="1" dirty="0" smtClean="0">
+                <a:latin typeface="Courier" charset="0"/>
+                <a:ea typeface="Courier" charset="0"/>
+                <a:cs typeface="Courier" charset="0"/>
+              </a:rPr>
+              <a:t>(”</a:t>
+            </a:r>
+            <a:r>
+              <a:rPr lang="pt-BR" sz="2400" b="1" dirty="0" err="1" smtClean="0">
+                <a:latin typeface="Courier" charset="0"/>
+                <a:ea typeface="Courier" charset="0"/>
+                <a:cs typeface="Courier" charset="0"/>
+              </a:rPr>
+              <a:t>Hello</a:t>
+            </a:r>
+            <a:r>
+              <a:rPr lang="pt-BR" sz="2400" b="1" dirty="0" smtClean="0">
+                <a:latin typeface="Courier" charset="0"/>
+                <a:ea typeface="Courier" charset="0"/>
+                <a:cs typeface="Courier" charset="0"/>
+              </a:rPr>
+              <a:t> world </a:t>
+            </a:r>
+            <a:r>
+              <a:rPr lang="pt-BR" sz="2400" b="1" dirty="0">
+                <a:latin typeface="Courier" charset="0"/>
+                <a:ea typeface="Courier" charset="0"/>
+                <a:cs typeface="Courier" charset="0"/>
+              </a:rPr>
+              <a:t>%</a:t>
+            </a:r>
+            <a:r>
+              <a:rPr lang="pt-BR" sz="2400" b="1" dirty="0" err="1">
+                <a:latin typeface="Courier" charset="0"/>
+                <a:ea typeface="Courier" charset="0"/>
+                <a:cs typeface="Courier" charset="0"/>
+              </a:rPr>
+              <a:t>d</a:t>
+            </a:r>
+            <a:r>
+              <a:rPr lang="pt-BR" sz="2400" b="1" dirty="0">
+                <a:latin typeface="Courier" charset="0"/>
+                <a:ea typeface="Courier" charset="0"/>
+                <a:cs typeface="Courier" charset="0"/>
+              </a:rPr>
+              <a:t> </a:t>
+            </a:r>
+            <a:r>
+              <a:rPr lang="pt-BR" sz="2400" b="1" dirty="0" smtClean="0">
+                <a:latin typeface="Courier" charset="0"/>
+                <a:ea typeface="Courier" charset="0"/>
+                <a:cs typeface="Courier" charset="0"/>
+              </a:rPr>
+              <a:t>\</a:t>
+            </a:r>
+            <a:r>
+              <a:rPr lang="pt-BR" sz="2400" b="1" dirty="0" err="1">
+                <a:latin typeface="Courier" charset="0"/>
+                <a:ea typeface="Courier" charset="0"/>
+                <a:cs typeface="Courier" charset="0"/>
+              </a:rPr>
+              <a:t>n</a:t>
+            </a:r>
+            <a:r>
+              <a:rPr lang="pt-BR" sz="2400" b="1" dirty="0">
+                <a:latin typeface="Courier" charset="0"/>
+                <a:ea typeface="Courier" charset="0"/>
+                <a:cs typeface="Courier" charset="0"/>
+              </a:rPr>
+              <a:t>", </a:t>
+            </a:r>
+            <a:r>
+              <a:rPr lang="pt-BR" sz="2400" b="1" dirty="0" err="1" smtClean="0">
+                <a:latin typeface="Courier" charset="0"/>
+                <a:ea typeface="Courier" charset="0"/>
+                <a:cs typeface="Courier" charset="0"/>
+              </a:rPr>
+              <a:t>i</a:t>
+            </a:r>
+            <a:r>
+              <a:rPr lang="pt-BR" sz="2400" b="1" dirty="0" smtClean="0">
+                <a:latin typeface="Courier" charset="0"/>
+                <a:ea typeface="Courier" charset="0"/>
+                <a:cs typeface="Courier" charset="0"/>
+              </a:rPr>
+              <a:t>);</a:t>
+            </a:r>
+          </a:p>
+          <a:p>
+            <a:endParaRPr lang="pt-BR" sz="2400" dirty="0" smtClean="0"/>
+          </a:p>
+          <a:p>
+            <a:r>
+              <a:rPr lang="pt-BR" sz="2400" dirty="0" err="1" smtClean="0"/>
+              <a:t>If</a:t>
+            </a:r>
+            <a:r>
+              <a:rPr lang="pt-BR" sz="2400" dirty="0" smtClean="0"/>
+              <a:t> </a:t>
+            </a:r>
+            <a:r>
+              <a:rPr lang="pt-BR" sz="2400" dirty="0" err="1" smtClean="0"/>
+              <a:t>this</a:t>
+            </a:r>
+            <a:r>
+              <a:rPr lang="pt-BR" sz="2400" dirty="0" smtClean="0"/>
+              <a:t> </a:t>
+            </a:r>
+            <a:r>
+              <a:rPr lang="pt-BR" sz="2400" dirty="0" err="1" smtClean="0"/>
+              <a:t>doesn’t</a:t>
+            </a:r>
+            <a:r>
+              <a:rPr lang="pt-BR" sz="2400" dirty="0" smtClean="0"/>
+              <a:t> </a:t>
+            </a:r>
+            <a:r>
+              <a:rPr lang="pt-BR" sz="2400" dirty="0" err="1" smtClean="0"/>
+              <a:t>work</a:t>
+            </a:r>
+            <a:r>
+              <a:rPr lang="pt-BR" sz="2400" dirty="0" smtClean="0"/>
+              <a:t> for </a:t>
+            </a:r>
+            <a:r>
+              <a:rPr lang="pt-BR" sz="2400" dirty="0" err="1" smtClean="0"/>
+              <a:t>you</a:t>
+            </a:r>
+            <a:r>
+              <a:rPr lang="pt-BR" sz="2400" dirty="0" smtClean="0"/>
+              <a:t> compile </a:t>
+            </a:r>
+            <a:r>
+              <a:rPr lang="pt-BR" sz="2400" dirty="0" err="1" smtClean="0"/>
+              <a:t>using</a:t>
+            </a:r>
+            <a:r>
+              <a:rPr lang="pt-BR" sz="2400" dirty="0" smtClean="0"/>
+              <a:t>:</a:t>
+            </a:r>
+          </a:p>
+          <a:p>
+            <a:pPr lvl="1"/>
+            <a:r>
+              <a:rPr lang="pt-BR" sz="2000" dirty="0" err="1" smtClean="0"/>
+              <a:t>cc</a:t>
+            </a:r>
+            <a:r>
+              <a:rPr lang="pt-BR" sz="2000" dirty="0" smtClean="0"/>
+              <a:t> –</a:t>
+            </a:r>
+            <a:r>
+              <a:rPr lang="pt-BR" sz="2000" dirty="0" err="1" smtClean="0"/>
+              <a:t>std</a:t>
+            </a:r>
+            <a:r>
+              <a:rPr lang="pt-BR" sz="2000" dirty="0" smtClean="0"/>
+              <a:t>=c99 </a:t>
+            </a:r>
+            <a:r>
+              <a:rPr lang="pt-BR" sz="2000" dirty="0" err="1" smtClean="0"/>
+              <a:t>program.c</a:t>
+            </a:r>
+            <a:r>
+              <a:rPr lang="pt-BR" sz="2000" dirty="0" smtClean="0"/>
+              <a:t> </a:t>
+            </a:r>
+          </a:p>
+          <a:p>
+            <a:pPr marL="457200" lvl="1" indent="0">
+              <a:buNone/>
+            </a:pPr>
+            <a:r>
+              <a:rPr lang="pt-BR" sz="2000" dirty="0" smtClean="0"/>
+              <a:t>	</a:t>
+            </a:r>
+            <a:endParaRPr lang="pt-BR" sz="2000" dirty="0"/>
+          </a:p>
+          <a:p>
+            <a:pPr marL="0" indent="0">
+              <a:buNone/>
+            </a:pPr>
+            <a:r>
+              <a:rPr lang="en-US" sz="2400" b="1" dirty="0" err="1">
+                <a:latin typeface="Courier" charset="0"/>
+                <a:ea typeface="Courier" charset="0"/>
+                <a:cs typeface="Courier" charset="0"/>
+              </a:rPr>
+              <a:t>int</a:t>
+            </a:r>
+            <a:r>
+              <a:rPr lang="en-US" sz="2400" b="1" dirty="0">
+                <a:latin typeface="Courier" charset="0"/>
+                <a:ea typeface="Courier" charset="0"/>
+                <a:cs typeface="Courier" charset="0"/>
+              </a:rPr>
+              <a:t> </a:t>
+            </a:r>
+            <a:r>
+              <a:rPr lang="en-US" sz="2400" b="1" dirty="0" err="1">
+                <a:latin typeface="Courier" charset="0"/>
+                <a:ea typeface="Courier" charset="0"/>
+                <a:cs typeface="Courier" charset="0"/>
+              </a:rPr>
+              <a:t>i</a:t>
+            </a:r>
+            <a:r>
+              <a:rPr lang="en-US" sz="2400" b="1" dirty="0">
+                <a:latin typeface="Courier" charset="0"/>
+                <a:ea typeface="Courier" charset="0"/>
+                <a:cs typeface="Courier" charset="0"/>
+              </a:rPr>
+              <a:t> = 0; </a:t>
+            </a:r>
+            <a:endParaRPr lang="en-US" sz="2400" b="1" dirty="0" smtClean="0">
+              <a:latin typeface="Courier" charset="0"/>
+              <a:ea typeface="Courier" charset="0"/>
+              <a:cs typeface="Courier" charset="0"/>
+            </a:endParaRPr>
+          </a:p>
+          <a:p>
+            <a:pPr marL="0" indent="0">
+              <a:buNone/>
+            </a:pPr>
+            <a:r>
+              <a:rPr lang="en-US" sz="2400" b="1" dirty="0" smtClean="0">
+                <a:latin typeface="Courier" charset="0"/>
+                <a:ea typeface="Courier" charset="0"/>
+                <a:cs typeface="Courier" charset="0"/>
+              </a:rPr>
+              <a:t>While (</a:t>
+            </a:r>
+            <a:r>
+              <a:rPr lang="en-US" sz="2400" b="1" dirty="0" err="1" smtClean="0">
+                <a:latin typeface="Courier" charset="0"/>
+                <a:ea typeface="Courier" charset="0"/>
+                <a:cs typeface="Courier" charset="0"/>
+              </a:rPr>
+              <a:t>i</a:t>
+            </a:r>
+            <a:r>
+              <a:rPr lang="en-US" sz="2400" b="1" dirty="0" smtClean="0">
+                <a:latin typeface="Courier" charset="0"/>
+                <a:ea typeface="Courier" charset="0"/>
+                <a:cs typeface="Courier" charset="0"/>
+              </a:rPr>
+              <a:t> </a:t>
+            </a:r>
+            <a:r>
+              <a:rPr lang="en-US" sz="2400" b="1" dirty="0">
+                <a:latin typeface="Courier" charset="0"/>
+                <a:ea typeface="Courier" charset="0"/>
+                <a:cs typeface="Courier" charset="0"/>
+              </a:rPr>
+              <a:t>&lt; </a:t>
+            </a:r>
+            <a:r>
+              <a:rPr lang="en-US" sz="2400" b="1" dirty="0" smtClean="0">
+                <a:latin typeface="Courier" charset="0"/>
+                <a:ea typeface="Courier" charset="0"/>
+                <a:cs typeface="Courier" charset="0"/>
+              </a:rPr>
+              <a:t>10) {</a:t>
+            </a:r>
+            <a:endParaRPr lang="en-US" sz="2400" b="1" dirty="0">
+              <a:latin typeface="Courier" charset="0"/>
+              <a:ea typeface="Courier" charset="0"/>
+              <a:cs typeface="Courier" charset="0"/>
+            </a:endParaRPr>
+          </a:p>
+          <a:p>
+            <a:pPr marL="0" indent="0">
+              <a:buNone/>
+            </a:pPr>
+            <a:r>
+              <a:rPr lang="pt-BR" sz="2400" b="1" dirty="0">
+                <a:latin typeface="Courier" charset="0"/>
+                <a:ea typeface="Courier" charset="0"/>
+                <a:cs typeface="Courier" charset="0"/>
+              </a:rPr>
+              <a:t>	</a:t>
+            </a:r>
+            <a:r>
+              <a:rPr lang="pt-BR" sz="2400" b="1" dirty="0" err="1">
+                <a:latin typeface="Courier" charset="0"/>
+                <a:ea typeface="Courier" charset="0"/>
+                <a:cs typeface="Courier" charset="0"/>
+              </a:rPr>
+              <a:t>printf</a:t>
+            </a:r>
+            <a:r>
+              <a:rPr lang="pt-BR" sz="2400" b="1" dirty="0">
+                <a:latin typeface="Courier" charset="0"/>
+                <a:ea typeface="Courier" charset="0"/>
+                <a:cs typeface="Courier" charset="0"/>
+              </a:rPr>
+              <a:t>(”</a:t>
+            </a:r>
+            <a:r>
+              <a:rPr lang="pt-BR" sz="2400" b="1" dirty="0" err="1" smtClean="0">
+                <a:latin typeface="Courier" charset="0"/>
+                <a:ea typeface="Courier" charset="0"/>
+                <a:cs typeface="Courier" charset="0"/>
+              </a:rPr>
+              <a:t>Hello</a:t>
+            </a:r>
+            <a:r>
+              <a:rPr lang="pt-BR" sz="2400" b="1" dirty="0" smtClean="0">
+                <a:latin typeface="Courier" charset="0"/>
+                <a:ea typeface="Courier" charset="0"/>
+                <a:cs typeface="Courier" charset="0"/>
+              </a:rPr>
+              <a:t> </a:t>
+            </a:r>
+            <a:r>
+              <a:rPr lang="pt-BR" sz="2400" b="1" dirty="0">
+                <a:latin typeface="Courier" charset="0"/>
+                <a:ea typeface="Courier" charset="0"/>
+                <a:cs typeface="Courier" charset="0"/>
+              </a:rPr>
+              <a:t>world %</a:t>
+            </a:r>
+            <a:r>
+              <a:rPr lang="pt-BR" sz="2400" b="1" dirty="0" err="1">
+                <a:latin typeface="Courier" charset="0"/>
+                <a:ea typeface="Courier" charset="0"/>
+                <a:cs typeface="Courier" charset="0"/>
+              </a:rPr>
+              <a:t>d</a:t>
+            </a:r>
+            <a:r>
+              <a:rPr lang="pt-BR" sz="2400" b="1" dirty="0">
+                <a:latin typeface="Courier" charset="0"/>
+                <a:ea typeface="Courier" charset="0"/>
+                <a:cs typeface="Courier" charset="0"/>
+              </a:rPr>
+              <a:t> \</a:t>
+            </a:r>
+            <a:r>
+              <a:rPr lang="pt-BR" sz="2400" b="1" dirty="0" err="1">
+                <a:latin typeface="Courier" charset="0"/>
+                <a:ea typeface="Courier" charset="0"/>
+                <a:cs typeface="Courier" charset="0"/>
+              </a:rPr>
+              <a:t>n</a:t>
+            </a:r>
+            <a:r>
+              <a:rPr lang="pt-BR" sz="2400" b="1" dirty="0">
+                <a:latin typeface="Courier" charset="0"/>
+                <a:ea typeface="Courier" charset="0"/>
+                <a:cs typeface="Courier" charset="0"/>
+              </a:rPr>
+              <a:t>", </a:t>
+            </a:r>
+            <a:r>
+              <a:rPr lang="pt-BR" sz="2400" b="1" dirty="0" err="1">
+                <a:latin typeface="Courier" charset="0"/>
+                <a:ea typeface="Courier" charset="0"/>
+                <a:cs typeface="Courier" charset="0"/>
+              </a:rPr>
+              <a:t>i</a:t>
+            </a:r>
+            <a:r>
+              <a:rPr lang="pt-BR" sz="2400" b="1" dirty="0" smtClean="0">
+                <a:latin typeface="Courier" charset="0"/>
+                <a:ea typeface="Courier" charset="0"/>
+                <a:cs typeface="Courier" charset="0"/>
+              </a:rPr>
+              <a:t>);</a:t>
+            </a:r>
+          </a:p>
+          <a:p>
+            <a:pPr marL="0" indent="0">
+              <a:buNone/>
+            </a:pPr>
+            <a:r>
+              <a:rPr lang="pt-BR" sz="2400" b="1" dirty="0">
+                <a:latin typeface="Courier" charset="0"/>
+                <a:ea typeface="Courier" charset="0"/>
+                <a:cs typeface="Courier" charset="0"/>
+              </a:rPr>
+              <a:t>	</a:t>
+            </a:r>
+            <a:r>
+              <a:rPr lang="pt-BR" sz="2400" b="1" dirty="0" err="1" smtClean="0">
+                <a:latin typeface="Courier" charset="0"/>
+                <a:ea typeface="Courier" charset="0"/>
+                <a:cs typeface="Courier" charset="0"/>
+              </a:rPr>
+              <a:t>i</a:t>
+            </a:r>
+            <a:r>
+              <a:rPr lang="pt-BR" sz="2400" b="1" dirty="0" smtClean="0">
+                <a:latin typeface="Courier" charset="0"/>
+                <a:ea typeface="Courier" charset="0"/>
+                <a:cs typeface="Courier" charset="0"/>
+              </a:rPr>
+              <a:t>++;</a:t>
+            </a:r>
+          </a:p>
+          <a:p>
+            <a:pPr marL="0" indent="0">
+              <a:buNone/>
+            </a:pPr>
+            <a:r>
+              <a:rPr lang="pt-BR" sz="2400" b="1" dirty="0">
+                <a:latin typeface="Courier" charset="0"/>
+                <a:ea typeface="Courier" charset="0"/>
+                <a:cs typeface="Courier" charset="0"/>
+              </a:rPr>
+              <a:t>}</a:t>
+            </a:r>
+          </a:p>
+          <a:p>
+            <a:pPr marL="457200" lvl="1" indent="0">
+              <a:buNone/>
+            </a:pPr>
+            <a:endParaRPr lang="pt-BR" sz="2000" dirty="0" smtClean="0"/>
+          </a:p>
+          <a:p>
+            <a:pPr marL="0" indent="0">
+              <a:buNone/>
+            </a:pPr>
+            <a:endParaRPr lang="pt-BR" sz="2400" dirty="0"/>
+          </a:p>
+        </p:txBody>
+      </p:sp>
+      <p:cxnSp>
+        <p:nvCxnSpPr>
+          <p:cNvPr id="7" name="Straight Arrow Connector 6"/>
+          <p:cNvCxnSpPr/>
+          <p:nvPr/>
+        </p:nvCxnSpPr>
+        <p:spPr>
+          <a:xfrm flipH="1">
+            <a:off x="925552" y="2341756"/>
+            <a:ext cx="903248" cy="1739590"/>
+          </a:xfrm>
+          <a:prstGeom prst="straightConnector1">
+            <a:avLst/>
+          </a:prstGeom>
+          <a:ln w="63500">
+            <a:tailEnd type="triangle"/>
+          </a:ln>
+        </p:spPr>
+        <p:style>
+          <a:lnRef idx="2">
+            <a:schemeClr val="accent1"/>
+          </a:lnRef>
+          <a:fillRef idx="0">
+            <a:schemeClr val="accent1"/>
+          </a:fillRef>
+          <a:effectRef idx="1">
+            <a:schemeClr val="accent1"/>
+          </a:effectRef>
+          <a:fontRef idx="minor">
+            <a:schemeClr val="tx1"/>
+          </a:fontRef>
+        </p:style>
+      </p:cxnSp>
+      <p:cxnSp>
+        <p:nvCxnSpPr>
+          <p:cNvPr id="9" name="Straight Arrow Connector 8"/>
+          <p:cNvCxnSpPr/>
+          <p:nvPr/>
+        </p:nvCxnSpPr>
+        <p:spPr>
+          <a:xfrm flipH="1">
+            <a:off x="2174488" y="2341756"/>
+            <a:ext cx="1512850" cy="2141034"/>
+          </a:xfrm>
+          <a:prstGeom prst="straightConnector1">
+            <a:avLst/>
+          </a:prstGeom>
+          <a:ln w="63500">
+            <a:tailEnd type="triangle"/>
+          </a:ln>
+        </p:spPr>
+        <p:style>
+          <a:lnRef idx="2">
+            <a:schemeClr val="accent1"/>
+          </a:lnRef>
+          <a:fillRef idx="0">
+            <a:schemeClr val="accent1"/>
+          </a:fillRef>
+          <a:effectRef idx="1">
+            <a:schemeClr val="accent1"/>
+          </a:effectRef>
+          <a:fontRef idx="minor">
+            <a:schemeClr val="tx1"/>
+          </a:fontRef>
+        </p:style>
+      </p:cxnSp>
+      <p:cxnSp>
+        <p:nvCxnSpPr>
+          <p:cNvPr id="11" name="Straight Arrow Connector 10"/>
+          <p:cNvCxnSpPr/>
+          <p:nvPr/>
+        </p:nvCxnSpPr>
+        <p:spPr>
+          <a:xfrm flipH="1">
+            <a:off x="1557454" y="2341755"/>
+            <a:ext cx="3388113" cy="3010830"/>
+          </a:xfrm>
+          <a:prstGeom prst="straightConnector1">
+            <a:avLst/>
+          </a:prstGeom>
+          <a:ln w="63500">
+            <a:tailEnd type="triangle"/>
+          </a:ln>
+        </p:spPr>
+        <p:style>
+          <a:lnRef idx="2">
+            <a:schemeClr val="accent1"/>
+          </a:lnRef>
+          <a:fillRef idx="0">
+            <a:schemeClr val="accent1"/>
+          </a:fillRef>
+          <a:effectRef idx="1">
+            <a:schemeClr val="accent1"/>
+          </a:effectRef>
+          <a:fontRef idx="minor">
+            <a:schemeClr val="tx1"/>
+          </a:fontRef>
+        </p:style>
+      </p:cxnSp>
     </p:spTree>
     <p:extLst>
       <p:ext uri="{BB962C8B-B14F-4D97-AF65-F5344CB8AC3E}">
-        <p14:creationId xmlns:p14="http://schemas.microsoft.com/office/powerpoint/2010/main" val="2508597680"/>
+        <p14:creationId xmlns:p14="http://schemas.microsoft.com/office/powerpoint/2010/main" val="1081460717"/>
       </p:ext>
     </p:extLst>
   </p:cSld>
@@ -4096,7 +7101,582 @@
   <p:timing>
     <p:tnLst>
       <p:par>
-        <p:cTn xmlns:p14="http://schemas.microsoft.com/office/powerpoint/2010/main" id="1" dur="indefinite" restart="never" nodeType="tmRoot"/>
+        <p:cTn id="1" dur="indefinite" restart="never" nodeType="tmRoot">
+          <p:childTnLst>
+            <p:seq concurrent="1" nextAc="seek">
+              <p:cTn id="2" dur="indefinite" nodeType="mainSeq">
+                <p:childTnLst>
+                  <p:par>
+                    <p:cTn id="3" fill="hold">
+                      <p:stCondLst>
+                        <p:cond delay="indefinite"/>
+                      </p:stCondLst>
+                      <p:childTnLst>
+                        <p:par>
+                          <p:cTn id="4" fill="hold">
+                            <p:stCondLst>
+                              <p:cond delay="0"/>
+                            </p:stCondLst>
+                            <p:childTnLst>
+                              <p:par>
+                                <p:cTn id="5" presetID="1" presetClass="entr" presetSubtype="0" fill="hold" nodeType="clickEffect">
+                                  <p:stCondLst>
+                                    <p:cond delay="0"/>
+                                  </p:stCondLst>
+                                  <p:childTnLst>
+                                    <p:set>
+                                      <p:cBhvr>
+                                        <p:cTn id="6" dur="1" fill="hold">
+                                          <p:stCondLst>
+                                            <p:cond delay="0"/>
+                                          </p:stCondLst>
+                                        </p:cTn>
+                                        <p:tgtEl>
+                                          <p:spTgt spid="5">
+                                            <p:txEl>
+                                              <p:pRg st="1" end="1"/>
+                                            </p:txEl>
+                                          </p:spTgt>
+                                        </p:tgtEl>
+                                        <p:attrNameLst>
+                                          <p:attrName>style.visibility</p:attrName>
+                                        </p:attrNameLst>
+                                      </p:cBhvr>
+                                      <p:to>
+                                        <p:strVal val="visible"/>
+                                      </p:to>
+                                    </p:set>
+                                  </p:childTnLst>
+                                </p:cTn>
+                              </p:par>
+                              <p:par>
+                                <p:cTn id="7" presetID="1" presetClass="entr" presetSubtype="0" fill="hold" nodeType="withEffect">
+                                  <p:stCondLst>
+                                    <p:cond delay="0"/>
+                                  </p:stCondLst>
+                                  <p:childTnLst>
+                                    <p:set>
+                                      <p:cBhvr>
+                                        <p:cTn id="8" dur="1" fill="hold">
+                                          <p:stCondLst>
+                                            <p:cond delay="0"/>
+                                          </p:stCondLst>
+                                        </p:cTn>
+                                        <p:tgtEl>
+                                          <p:spTgt spid="5">
+                                            <p:txEl>
+                                              <p:pRg st="2" end="2"/>
+                                            </p:txEl>
+                                          </p:spTgt>
+                                        </p:tgtEl>
+                                        <p:attrNameLst>
+                                          <p:attrName>style.visibility</p:attrName>
+                                        </p:attrNameLst>
+                                      </p:cBhvr>
+                                      <p:to>
+                                        <p:strVal val="visible"/>
+                                      </p:to>
+                                    </p:set>
+                                  </p:childTnLst>
+                                </p:cTn>
+                              </p:par>
+                            </p:childTnLst>
+                          </p:cTn>
+                        </p:par>
+                      </p:childTnLst>
+                    </p:cTn>
+                  </p:par>
+                  <p:par>
+                    <p:cTn id="9" fill="hold">
+                      <p:stCondLst>
+                        <p:cond delay="indefinite"/>
+                      </p:stCondLst>
+                      <p:childTnLst>
+                        <p:par>
+                          <p:cTn id="10" fill="hold">
+                            <p:stCondLst>
+                              <p:cond delay="0"/>
+                            </p:stCondLst>
+                            <p:childTnLst>
+                              <p:par>
+                                <p:cTn id="11" presetID="3" presetClass="entr" presetSubtype="10" fill="hold" nodeType="clickEffect">
+                                  <p:stCondLst>
+                                    <p:cond delay="0"/>
+                                  </p:stCondLst>
+                                  <p:childTnLst>
+                                    <p:set>
+                                      <p:cBhvr>
+                                        <p:cTn id="12" dur="1" fill="hold">
+                                          <p:stCondLst>
+                                            <p:cond delay="0"/>
+                                          </p:stCondLst>
+                                        </p:cTn>
+                                        <p:tgtEl>
+                                          <p:spTgt spid="5">
+                                            <p:txEl>
+                                              <p:pRg st="4" end="4"/>
+                                            </p:txEl>
+                                          </p:spTgt>
+                                        </p:tgtEl>
+                                        <p:attrNameLst>
+                                          <p:attrName>style.visibility</p:attrName>
+                                        </p:attrNameLst>
+                                      </p:cBhvr>
+                                      <p:to>
+                                        <p:strVal val="visible"/>
+                                      </p:to>
+                                    </p:set>
+                                    <p:animEffect transition="in" filter="blinds(horizontal)">
+                                      <p:cBhvr>
+                                        <p:cTn id="13" dur="500"/>
+                                        <p:tgtEl>
+                                          <p:spTgt spid="5">
+                                            <p:txEl>
+                                              <p:pRg st="4" end="4"/>
+                                            </p:txEl>
+                                          </p:spTgt>
+                                        </p:tgtEl>
+                                      </p:cBhvr>
+                                    </p:animEffect>
+                                  </p:childTnLst>
+                                </p:cTn>
+                              </p:par>
+                              <p:par>
+                                <p:cTn id="14" presetID="3" presetClass="entr" presetSubtype="10" fill="hold" nodeType="withEffect">
+                                  <p:stCondLst>
+                                    <p:cond delay="0"/>
+                                  </p:stCondLst>
+                                  <p:childTnLst>
+                                    <p:set>
+                                      <p:cBhvr>
+                                        <p:cTn id="15" dur="1" fill="hold">
+                                          <p:stCondLst>
+                                            <p:cond delay="0"/>
+                                          </p:stCondLst>
+                                        </p:cTn>
+                                        <p:tgtEl>
+                                          <p:spTgt spid="5">
+                                            <p:txEl>
+                                              <p:pRg st="5" end="5"/>
+                                            </p:txEl>
+                                          </p:spTgt>
+                                        </p:tgtEl>
+                                        <p:attrNameLst>
+                                          <p:attrName>style.visibility</p:attrName>
+                                        </p:attrNameLst>
+                                      </p:cBhvr>
+                                      <p:to>
+                                        <p:strVal val="visible"/>
+                                      </p:to>
+                                    </p:set>
+                                    <p:animEffect transition="in" filter="blinds(horizontal)">
+                                      <p:cBhvr>
+                                        <p:cTn id="16" dur="500"/>
+                                        <p:tgtEl>
+                                          <p:spTgt spid="5">
+                                            <p:txEl>
+                                              <p:pRg st="5" end="5"/>
+                                            </p:txEl>
+                                          </p:spTgt>
+                                        </p:tgtEl>
+                                      </p:cBhvr>
+                                    </p:animEffect>
+                                  </p:childTnLst>
+                                </p:cTn>
+                              </p:par>
+                            </p:childTnLst>
+                          </p:cTn>
+                        </p:par>
+                      </p:childTnLst>
+                    </p:cTn>
+                  </p:par>
+                  <p:par>
+                    <p:cTn id="17" fill="hold">
+                      <p:stCondLst>
+                        <p:cond delay="indefinite"/>
+                      </p:stCondLst>
+                      <p:childTnLst>
+                        <p:par>
+                          <p:cTn id="18" fill="hold">
+                            <p:stCondLst>
+                              <p:cond delay="0"/>
+                            </p:stCondLst>
+                            <p:childTnLst>
+                              <p:par>
+                                <p:cTn id="19" presetID="6" presetClass="entr" presetSubtype="16" fill="hold" nodeType="clickEffect">
+                                  <p:stCondLst>
+                                    <p:cond delay="0"/>
+                                  </p:stCondLst>
+                                  <p:childTnLst>
+                                    <p:set>
+                                      <p:cBhvr>
+                                        <p:cTn id="20" dur="1" fill="hold">
+                                          <p:stCondLst>
+                                            <p:cond delay="0"/>
+                                          </p:stCondLst>
+                                        </p:cTn>
+                                        <p:tgtEl>
+                                          <p:spTgt spid="5">
+                                            <p:txEl>
+                                              <p:pRg st="7" end="7"/>
+                                            </p:txEl>
+                                          </p:spTgt>
+                                        </p:tgtEl>
+                                        <p:attrNameLst>
+                                          <p:attrName>style.visibility</p:attrName>
+                                        </p:attrNameLst>
+                                      </p:cBhvr>
+                                      <p:to>
+                                        <p:strVal val="visible"/>
+                                      </p:to>
+                                    </p:set>
+                                    <p:animEffect transition="in" filter="circle(in)">
+                                      <p:cBhvr>
+                                        <p:cTn id="21" dur="2000"/>
+                                        <p:tgtEl>
+                                          <p:spTgt spid="5">
+                                            <p:txEl>
+                                              <p:pRg st="7" end="7"/>
+                                            </p:txEl>
+                                          </p:spTgt>
+                                        </p:tgtEl>
+                                      </p:cBhvr>
+                                    </p:animEffect>
+                                  </p:childTnLst>
+                                </p:cTn>
+                              </p:par>
+                              <p:par>
+                                <p:cTn id="22" presetID="6" presetClass="entr" presetSubtype="16" fill="hold" nodeType="withEffect">
+                                  <p:stCondLst>
+                                    <p:cond delay="0"/>
+                                  </p:stCondLst>
+                                  <p:childTnLst>
+                                    <p:set>
+                                      <p:cBhvr>
+                                        <p:cTn id="23" dur="1" fill="hold">
+                                          <p:stCondLst>
+                                            <p:cond delay="0"/>
+                                          </p:stCondLst>
+                                        </p:cTn>
+                                        <p:tgtEl>
+                                          <p:spTgt spid="5">
+                                            <p:txEl>
+                                              <p:pRg st="8" end="8"/>
+                                            </p:txEl>
+                                          </p:spTgt>
+                                        </p:tgtEl>
+                                        <p:attrNameLst>
+                                          <p:attrName>style.visibility</p:attrName>
+                                        </p:attrNameLst>
+                                      </p:cBhvr>
+                                      <p:to>
+                                        <p:strVal val="visible"/>
+                                      </p:to>
+                                    </p:set>
+                                    <p:animEffect transition="in" filter="circle(in)">
+                                      <p:cBhvr>
+                                        <p:cTn id="24" dur="2000"/>
+                                        <p:tgtEl>
+                                          <p:spTgt spid="5">
+                                            <p:txEl>
+                                              <p:pRg st="8" end="8"/>
+                                            </p:txEl>
+                                          </p:spTgt>
+                                        </p:tgtEl>
+                                      </p:cBhvr>
+                                    </p:animEffect>
+                                  </p:childTnLst>
+                                </p:cTn>
+                              </p:par>
+                              <p:par>
+                                <p:cTn id="25" presetID="6" presetClass="entr" presetSubtype="16" fill="hold" nodeType="withEffect">
+                                  <p:stCondLst>
+                                    <p:cond delay="0"/>
+                                  </p:stCondLst>
+                                  <p:childTnLst>
+                                    <p:set>
+                                      <p:cBhvr>
+                                        <p:cTn id="26" dur="1" fill="hold">
+                                          <p:stCondLst>
+                                            <p:cond delay="0"/>
+                                          </p:stCondLst>
+                                        </p:cTn>
+                                        <p:tgtEl>
+                                          <p:spTgt spid="5">
+                                            <p:txEl>
+                                              <p:pRg st="9" end="9"/>
+                                            </p:txEl>
+                                          </p:spTgt>
+                                        </p:tgtEl>
+                                        <p:attrNameLst>
+                                          <p:attrName>style.visibility</p:attrName>
+                                        </p:attrNameLst>
+                                      </p:cBhvr>
+                                      <p:to>
+                                        <p:strVal val="visible"/>
+                                      </p:to>
+                                    </p:set>
+                                    <p:animEffect transition="in" filter="circle(in)">
+                                      <p:cBhvr>
+                                        <p:cTn id="27" dur="2000"/>
+                                        <p:tgtEl>
+                                          <p:spTgt spid="5">
+                                            <p:txEl>
+                                              <p:pRg st="9" end="9"/>
+                                            </p:txEl>
+                                          </p:spTgt>
+                                        </p:tgtEl>
+                                      </p:cBhvr>
+                                    </p:animEffect>
+                                  </p:childTnLst>
+                                </p:cTn>
+                              </p:par>
+                              <p:par>
+                                <p:cTn id="28" presetID="6" presetClass="entr" presetSubtype="16" fill="hold" nodeType="withEffect">
+                                  <p:stCondLst>
+                                    <p:cond delay="0"/>
+                                  </p:stCondLst>
+                                  <p:childTnLst>
+                                    <p:set>
+                                      <p:cBhvr>
+                                        <p:cTn id="29" dur="1" fill="hold">
+                                          <p:stCondLst>
+                                            <p:cond delay="0"/>
+                                          </p:stCondLst>
+                                        </p:cTn>
+                                        <p:tgtEl>
+                                          <p:spTgt spid="5">
+                                            <p:txEl>
+                                              <p:pRg st="10" end="10"/>
+                                            </p:txEl>
+                                          </p:spTgt>
+                                        </p:tgtEl>
+                                        <p:attrNameLst>
+                                          <p:attrName>style.visibility</p:attrName>
+                                        </p:attrNameLst>
+                                      </p:cBhvr>
+                                      <p:to>
+                                        <p:strVal val="visible"/>
+                                      </p:to>
+                                    </p:set>
+                                    <p:animEffect transition="in" filter="circle(in)">
+                                      <p:cBhvr>
+                                        <p:cTn id="30" dur="2000"/>
+                                        <p:tgtEl>
+                                          <p:spTgt spid="5">
+                                            <p:txEl>
+                                              <p:pRg st="10" end="10"/>
+                                            </p:txEl>
+                                          </p:spTgt>
+                                        </p:tgtEl>
+                                      </p:cBhvr>
+                                    </p:animEffect>
+                                  </p:childTnLst>
+                                </p:cTn>
+                              </p:par>
+                              <p:par>
+                                <p:cTn id="31" presetID="6" presetClass="entr" presetSubtype="16" fill="hold" nodeType="withEffect">
+                                  <p:stCondLst>
+                                    <p:cond delay="0"/>
+                                  </p:stCondLst>
+                                  <p:childTnLst>
+                                    <p:set>
+                                      <p:cBhvr>
+                                        <p:cTn id="32" dur="1" fill="hold">
+                                          <p:stCondLst>
+                                            <p:cond delay="0"/>
+                                          </p:stCondLst>
+                                        </p:cTn>
+                                        <p:tgtEl>
+                                          <p:spTgt spid="5">
+                                            <p:txEl>
+                                              <p:pRg st="11" end="11"/>
+                                            </p:txEl>
+                                          </p:spTgt>
+                                        </p:tgtEl>
+                                        <p:attrNameLst>
+                                          <p:attrName>style.visibility</p:attrName>
+                                        </p:attrNameLst>
+                                      </p:cBhvr>
+                                      <p:to>
+                                        <p:strVal val="visible"/>
+                                      </p:to>
+                                    </p:set>
+                                    <p:animEffect transition="in" filter="circle(in)">
+                                      <p:cBhvr>
+                                        <p:cTn id="33" dur="2000"/>
+                                        <p:tgtEl>
+                                          <p:spTgt spid="5">
+                                            <p:txEl>
+                                              <p:pRg st="11" end="11"/>
+                                            </p:txEl>
+                                          </p:spTgt>
+                                        </p:tgtEl>
+                                      </p:cBhvr>
+                                    </p:animEffect>
+                                  </p:childTnLst>
+                                </p:cTn>
+                              </p:par>
+                            </p:childTnLst>
+                          </p:cTn>
+                        </p:par>
+                      </p:childTnLst>
+                    </p:cTn>
+                  </p:par>
+                  <p:par>
+                    <p:cTn id="34" fill="hold">
+                      <p:stCondLst>
+                        <p:cond delay="indefinite"/>
+                      </p:stCondLst>
+                      <p:childTnLst>
+                        <p:par>
+                          <p:cTn id="35" fill="hold">
+                            <p:stCondLst>
+                              <p:cond delay="0"/>
+                            </p:stCondLst>
+                            <p:childTnLst>
+                              <p:par>
+                                <p:cTn id="36" presetID="1" presetClass="entr" presetSubtype="0" fill="hold" nodeType="clickEffect">
+                                  <p:stCondLst>
+                                    <p:cond delay="0"/>
+                                  </p:stCondLst>
+                                  <p:childTnLst>
+                                    <p:set>
+                                      <p:cBhvr>
+                                        <p:cTn id="37" dur="1" fill="hold">
+                                          <p:stCondLst>
+                                            <p:cond delay="0"/>
+                                          </p:stCondLst>
+                                        </p:cTn>
+                                        <p:tgtEl>
+                                          <p:spTgt spid="7"/>
+                                        </p:tgtEl>
+                                        <p:attrNameLst>
+                                          <p:attrName>style.visibility</p:attrName>
+                                        </p:attrNameLst>
+                                      </p:cBhvr>
+                                      <p:to>
+                                        <p:strVal val="visible"/>
+                                      </p:to>
+                                    </p:set>
+                                  </p:childTnLst>
+                                </p:cTn>
+                              </p:par>
+                            </p:childTnLst>
+                          </p:cTn>
+                        </p:par>
+                      </p:childTnLst>
+                    </p:cTn>
+                  </p:par>
+                  <p:par>
+                    <p:cTn id="38" fill="hold">
+                      <p:stCondLst>
+                        <p:cond delay="indefinite"/>
+                      </p:stCondLst>
+                      <p:childTnLst>
+                        <p:par>
+                          <p:cTn id="39" fill="hold">
+                            <p:stCondLst>
+                              <p:cond delay="0"/>
+                            </p:stCondLst>
+                            <p:childTnLst>
+                              <p:par>
+                                <p:cTn id="40" presetID="1" presetClass="entr" presetSubtype="0" fill="hold" nodeType="clickEffect">
+                                  <p:stCondLst>
+                                    <p:cond delay="0"/>
+                                  </p:stCondLst>
+                                  <p:childTnLst>
+                                    <p:set>
+                                      <p:cBhvr>
+                                        <p:cTn id="41" dur="1" fill="hold">
+                                          <p:stCondLst>
+                                            <p:cond delay="0"/>
+                                          </p:stCondLst>
+                                        </p:cTn>
+                                        <p:tgtEl>
+                                          <p:spTgt spid="9"/>
+                                        </p:tgtEl>
+                                        <p:attrNameLst>
+                                          <p:attrName>style.visibility</p:attrName>
+                                        </p:attrNameLst>
+                                      </p:cBhvr>
+                                      <p:to>
+                                        <p:strVal val="visible"/>
+                                      </p:to>
+                                    </p:set>
+                                  </p:childTnLst>
+                                </p:cTn>
+                              </p:par>
+                            </p:childTnLst>
+                          </p:cTn>
+                        </p:par>
+                      </p:childTnLst>
+                    </p:cTn>
+                  </p:par>
+                  <p:par>
+                    <p:cTn id="42" fill="hold">
+                      <p:stCondLst>
+                        <p:cond delay="indefinite"/>
+                      </p:stCondLst>
+                      <p:childTnLst>
+                        <p:par>
+                          <p:cTn id="43" fill="hold">
+                            <p:stCondLst>
+                              <p:cond delay="0"/>
+                            </p:stCondLst>
+                            <p:childTnLst>
+                              <p:par>
+                                <p:cTn id="44" presetID="1" presetClass="entr" presetSubtype="0" fill="hold" nodeType="clickEffect">
+                                  <p:stCondLst>
+                                    <p:cond delay="0"/>
+                                  </p:stCondLst>
+                                  <p:childTnLst>
+                                    <p:set>
+                                      <p:cBhvr>
+                                        <p:cTn id="45" dur="1" fill="hold">
+                                          <p:stCondLst>
+                                            <p:cond delay="0"/>
+                                          </p:stCondLst>
+                                        </p:cTn>
+                                        <p:tgtEl>
+                                          <p:spTgt spid="11"/>
+                                        </p:tgtEl>
+                                        <p:attrNameLst>
+                                          <p:attrName>style.visibility</p:attrName>
+                                        </p:attrNameLst>
+                                      </p:cBhvr>
+                                      <p:to>
+                                        <p:strVal val="visible"/>
+                                      </p:to>
+                                    </p:set>
+                                  </p:childTnLst>
+                                </p:cTn>
+                              </p:par>
+                            </p:childTnLst>
+                          </p:cTn>
+                        </p:par>
+                      </p:childTnLst>
+                    </p:cTn>
+                  </p:par>
+                </p:childTnLst>
+              </p:cTn>
+              <p:prevCondLst>
+                <p:cond evt="onPrev" delay="0">
+                  <p:tgtEl>
+                    <p:sldTgt/>
+                  </p:tgtEl>
+                </p:cond>
+              </p:prevCondLst>
+              <p:nextCondLst>
+                <p:cond evt="onNext" delay="0">
+                  <p:tgtEl>
+                    <p:sldTgt/>
+                  </p:tgtEl>
+                </p:cond>
+              </p:nextCondLst>
+            </p:seq>
+          </p:childTnLst>
+        </p:cTn>
       </p:par>
     </p:tnLst>
   </p:timing>
@@ -4137,7 +7717,7 @@
           <a:p>
             <a:r>
               <a:rPr lang="en-US" dirty="0" smtClean="0"/>
-              <a:t>FUNCTIONS</a:t>
+              <a:t>functions</a:t>
             </a:r>
             <a:endParaRPr lang="en-US" dirty="0"/>
           </a:p>
@@ -4145,12 +7725,12 @@
       </p:sp>
       <p:sp>
         <p:nvSpPr>
-          <p:cNvPr id="3" name="Content Placeholder 2"/>
-          <p:cNvSpPr>
-            <a:spLocks noGrp="1"/>
-          </p:cNvSpPr>
-          <p:nvPr>
-            <p:ph idx="1"/>
+          <p:cNvPr id="3" name="Text Placeholder 2"/>
+          <p:cNvSpPr>
+            <a:spLocks noGrp="1"/>
+          </p:cNvSpPr>
+          <p:nvPr>
+            <p:ph type="body" idx="1"/>
           </p:nvPr>
         </p:nvSpPr>
         <p:spPr/>
@@ -4158,30 +7738,14 @@
           <a:bodyPr/>
           <a:lstStyle/>
           <a:p>
-            <a:r>
-              <a:rPr lang="en-US" dirty="0" smtClean="0"/>
-              <a:t>A function provides a convenient way to encapsulate some computation</a:t>
-            </a:r>
-          </a:p>
-          <a:p>
-            <a:r>
-              <a:rPr lang="en-US" dirty="0" smtClean="0"/>
-              <a:t>A c program consists of one or more functions in one or more files</a:t>
-            </a:r>
-          </a:p>
-          <a:p>
-            <a:r>
-              <a:rPr lang="en-US" dirty="0" smtClean="0"/>
-              <a:t>There will be at least one: our old friend main()</a:t>
-            </a:r>
-            <a:endParaRPr lang="en-US" dirty="0"/>
+            <a:endParaRPr lang="en-US"/>
           </a:p>
         </p:txBody>
       </p:sp>
     </p:spTree>
     <p:extLst>
       <p:ext uri="{BB962C8B-B14F-4D97-AF65-F5344CB8AC3E}">
-        <p14:creationId xmlns:p14="http://schemas.microsoft.com/office/powerpoint/2010/main" val="2949956207"/>
+        <p14:creationId xmlns:p14="http://schemas.microsoft.com/office/powerpoint/2010/main" val="2508597680"/>
       </p:ext>
     </p:extLst>
   </p:cSld>
@@ -4191,7 +7755,7 @@
   <p:timing>
     <p:tnLst>
       <p:par>
-        <p:cTn xmlns:p14="http://schemas.microsoft.com/office/powerpoint/2010/main" id="1" dur="indefinite" restart="never" nodeType="tmRoot"/>
+        <p:cTn id="1" dur="indefinite" restart="never" nodeType="tmRoot"/>
       </p:par>
     </p:tnLst>
   </p:timing>
@@ -4232,7 +7796,7 @@
           <a:p>
             <a:r>
               <a:rPr lang="en-US" dirty="0" smtClean="0"/>
-              <a:t>Function definition</a:t>
+              <a:t>FUNCTIONS</a:t>
             </a:r>
             <a:endParaRPr lang="en-US" dirty="0"/>
           </a:p>
@@ -4245,199 +7809,35 @@
             <a:spLocks noGrp="1"/>
           </p:cNvSpPr>
           <p:nvPr>
-            <p:ph sz="half" idx="1"/>
+            <p:ph idx="1"/>
           </p:nvPr>
         </p:nvSpPr>
         <p:spPr/>
         <p:txBody>
-          <a:bodyPr/>
+          <a:bodyPr>
+            <a:normAutofit/>
+          </a:bodyPr>
           <a:lstStyle/>
           <a:p>
-            <a:pPr marL="0" indent="0">
-              <a:buNone/>
-            </a:pPr>
-            <a:r>
-              <a:rPr lang="en-US" dirty="0">
-                <a:latin typeface="Consolas"/>
-                <a:cs typeface="Consolas"/>
-              </a:rPr>
-              <a:t>r</a:t>
-            </a:r>
-            <a:r>
-              <a:rPr lang="en-US" dirty="0" smtClean="0">
-                <a:latin typeface="Consolas"/>
-                <a:cs typeface="Consolas"/>
-              </a:rPr>
-              <a:t>eturn-type </a:t>
-            </a:r>
-          </a:p>
-          <a:p>
-            <a:pPr marL="0" indent="0">
-              <a:buNone/>
-            </a:pPr>
-            <a:r>
-              <a:rPr lang="en-US" dirty="0" smtClean="0">
-                <a:latin typeface="Consolas"/>
-                <a:cs typeface="Consolas"/>
-              </a:rPr>
-              <a:t>function-name(parameters )</a:t>
-            </a:r>
-          </a:p>
-          <a:p>
-            <a:pPr marL="0" indent="0">
-              <a:buNone/>
-            </a:pPr>
-            <a:r>
-              <a:rPr lang="en-US" dirty="0" smtClean="0">
-                <a:latin typeface="Consolas"/>
-                <a:cs typeface="Consolas"/>
-              </a:rPr>
-              <a:t>{</a:t>
-            </a:r>
-          </a:p>
-          <a:p>
-            <a:pPr marL="457200" lvl="1" indent="0">
-              <a:buNone/>
-            </a:pPr>
-            <a:r>
-              <a:rPr lang="en-US" dirty="0" smtClean="0">
-                <a:latin typeface="Consolas"/>
-                <a:cs typeface="Consolas"/>
-              </a:rPr>
-              <a:t>Declarations</a:t>
-            </a:r>
-          </a:p>
-          <a:p>
-            <a:pPr marL="457200" lvl="1" indent="0">
-              <a:buNone/>
-            </a:pPr>
-            <a:r>
-              <a:rPr lang="en-US" dirty="0" smtClean="0">
-                <a:latin typeface="Consolas"/>
-                <a:cs typeface="Consolas"/>
-              </a:rPr>
-              <a:t>Statements</a:t>
-            </a:r>
-          </a:p>
-          <a:p>
-            <a:pPr marL="0" indent="0">
-              <a:buNone/>
-            </a:pPr>
-            <a:r>
-              <a:rPr lang="en-US" dirty="0">
-                <a:latin typeface="Consolas"/>
-                <a:cs typeface="Consolas"/>
-              </a:rPr>
-              <a:t>}</a:t>
-            </a:r>
-          </a:p>
-        </p:txBody>
-      </p:sp>
-      <p:sp>
-        <p:nvSpPr>
-          <p:cNvPr id="4" name="Content Placeholder 3"/>
-          <p:cNvSpPr>
-            <a:spLocks noGrp="1"/>
-          </p:cNvSpPr>
-          <p:nvPr>
-            <p:ph sz="half" idx="2"/>
-          </p:nvPr>
-        </p:nvSpPr>
-        <p:spPr/>
-        <p:txBody>
-          <a:bodyPr/>
-          <a:lstStyle/>
-          <a:p>
-            <a:pPr marL="0" indent="0">
-              <a:buNone/>
-            </a:pPr>
-            <a:r>
-              <a:rPr lang="en-US" dirty="0" err="1" smtClean="0">
-                <a:latin typeface="Consolas"/>
-                <a:cs typeface="Consolas"/>
-              </a:rPr>
-              <a:t>Int</a:t>
-            </a:r>
-            <a:r>
-              <a:rPr lang="en-US" dirty="0" smtClean="0">
-                <a:latin typeface="Consolas"/>
-                <a:cs typeface="Consolas"/>
-              </a:rPr>
-              <a:t> main()</a:t>
-            </a:r>
-          </a:p>
-          <a:p>
-            <a:pPr marL="0" indent="0">
-              <a:buNone/>
-            </a:pPr>
-            <a:r>
-              <a:rPr lang="en-US" dirty="0" smtClean="0">
-                <a:latin typeface="Consolas"/>
-                <a:cs typeface="Consolas"/>
-              </a:rPr>
-              <a:t>{</a:t>
-            </a:r>
-          </a:p>
-          <a:p>
-            <a:pPr marL="457200" lvl="1" indent="0">
-              <a:buNone/>
-            </a:pPr>
-            <a:r>
-              <a:rPr lang="en-US" dirty="0" err="1" smtClean="0">
-                <a:latin typeface="Consolas"/>
-                <a:cs typeface="Consolas"/>
-              </a:rPr>
-              <a:t>int</a:t>
-            </a:r>
-            <a:r>
-              <a:rPr lang="en-US" dirty="0" smtClean="0">
-                <a:latin typeface="Consolas"/>
-                <a:cs typeface="Consolas"/>
-              </a:rPr>
-              <a:t> a;</a:t>
-            </a:r>
-          </a:p>
-          <a:p>
-            <a:pPr marL="457200" lvl="1" indent="0">
-              <a:buNone/>
-            </a:pPr>
-            <a:r>
-              <a:rPr lang="en-US" dirty="0" err="1" smtClean="0">
-                <a:latin typeface="Consolas"/>
-                <a:cs typeface="Consolas"/>
-              </a:rPr>
-              <a:t>Printf</a:t>
-            </a:r>
-            <a:r>
-              <a:rPr lang="en-US" dirty="0" smtClean="0">
-                <a:latin typeface="Consolas"/>
-                <a:cs typeface="Consolas"/>
-              </a:rPr>
-              <a:t> (a);</a:t>
-            </a:r>
-          </a:p>
-          <a:p>
-            <a:pPr marL="457200" lvl="1" indent="0">
-              <a:buNone/>
-            </a:pPr>
-            <a:r>
-              <a:rPr lang="en-US" dirty="0" smtClean="0">
-                <a:latin typeface="Consolas"/>
-                <a:cs typeface="Consolas"/>
-              </a:rPr>
-              <a:t>Return 0;</a:t>
-            </a:r>
-          </a:p>
-          <a:p>
-            <a:pPr marL="0" indent="0">
-              <a:buNone/>
-            </a:pPr>
-            <a:r>
-              <a:rPr lang="en-US" dirty="0">
-                <a:latin typeface="Consolas"/>
-                <a:cs typeface="Consolas"/>
-              </a:rPr>
-              <a:t>}</a:t>
+            <a:r>
+              <a:rPr lang="en-US" dirty="0" smtClean="0"/>
+              <a:t>A function provides a convenient way to encapsulate some computation</a:t>
+            </a:r>
+          </a:p>
+          <a:p>
+            <a:r>
+              <a:rPr lang="en-US" dirty="0" smtClean="0"/>
+              <a:t>A c program consists of one or more functions in one or more files</a:t>
+            </a:r>
+          </a:p>
+          <a:p>
+            <a:r>
+              <a:rPr lang="en-US" dirty="0" smtClean="0"/>
+              <a:t>There will be at least one: our old friend main</a:t>
+            </a:r>
+            <a:r>
+              <a:rPr lang="en-US" dirty="0" smtClean="0"/>
+              <a:t>()</a:t>
             </a:r>
           </a:p>
         </p:txBody>
@@ -4445,7 +7845,7 @@
     </p:spTree>
     <p:extLst>
       <p:ext uri="{BB962C8B-B14F-4D97-AF65-F5344CB8AC3E}">
-        <p14:creationId xmlns:p14="http://schemas.microsoft.com/office/powerpoint/2010/main" val="2087255257"/>
+        <p14:creationId xmlns:p14="http://schemas.microsoft.com/office/powerpoint/2010/main" val="2949956207"/>
       </p:ext>
     </p:extLst>
   </p:cSld>
@@ -4455,7 +7855,7 @@
   <p:timing>
     <p:tnLst>
       <p:par>
-        <p:cTn xmlns:p14="http://schemas.microsoft.com/office/powerpoint/2010/main" id="1" dur="indefinite" restart="never" nodeType="tmRoot"/>
+        <p:cTn id="1" dur="indefinite" restart="never" nodeType="tmRoot"/>
       </p:par>
     </p:tnLst>
   </p:timing>
@@ -4481,7 +7881,7 @@
       </p:grpSpPr>
       <p:sp>
         <p:nvSpPr>
-          <p:cNvPr id="5" name="Title 4"/>
+          <p:cNvPr id="2" name="Title 1"/>
           <p:cNvSpPr>
             <a:spLocks noGrp="1"/>
           </p:cNvSpPr>
@@ -4494,17 +7894,13 @@
           <a:bodyPr/>
           <a:lstStyle/>
           <a:p>
-            <a:r>
-              <a:rPr lang="en-US" dirty="0" smtClean="0"/>
-              <a:t>DEMO</a:t>
-            </a:r>
-            <a:endParaRPr lang="en-US" dirty="0"/>
-          </a:p>
-        </p:txBody>
-      </p:sp>
-      <p:sp>
-        <p:nvSpPr>
-          <p:cNvPr id="6" name="Content Placeholder 5"/>
+            <a:endParaRPr lang="en-US"/>
+          </a:p>
+        </p:txBody>
+      </p:sp>
+      <p:sp>
+        <p:nvSpPr>
+          <p:cNvPr id="3" name="Content Placeholder 2"/>
           <p:cNvSpPr>
             <a:spLocks noGrp="1"/>
           </p:cNvSpPr>
@@ -4518,9 +7914,41 @@
           <a:lstStyle/>
           <a:p>
             <a:r>
-              <a:rPr lang="en-US" dirty="0" err="1" smtClean="0"/>
-              <a:t>POWER.c</a:t>
-            </a:r>
+              <a:rPr lang="en-US" dirty="0"/>
+              <a:t>There is the </a:t>
+            </a:r>
+            <a:r>
+              <a:rPr lang="en-US" b="1" dirty="0"/>
+              <a:t>function </a:t>
+            </a:r>
+            <a:r>
+              <a:rPr lang="en-US" b="1" dirty="0" smtClean="0"/>
+              <a:t>declaration </a:t>
+            </a:r>
+            <a:r>
+              <a:rPr lang="en-US" b="1" dirty="0"/>
+              <a:t>(or function prototype) </a:t>
+            </a:r>
+            <a:r>
+              <a:rPr lang="en-US" dirty="0"/>
+              <a:t>and the </a:t>
+            </a:r>
+            <a:r>
+              <a:rPr lang="en-US" b="1" dirty="0"/>
+              <a:t>function definition</a:t>
+            </a:r>
+            <a:r>
+              <a:rPr lang="en-US" dirty="0"/>
+              <a:t>.</a:t>
+            </a:r>
+          </a:p>
+          <a:p>
+            <a:r>
+              <a:rPr lang="en-US" dirty="0"/>
+              <a:t>Functions should be declared before they are used.  </a:t>
+            </a:r>
+          </a:p>
+          <a:p>
             <a:endParaRPr lang="en-US" dirty="0"/>
           </a:p>
         </p:txBody>
@@ -4528,7 +7956,7 @@
     </p:spTree>
     <p:extLst>
       <p:ext uri="{BB962C8B-B14F-4D97-AF65-F5344CB8AC3E}">
-        <p14:creationId xmlns:p14="http://schemas.microsoft.com/office/powerpoint/2010/main" val="3819516401"/>
+        <p14:creationId xmlns:p14="http://schemas.microsoft.com/office/powerpoint/2010/main" val="1909486638"/>
       </p:ext>
     </p:extLst>
   </p:cSld>
@@ -4538,7 +7966,7 @@
   <p:timing>
     <p:tnLst>
       <p:par>
-        <p:cTn xmlns:p14="http://schemas.microsoft.com/office/powerpoint/2010/main" id="1" dur="indefinite" restart="never" nodeType="tmRoot"/>
+        <p:cTn id="1" dur="indefinite" restart="never" nodeType="tmRoot"/>
       </p:par>
     </p:tnLst>
   </p:timing>
@@ -4579,7 +8007,7 @@
           <a:p>
             <a:r>
               <a:rPr lang="en-US" dirty="0" smtClean="0"/>
-              <a:t>Call by value</a:t>
+              <a:t>Function definition</a:t>
             </a:r>
             <a:endParaRPr lang="en-US" dirty="0"/>
           </a:p>
@@ -4592,7 +8020,7 @@
             <a:spLocks noGrp="1"/>
           </p:cNvSpPr>
           <p:nvPr>
-            <p:ph idx="1"/>
+            <p:ph sz="half" idx="1"/>
           </p:nvPr>
         </p:nvSpPr>
         <p:spPr/>
@@ -4600,42 +8028,213 @@
           <a:bodyPr/>
           <a:lstStyle/>
           <a:p>
-            <a:r>
-              <a:rPr lang="en-US" dirty="0" smtClean="0"/>
-              <a:t>In C, parameters to functions are </a:t>
-            </a:r>
-            <a:r>
-              <a:rPr lang="en-US" b="1" dirty="0" smtClean="0"/>
-              <a:t>ALWAYS passed by value. </a:t>
-            </a:r>
-          </a:p>
-          <a:p>
-            <a:r>
-              <a:rPr lang="en-US" dirty="0"/>
-              <a:t>V</a:t>
-            </a:r>
-            <a:r>
-              <a:rPr lang="en-US" dirty="0" smtClean="0"/>
-              <a:t>ariables passed as arguments will not change on the calling environment. </a:t>
-            </a:r>
-          </a:p>
-          <a:p>
-            <a:r>
-              <a:rPr lang="en-US" dirty="0" smtClean="0"/>
-              <a:t>Demo: </a:t>
-            </a:r>
-            <a:r>
-              <a:rPr lang="en-US" b="1" dirty="0" err="1" smtClean="0"/>
-              <a:t>nochange.c</a:t>
-            </a:r>
-            <a:endParaRPr lang="en-US" b="1" dirty="0"/>
+            <a:pPr marL="0" indent="0">
+              <a:buNone/>
+            </a:pPr>
+            <a:r>
+              <a:rPr lang="en-US" dirty="0">
+                <a:latin typeface="Consolas"/>
+                <a:cs typeface="Consolas"/>
+              </a:rPr>
+              <a:t>r</a:t>
+            </a:r>
+            <a:r>
+              <a:rPr lang="en-US" dirty="0" smtClean="0">
+                <a:latin typeface="Consolas"/>
+                <a:cs typeface="Consolas"/>
+              </a:rPr>
+              <a:t>eturn-type </a:t>
+            </a:r>
+          </a:p>
+          <a:p>
+            <a:pPr marL="0" indent="0">
+              <a:buNone/>
+            </a:pPr>
+            <a:r>
+              <a:rPr lang="en-US" dirty="0" smtClean="0">
+                <a:latin typeface="Consolas"/>
+                <a:cs typeface="Consolas"/>
+              </a:rPr>
+              <a:t>function-name(parameters )</a:t>
+            </a:r>
+          </a:p>
+          <a:p>
+            <a:pPr marL="0" indent="0">
+              <a:buNone/>
+            </a:pPr>
+            <a:r>
+              <a:rPr lang="en-US" dirty="0" smtClean="0">
+                <a:latin typeface="Consolas"/>
+                <a:cs typeface="Consolas"/>
+              </a:rPr>
+              <a:t>{</a:t>
+            </a:r>
+          </a:p>
+          <a:p>
+            <a:pPr marL="457200" lvl="1" indent="0">
+              <a:buNone/>
+            </a:pPr>
+            <a:r>
+              <a:rPr lang="en-US" dirty="0" smtClean="0">
+                <a:latin typeface="Consolas"/>
+                <a:cs typeface="Consolas"/>
+              </a:rPr>
+              <a:t>Declarations</a:t>
+            </a:r>
+          </a:p>
+          <a:p>
+            <a:pPr marL="457200" lvl="1" indent="0">
+              <a:buNone/>
+            </a:pPr>
+            <a:r>
+              <a:rPr lang="en-US" dirty="0" smtClean="0">
+                <a:latin typeface="Consolas"/>
+                <a:cs typeface="Consolas"/>
+              </a:rPr>
+              <a:t>Statements</a:t>
+            </a:r>
+          </a:p>
+          <a:p>
+            <a:pPr marL="0" indent="0">
+              <a:buNone/>
+            </a:pPr>
+            <a:r>
+              <a:rPr lang="en-US" dirty="0">
+                <a:latin typeface="Consolas"/>
+                <a:cs typeface="Consolas"/>
+              </a:rPr>
+              <a:t>}</a:t>
+            </a:r>
+          </a:p>
+        </p:txBody>
+      </p:sp>
+      <p:sp>
+        <p:nvSpPr>
+          <p:cNvPr id="4" name="Content Placeholder 3"/>
+          <p:cNvSpPr>
+            <a:spLocks noGrp="1"/>
+          </p:cNvSpPr>
+          <p:nvPr>
+            <p:ph sz="half" idx="2"/>
+          </p:nvPr>
+        </p:nvSpPr>
+        <p:spPr/>
+        <p:txBody>
+          <a:bodyPr/>
+          <a:lstStyle/>
+          <a:p>
+            <a:pPr marL="0" indent="0">
+              <a:buNone/>
+            </a:pPr>
+            <a:r>
+              <a:rPr lang="en-US" dirty="0" err="1">
+                <a:latin typeface="Consolas"/>
+                <a:cs typeface="Consolas"/>
+              </a:rPr>
+              <a:t>i</a:t>
+            </a:r>
+            <a:r>
+              <a:rPr lang="en-US" dirty="0" err="1" smtClean="0">
+                <a:latin typeface="Consolas"/>
+                <a:cs typeface="Consolas"/>
+              </a:rPr>
+              <a:t>nt</a:t>
+            </a:r>
+            <a:r>
+              <a:rPr lang="en-US" dirty="0" smtClean="0">
+                <a:latin typeface="Consolas"/>
+                <a:cs typeface="Consolas"/>
+              </a:rPr>
+              <a:t> </a:t>
+            </a:r>
+            <a:r>
+              <a:rPr lang="en-US" dirty="0" smtClean="0">
+                <a:latin typeface="Consolas"/>
+                <a:cs typeface="Consolas"/>
+              </a:rPr>
+              <a:t>main()</a:t>
+            </a:r>
+          </a:p>
+          <a:p>
+            <a:pPr marL="0" indent="0">
+              <a:buNone/>
+            </a:pPr>
+            <a:r>
+              <a:rPr lang="en-US" dirty="0" smtClean="0">
+                <a:latin typeface="Consolas"/>
+                <a:cs typeface="Consolas"/>
+              </a:rPr>
+              <a:t>{</a:t>
+            </a:r>
+          </a:p>
+          <a:p>
+            <a:pPr marL="457200" lvl="1" indent="0">
+              <a:buNone/>
+            </a:pPr>
+            <a:r>
+              <a:rPr lang="en-US" dirty="0" err="1" smtClean="0">
+                <a:latin typeface="Consolas"/>
+                <a:cs typeface="Consolas"/>
+              </a:rPr>
+              <a:t>int</a:t>
+            </a:r>
+            <a:r>
+              <a:rPr lang="en-US" dirty="0" smtClean="0">
+                <a:latin typeface="Consolas"/>
+                <a:cs typeface="Consolas"/>
+              </a:rPr>
+              <a:t> a;</a:t>
+            </a:r>
+          </a:p>
+          <a:p>
+            <a:pPr marL="457200" lvl="1" indent="0">
+              <a:buNone/>
+            </a:pPr>
+            <a:r>
+              <a:rPr lang="en-US" dirty="0" err="1" smtClean="0">
+                <a:latin typeface="Consolas"/>
+                <a:cs typeface="Consolas"/>
+              </a:rPr>
+              <a:t>Printf</a:t>
+            </a:r>
+            <a:r>
+              <a:rPr lang="en-US" dirty="0" smtClean="0">
+                <a:latin typeface="Consolas"/>
+                <a:cs typeface="Consolas"/>
+              </a:rPr>
+              <a:t> (a);</a:t>
+            </a:r>
+          </a:p>
+          <a:p>
+            <a:pPr marL="457200" lvl="1" indent="0">
+              <a:buNone/>
+            </a:pPr>
+            <a:r>
+              <a:rPr lang="en-US" dirty="0" smtClean="0">
+                <a:latin typeface="Consolas"/>
+                <a:cs typeface="Consolas"/>
+              </a:rPr>
+              <a:t>Return 0;</a:t>
+            </a:r>
+          </a:p>
+          <a:p>
+            <a:pPr marL="0" indent="0">
+              <a:buNone/>
+            </a:pPr>
+            <a:r>
+              <a:rPr lang="en-US" dirty="0">
+                <a:latin typeface="Consolas"/>
+                <a:cs typeface="Consolas"/>
+              </a:rPr>
+              <a:t>}</a:t>
+            </a:r>
           </a:p>
         </p:txBody>
       </p:sp>
     </p:spTree>
     <p:extLst>
       <p:ext uri="{BB962C8B-B14F-4D97-AF65-F5344CB8AC3E}">
-        <p14:creationId xmlns:p14="http://schemas.microsoft.com/office/powerpoint/2010/main" val="2909596694"/>
+        <p14:creationId xmlns:p14="http://schemas.microsoft.com/office/powerpoint/2010/main" val="2087255257"/>
       </p:ext>
     </p:extLst>
   </p:cSld>
@@ -4645,9 +8244,1386 @@
   <p:timing>
     <p:tnLst>
       <p:par>
-        <p:cTn xmlns:p14="http://schemas.microsoft.com/office/powerpoint/2010/main" id="1" dur="indefinite" restart="never" nodeType="tmRoot"/>
+        <p:cTn id="1" dur="indefinite" restart="never" nodeType="tmRoot">
+          <p:childTnLst>
+            <p:seq concurrent="1" nextAc="seek">
+              <p:cTn id="2" dur="indefinite" nodeType="mainSeq">
+                <p:childTnLst>
+                  <p:par>
+                    <p:cTn id="3" fill="hold">
+                      <p:stCondLst>
+                        <p:cond delay="indefinite"/>
+                      </p:stCondLst>
+                      <p:childTnLst>
+                        <p:par>
+                          <p:cTn id="4" fill="hold">
+                            <p:stCondLst>
+                              <p:cond delay="0"/>
+                            </p:stCondLst>
+                            <p:childTnLst>
+                              <p:par>
+                                <p:cTn id="5" presetID="37" presetClass="entr" presetSubtype="0" fill="hold" grpId="0" nodeType="clickEffect">
+                                  <p:stCondLst>
+                                    <p:cond delay="0"/>
+                                  </p:stCondLst>
+                                  <p:childTnLst>
+                                    <p:set>
+                                      <p:cBhvr>
+                                        <p:cTn id="6" dur="1" fill="hold">
+                                          <p:stCondLst>
+                                            <p:cond delay="0"/>
+                                          </p:stCondLst>
+                                        </p:cTn>
+                                        <p:tgtEl>
+                                          <p:spTgt spid="3">
+                                            <p:txEl>
+                                              <p:pRg st="0" end="0"/>
+                                            </p:txEl>
+                                          </p:spTgt>
+                                        </p:tgtEl>
+                                        <p:attrNameLst>
+                                          <p:attrName>style.visibility</p:attrName>
+                                        </p:attrNameLst>
+                                      </p:cBhvr>
+                                      <p:to>
+                                        <p:strVal val="visible"/>
+                                      </p:to>
+                                    </p:set>
+                                    <p:animEffect transition="in" filter="fade">
+                                      <p:cBhvr>
+                                        <p:cTn id="7" dur="1000"/>
+                                        <p:tgtEl>
+                                          <p:spTgt spid="3">
+                                            <p:txEl>
+                                              <p:pRg st="0" end="0"/>
+                                            </p:txEl>
+                                          </p:spTgt>
+                                        </p:tgtEl>
+                                      </p:cBhvr>
+                                    </p:animEffect>
+                                    <p:anim calcmode="lin" valueType="num">
+                                      <p:cBhvr>
+                                        <p:cTn id="8" dur="1000" fill="hold"/>
+                                        <p:tgtEl>
+                                          <p:spTgt spid="3">
+                                            <p:txEl>
+                                              <p:pRg st="0" end="0"/>
+                                            </p:txEl>
+                                          </p:spTgt>
+                                        </p:tgtEl>
+                                        <p:attrNameLst>
+                                          <p:attrName>ppt_x</p:attrName>
+                                        </p:attrNameLst>
+                                      </p:cBhvr>
+                                      <p:tavLst>
+                                        <p:tav tm="0">
+                                          <p:val>
+                                            <p:strVal val="#ppt_x"/>
+                                          </p:val>
+                                        </p:tav>
+                                        <p:tav tm="100000">
+                                          <p:val>
+                                            <p:strVal val="#ppt_x"/>
+                                          </p:val>
+                                        </p:tav>
+                                      </p:tavLst>
+                                    </p:anim>
+                                    <p:anim calcmode="lin" valueType="num">
+                                      <p:cBhvr>
+                                        <p:cTn id="9" dur="900" decel="100000" fill="hold"/>
+                                        <p:tgtEl>
+                                          <p:spTgt spid="3">
+                                            <p:txEl>
+                                              <p:pRg st="0" end="0"/>
+                                            </p:txEl>
+                                          </p:spTgt>
+                                        </p:tgtEl>
+                                        <p:attrNameLst>
+                                          <p:attrName>ppt_y</p:attrName>
+                                        </p:attrNameLst>
+                                      </p:cBhvr>
+                                      <p:tavLst>
+                                        <p:tav tm="0">
+                                          <p:val>
+                                            <p:strVal val="#ppt_y+1"/>
+                                          </p:val>
+                                        </p:tav>
+                                        <p:tav tm="100000">
+                                          <p:val>
+                                            <p:strVal val="#ppt_y-.03"/>
+                                          </p:val>
+                                        </p:tav>
+                                      </p:tavLst>
+                                    </p:anim>
+                                    <p:anim calcmode="lin" valueType="num">
+                                      <p:cBhvr>
+                                        <p:cTn id="10" dur="100" accel="100000" fill="hold">
+                                          <p:stCondLst>
+                                            <p:cond delay="900"/>
+                                          </p:stCondLst>
+                                        </p:cTn>
+                                        <p:tgtEl>
+                                          <p:spTgt spid="3">
+                                            <p:txEl>
+                                              <p:pRg st="0" end="0"/>
+                                            </p:txEl>
+                                          </p:spTgt>
+                                        </p:tgtEl>
+                                        <p:attrNameLst>
+                                          <p:attrName>ppt_y</p:attrName>
+                                        </p:attrNameLst>
+                                      </p:cBhvr>
+                                      <p:tavLst>
+                                        <p:tav tm="0">
+                                          <p:val>
+                                            <p:strVal val="#ppt_y-.03"/>
+                                          </p:val>
+                                        </p:tav>
+                                        <p:tav tm="100000">
+                                          <p:val>
+                                            <p:strVal val="#ppt_y"/>
+                                          </p:val>
+                                        </p:tav>
+                                      </p:tavLst>
+                                    </p:anim>
+                                  </p:childTnLst>
+                                </p:cTn>
+                              </p:par>
+                              <p:par>
+                                <p:cTn id="11" presetID="37" presetClass="entr" presetSubtype="0" fill="hold" grpId="0" nodeType="withEffect">
+                                  <p:stCondLst>
+                                    <p:cond delay="0"/>
+                                  </p:stCondLst>
+                                  <p:childTnLst>
+                                    <p:set>
+                                      <p:cBhvr>
+                                        <p:cTn id="12" dur="1" fill="hold">
+                                          <p:stCondLst>
+                                            <p:cond delay="0"/>
+                                          </p:stCondLst>
+                                        </p:cTn>
+                                        <p:tgtEl>
+                                          <p:spTgt spid="3">
+                                            <p:txEl>
+                                              <p:pRg st="1" end="1"/>
+                                            </p:txEl>
+                                          </p:spTgt>
+                                        </p:tgtEl>
+                                        <p:attrNameLst>
+                                          <p:attrName>style.visibility</p:attrName>
+                                        </p:attrNameLst>
+                                      </p:cBhvr>
+                                      <p:to>
+                                        <p:strVal val="visible"/>
+                                      </p:to>
+                                    </p:set>
+                                    <p:animEffect transition="in" filter="fade">
+                                      <p:cBhvr>
+                                        <p:cTn id="13" dur="1000"/>
+                                        <p:tgtEl>
+                                          <p:spTgt spid="3">
+                                            <p:txEl>
+                                              <p:pRg st="1" end="1"/>
+                                            </p:txEl>
+                                          </p:spTgt>
+                                        </p:tgtEl>
+                                      </p:cBhvr>
+                                    </p:animEffect>
+                                    <p:anim calcmode="lin" valueType="num">
+                                      <p:cBhvr>
+                                        <p:cTn id="14" dur="1000" fill="hold"/>
+                                        <p:tgtEl>
+                                          <p:spTgt spid="3">
+                                            <p:txEl>
+                                              <p:pRg st="1" end="1"/>
+                                            </p:txEl>
+                                          </p:spTgt>
+                                        </p:tgtEl>
+                                        <p:attrNameLst>
+                                          <p:attrName>ppt_x</p:attrName>
+                                        </p:attrNameLst>
+                                      </p:cBhvr>
+                                      <p:tavLst>
+                                        <p:tav tm="0">
+                                          <p:val>
+                                            <p:strVal val="#ppt_x"/>
+                                          </p:val>
+                                        </p:tav>
+                                        <p:tav tm="100000">
+                                          <p:val>
+                                            <p:strVal val="#ppt_x"/>
+                                          </p:val>
+                                        </p:tav>
+                                      </p:tavLst>
+                                    </p:anim>
+                                    <p:anim calcmode="lin" valueType="num">
+                                      <p:cBhvr>
+                                        <p:cTn id="15" dur="900" decel="100000" fill="hold"/>
+                                        <p:tgtEl>
+                                          <p:spTgt spid="3">
+                                            <p:txEl>
+                                              <p:pRg st="1" end="1"/>
+                                            </p:txEl>
+                                          </p:spTgt>
+                                        </p:tgtEl>
+                                        <p:attrNameLst>
+                                          <p:attrName>ppt_y</p:attrName>
+                                        </p:attrNameLst>
+                                      </p:cBhvr>
+                                      <p:tavLst>
+                                        <p:tav tm="0">
+                                          <p:val>
+                                            <p:strVal val="#ppt_y+1"/>
+                                          </p:val>
+                                        </p:tav>
+                                        <p:tav tm="100000">
+                                          <p:val>
+                                            <p:strVal val="#ppt_y-.03"/>
+                                          </p:val>
+                                        </p:tav>
+                                      </p:tavLst>
+                                    </p:anim>
+                                    <p:anim calcmode="lin" valueType="num">
+                                      <p:cBhvr>
+                                        <p:cTn id="16" dur="100" accel="100000" fill="hold">
+                                          <p:stCondLst>
+                                            <p:cond delay="900"/>
+                                          </p:stCondLst>
+                                        </p:cTn>
+                                        <p:tgtEl>
+                                          <p:spTgt spid="3">
+                                            <p:txEl>
+                                              <p:pRg st="1" end="1"/>
+                                            </p:txEl>
+                                          </p:spTgt>
+                                        </p:tgtEl>
+                                        <p:attrNameLst>
+                                          <p:attrName>ppt_y</p:attrName>
+                                        </p:attrNameLst>
+                                      </p:cBhvr>
+                                      <p:tavLst>
+                                        <p:tav tm="0">
+                                          <p:val>
+                                            <p:strVal val="#ppt_y-.03"/>
+                                          </p:val>
+                                        </p:tav>
+                                        <p:tav tm="100000">
+                                          <p:val>
+                                            <p:strVal val="#ppt_y"/>
+                                          </p:val>
+                                        </p:tav>
+                                      </p:tavLst>
+                                    </p:anim>
+                                  </p:childTnLst>
+                                </p:cTn>
+                              </p:par>
+                              <p:par>
+                                <p:cTn id="17" presetID="37" presetClass="entr" presetSubtype="0" fill="hold" grpId="0" nodeType="withEffect">
+                                  <p:stCondLst>
+                                    <p:cond delay="0"/>
+                                  </p:stCondLst>
+                                  <p:childTnLst>
+                                    <p:set>
+                                      <p:cBhvr>
+                                        <p:cTn id="18" dur="1" fill="hold">
+                                          <p:stCondLst>
+                                            <p:cond delay="0"/>
+                                          </p:stCondLst>
+                                        </p:cTn>
+                                        <p:tgtEl>
+                                          <p:spTgt spid="3">
+                                            <p:txEl>
+                                              <p:pRg st="2" end="2"/>
+                                            </p:txEl>
+                                          </p:spTgt>
+                                        </p:tgtEl>
+                                        <p:attrNameLst>
+                                          <p:attrName>style.visibility</p:attrName>
+                                        </p:attrNameLst>
+                                      </p:cBhvr>
+                                      <p:to>
+                                        <p:strVal val="visible"/>
+                                      </p:to>
+                                    </p:set>
+                                    <p:animEffect transition="in" filter="fade">
+                                      <p:cBhvr>
+                                        <p:cTn id="19" dur="1000"/>
+                                        <p:tgtEl>
+                                          <p:spTgt spid="3">
+                                            <p:txEl>
+                                              <p:pRg st="2" end="2"/>
+                                            </p:txEl>
+                                          </p:spTgt>
+                                        </p:tgtEl>
+                                      </p:cBhvr>
+                                    </p:animEffect>
+                                    <p:anim calcmode="lin" valueType="num">
+                                      <p:cBhvr>
+                                        <p:cTn id="20" dur="1000" fill="hold"/>
+                                        <p:tgtEl>
+                                          <p:spTgt spid="3">
+                                            <p:txEl>
+                                              <p:pRg st="2" end="2"/>
+                                            </p:txEl>
+                                          </p:spTgt>
+                                        </p:tgtEl>
+                                        <p:attrNameLst>
+                                          <p:attrName>ppt_x</p:attrName>
+                                        </p:attrNameLst>
+                                      </p:cBhvr>
+                                      <p:tavLst>
+                                        <p:tav tm="0">
+                                          <p:val>
+                                            <p:strVal val="#ppt_x"/>
+                                          </p:val>
+                                        </p:tav>
+                                        <p:tav tm="100000">
+                                          <p:val>
+                                            <p:strVal val="#ppt_x"/>
+                                          </p:val>
+                                        </p:tav>
+                                      </p:tavLst>
+                                    </p:anim>
+                                    <p:anim calcmode="lin" valueType="num">
+                                      <p:cBhvr>
+                                        <p:cTn id="21" dur="900" decel="100000" fill="hold"/>
+                                        <p:tgtEl>
+                                          <p:spTgt spid="3">
+                                            <p:txEl>
+                                              <p:pRg st="2" end="2"/>
+                                            </p:txEl>
+                                          </p:spTgt>
+                                        </p:tgtEl>
+                                        <p:attrNameLst>
+                                          <p:attrName>ppt_y</p:attrName>
+                                        </p:attrNameLst>
+                                      </p:cBhvr>
+                                      <p:tavLst>
+                                        <p:tav tm="0">
+                                          <p:val>
+                                            <p:strVal val="#ppt_y+1"/>
+                                          </p:val>
+                                        </p:tav>
+                                        <p:tav tm="100000">
+                                          <p:val>
+                                            <p:strVal val="#ppt_y-.03"/>
+                                          </p:val>
+                                        </p:tav>
+                                      </p:tavLst>
+                                    </p:anim>
+                                    <p:anim calcmode="lin" valueType="num">
+                                      <p:cBhvr>
+                                        <p:cTn id="22" dur="100" accel="100000" fill="hold">
+                                          <p:stCondLst>
+                                            <p:cond delay="900"/>
+                                          </p:stCondLst>
+                                        </p:cTn>
+                                        <p:tgtEl>
+                                          <p:spTgt spid="3">
+                                            <p:txEl>
+                                              <p:pRg st="2" end="2"/>
+                                            </p:txEl>
+                                          </p:spTgt>
+                                        </p:tgtEl>
+                                        <p:attrNameLst>
+                                          <p:attrName>ppt_y</p:attrName>
+                                        </p:attrNameLst>
+                                      </p:cBhvr>
+                                      <p:tavLst>
+                                        <p:tav tm="0">
+                                          <p:val>
+                                            <p:strVal val="#ppt_y-.03"/>
+                                          </p:val>
+                                        </p:tav>
+                                        <p:tav tm="100000">
+                                          <p:val>
+                                            <p:strVal val="#ppt_y"/>
+                                          </p:val>
+                                        </p:tav>
+                                      </p:tavLst>
+                                    </p:anim>
+                                  </p:childTnLst>
+                                </p:cTn>
+                              </p:par>
+                              <p:par>
+                                <p:cTn id="23" presetID="37" presetClass="entr" presetSubtype="0" fill="hold" grpId="0" nodeType="withEffect">
+                                  <p:stCondLst>
+                                    <p:cond delay="0"/>
+                                  </p:stCondLst>
+                                  <p:childTnLst>
+                                    <p:set>
+                                      <p:cBhvr>
+                                        <p:cTn id="24" dur="1" fill="hold">
+                                          <p:stCondLst>
+                                            <p:cond delay="0"/>
+                                          </p:stCondLst>
+                                        </p:cTn>
+                                        <p:tgtEl>
+                                          <p:spTgt spid="3">
+                                            <p:txEl>
+                                              <p:pRg st="3" end="3"/>
+                                            </p:txEl>
+                                          </p:spTgt>
+                                        </p:tgtEl>
+                                        <p:attrNameLst>
+                                          <p:attrName>style.visibility</p:attrName>
+                                        </p:attrNameLst>
+                                      </p:cBhvr>
+                                      <p:to>
+                                        <p:strVal val="visible"/>
+                                      </p:to>
+                                    </p:set>
+                                    <p:animEffect transition="in" filter="fade">
+                                      <p:cBhvr>
+                                        <p:cTn id="25" dur="1000"/>
+                                        <p:tgtEl>
+                                          <p:spTgt spid="3">
+                                            <p:txEl>
+                                              <p:pRg st="3" end="3"/>
+                                            </p:txEl>
+                                          </p:spTgt>
+                                        </p:tgtEl>
+                                      </p:cBhvr>
+                                    </p:animEffect>
+                                    <p:anim calcmode="lin" valueType="num">
+                                      <p:cBhvr>
+                                        <p:cTn id="26" dur="1000" fill="hold"/>
+                                        <p:tgtEl>
+                                          <p:spTgt spid="3">
+                                            <p:txEl>
+                                              <p:pRg st="3" end="3"/>
+                                            </p:txEl>
+                                          </p:spTgt>
+                                        </p:tgtEl>
+                                        <p:attrNameLst>
+                                          <p:attrName>ppt_x</p:attrName>
+                                        </p:attrNameLst>
+                                      </p:cBhvr>
+                                      <p:tavLst>
+                                        <p:tav tm="0">
+                                          <p:val>
+                                            <p:strVal val="#ppt_x"/>
+                                          </p:val>
+                                        </p:tav>
+                                        <p:tav tm="100000">
+                                          <p:val>
+                                            <p:strVal val="#ppt_x"/>
+                                          </p:val>
+                                        </p:tav>
+                                      </p:tavLst>
+                                    </p:anim>
+                                    <p:anim calcmode="lin" valueType="num">
+                                      <p:cBhvr>
+                                        <p:cTn id="27" dur="900" decel="100000" fill="hold"/>
+                                        <p:tgtEl>
+                                          <p:spTgt spid="3">
+                                            <p:txEl>
+                                              <p:pRg st="3" end="3"/>
+                                            </p:txEl>
+                                          </p:spTgt>
+                                        </p:tgtEl>
+                                        <p:attrNameLst>
+                                          <p:attrName>ppt_y</p:attrName>
+                                        </p:attrNameLst>
+                                      </p:cBhvr>
+                                      <p:tavLst>
+                                        <p:tav tm="0">
+                                          <p:val>
+                                            <p:strVal val="#ppt_y+1"/>
+                                          </p:val>
+                                        </p:tav>
+                                        <p:tav tm="100000">
+                                          <p:val>
+                                            <p:strVal val="#ppt_y-.03"/>
+                                          </p:val>
+                                        </p:tav>
+                                      </p:tavLst>
+                                    </p:anim>
+                                    <p:anim calcmode="lin" valueType="num">
+                                      <p:cBhvr>
+                                        <p:cTn id="28" dur="100" accel="100000" fill="hold">
+                                          <p:stCondLst>
+                                            <p:cond delay="900"/>
+                                          </p:stCondLst>
+                                        </p:cTn>
+                                        <p:tgtEl>
+                                          <p:spTgt spid="3">
+                                            <p:txEl>
+                                              <p:pRg st="3" end="3"/>
+                                            </p:txEl>
+                                          </p:spTgt>
+                                        </p:tgtEl>
+                                        <p:attrNameLst>
+                                          <p:attrName>ppt_y</p:attrName>
+                                        </p:attrNameLst>
+                                      </p:cBhvr>
+                                      <p:tavLst>
+                                        <p:tav tm="0">
+                                          <p:val>
+                                            <p:strVal val="#ppt_y-.03"/>
+                                          </p:val>
+                                        </p:tav>
+                                        <p:tav tm="100000">
+                                          <p:val>
+                                            <p:strVal val="#ppt_y"/>
+                                          </p:val>
+                                        </p:tav>
+                                      </p:tavLst>
+                                    </p:anim>
+                                  </p:childTnLst>
+                                </p:cTn>
+                              </p:par>
+                              <p:par>
+                                <p:cTn id="29" presetID="37" presetClass="entr" presetSubtype="0" fill="hold" grpId="0" nodeType="withEffect">
+                                  <p:stCondLst>
+                                    <p:cond delay="0"/>
+                                  </p:stCondLst>
+                                  <p:childTnLst>
+                                    <p:set>
+                                      <p:cBhvr>
+                                        <p:cTn id="30" dur="1" fill="hold">
+                                          <p:stCondLst>
+                                            <p:cond delay="0"/>
+                                          </p:stCondLst>
+                                        </p:cTn>
+                                        <p:tgtEl>
+                                          <p:spTgt spid="3">
+                                            <p:txEl>
+                                              <p:pRg st="4" end="4"/>
+                                            </p:txEl>
+                                          </p:spTgt>
+                                        </p:tgtEl>
+                                        <p:attrNameLst>
+                                          <p:attrName>style.visibility</p:attrName>
+                                        </p:attrNameLst>
+                                      </p:cBhvr>
+                                      <p:to>
+                                        <p:strVal val="visible"/>
+                                      </p:to>
+                                    </p:set>
+                                    <p:animEffect transition="in" filter="fade">
+                                      <p:cBhvr>
+                                        <p:cTn id="31" dur="1000"/>
+                                        <p:tgtEl>
+                                          <p:spTgt spid="3">
+                                            <p:txEl>
+                                              <p:pRg st="4" end="4"/>
+                                            </p:txEl>
+                                          </p:spTgt>
+                                        </p:tgtEl>
+                                      </p:cBhvr>
+                                    </p:animEffect>
+                                    <p:anim calcmode="lin" valueType="num">
+                                      <p:cBhvr>
+                                        <p:cTn id="32" dur="1000" fill="hold"/>
+                                        <p:tgtEl>
+                                          <p:spTgt spid="3">
+                                            <p:txEl>
+                                              <p:pRg st="4" end="4"/>
+                                            </p:txEl>
+                                          </p:spTgt>
+                                        </p:tgtEl>
+                                        <p:attrNameLst>
+                                          <p:attrName>ppt_x</p:attrName>
+                                        </p:attrNameLst>
+                                      </p:cBhvr>
+                                      <p:tavLst>
+                                        <p:tav tm="0">
+                                          <p:val>
+                                            <p:strVal val="#ppt_x"/>
+                                          </p:val>
+                                        </p:tav>
+                                        <p:tav tm="100000">
+                                          <p:val>
+                                            <p:strVal val="#ppt_x"/>
+                                          </p:val>
+                                        </p:tav>
+                                      </p:tavLst>
+                                    </p:anim>
+                                    <p:anim calcmode="lin" valueType="num">
+                                      <p:cBhvr>
+                                        <p:cTn id="33" dur="900" decel="100000" fill="hold"/>
+                                        <p:tgtEl>
+                                          <p:spTgt spid="3">
+                                            <p:txEl>
+                                              <p:pRg st="4" end="4"/>
+                                            </p:txEl>
+                                          </p:spTgt>
+                                        </p:tgtEl>
+                                        <p:attrNameLst>
+                                          <p:attrName>ppt_y</p:attrName>
+                                        </p:attrNameLst>
+                                      </p:cBhvr>
+                                      <p:tavLst>
+                                        <p:tav tm="0">
+                                          <p:val>
+                                            <p:strVal val="#ppt_y+1"/>
+                                          </p:val>
+                                        </p:tav>
+                                        <p:tav tm="100000">
+                                          <p:val>
+                                            <p:strVal val="#ppt_y-.03"/>
+                                          </p:val>
+                                        </p:tav>
+                                      </p:tavLst>
+                                    </p:anim>
+                                    <p:anim calcmode="lin" valueType="num">
+                                      <p:cBhvr>
+                                        <p:cTn id="34" dur="100" accel="100000" fill="hold">
+                                          <p:stCondLst>
+                                            <p:cond delay="900"/>
+                                          </p:stCondLst>
+                                        </p:cTn>
+                                        <p:tgtEl>
+                                          <p:spTgt spid="3">
+                                            <p:txEl>
+                                              <p:pRg st="4" end="4"/>
+                                            </p:txEl>
+                                          </p:spTgt>
+                                        </p:tgtEl>
+                                        <p:attrNameLst>
+                                          <p:attrName>ppt_y</p:attrName>
+                                        </p:attrNameLst>
+                                      </p:cBhvr>
+                                      <p:tavLst>
+                                        <p:tav tm="0">
+                                          <p:val>
+                                            <p:strVal val="#ppt_y-.03"/>
+                                          </p:val>
+                                        </p:tav>
+                                        <p:tav tm="100000">
+                                          <p:val>
+                                            <p:strVal val="#ppt_y"/>
+                                          </p:val>
+                                        </p:tav>
+                                      </p:tavLst>
+                                    </p:anim>
+                                  </p:childTnLst>
+                                </p:cTn>
+                              </p:par>
+                              <p:par>
+                                <p:cTn id="35" presetID="37" presetClass="entr" presetSubtype="0" fill="hold" grpId="0" nodeType="withEffect">
+                                  <p:stCondLst>
+                                    <p:cond delay="0"/>
+                                  </p:stCondLst>
+                                  <p:childTnLst>
+                                    <p:set>
+                                      <p:cBhvr>
+                                        <p:cTn id="36" dur="1" fill="hold">
+                                          <p:stCondLst>
+                                            <p:cond delay="0"/>
+                                          </p:stCondLst>
+                                        </p:cTn>
+                                        <p:tgtEl>
+                                          <p:spTgt spid="3">
+                                            <p:txEl>
+                                              <p:pRg st="5" end="5"/>
+                                            </p:txEl>
+                                          </p:spTgt>
+                                        </p:tgtEl>
+                                        <p:attrNameLst>
+                                          <p:attrName>style.visibility</p:attrName>
+                                        </p:attrNameLst>
+                                      </p:cBhvr>
+                                      <p:to>
+                                        <p:strVal val="visible"/>
+                                      </p:to>
+                                    </p:set>
+                                    <p:animEffect transition="in" filter="fade">
+                                      <p:cBhvr>
+                                        <p:cTn id="37" dur="1000"/>
+                                        <p:tgtEl>
+                                          <p:spTgt spid="3">
+                                            <p:txEl>
+                                              <p:pRg st="5" end="5"/>
+                                            </p:txEl>
+                                          </p:spTgt>
+                                        </p:tgtEl>
+                                      </p:cBhvr>
+                                    </p:animEffect>
+                                    <p:anim calcmode="lin" valueType="num">
+                                      <p:cBhvr>
+                                        <p:cTn id="38" dur="1000" fill="hold"/>
+                                        <p:tgtEl>
+                                          <p:spTgt spid="3">
+                                            <p:txEl>
+                                              <p:pRg st="5" end="5"/>
+                                            </p:txEl>
+                                          </p:spTgt>
+                                        </p:tgtEl>
+                                        <p:attrNameLst>
+                                          <p:attrName>ppt_x</p:attrName>
+                                        </p:attrNameLst>
+                                      </p:cBhvr>
+                                      <p:tavLst>
+                                        <p:tav tm="0">
+                                          <p:val>
+                                            <p:strVal val="#ppt_x"/>
+                                          </p:val>
+                                        </p:tav>
+                                        <p:tav tm="100000">
+                                          <p:val>
+                                            <p:strVal val="#ppt_x"/>
+                                          </p:val>
+                                        </p:tav>
+                                      </p:tavLst>
+                                    </p:anim>
+                                    <p:anim calcmode="lin" valueType="num">
+                                      <p:cBhvr>
+                                        <p:cTn id="39" dur="900" decel="100000" fill="hold"/>
+                                        <p:tgtEl>
+                                          <p:spTgt spid="3">
+                                            <p:txEl>
+                                              <p:pRg st="5" end="5"/>
+                                            </p:txEl>
+                                          </p:spTgt>
+                                        </p:tgtEl>
+                                        <p:attrNameLst>
+                                          <p:attrName>ppt_y</p:attrName>
+                                        </p:attrNameLst>
+                                      </p:cBhvr>
+                                      <p:tavLst>
+                                        <p:tav tm="0">
+                                          <p:val>
+                                            <p:strVal val="#ppt_y+1"/>
+                                          </p:val>
+                                        </p:tav>
+                                        <p:tav tm="100000">
+                                          <p:val>
+                                            <p:strVal val="#ppt_y-.03"/>
+                                          </p:val>
+                                        </p:tav>
+                                      </p:tavLst>
+                                    </p:anim>
+                                    <p:anim calcmode="lin" valueType="num">
+                                      <p:cBhvr>
+                                        <p:cTn id="40" dur="100" accel="100000" fill="hold">
+                                          <p:stCondLst>
+                                            <p:cond delay="900"/>
+                                          </p:stCondLst>
+                                        </p:cTn>
+                                        <p:tgtEl>
+                                          <p:spTgt spid="3">
+                                            <p:txEl>
+                                              <p:pRg st="5" end="5"/>
+                                            </p:txEl>
+                                          </p:spTgt>
+                                        </p:tgtEl>
+                                        <p:attrNameLst>
+                                          <p:attrName>ppt_y</p:attrName>
+                                        </p:attrNameLst>
+                                      </p:cBhvr>
+                                      <p:tavLst>
+                                        <p:tav tm="0">
+                                          <p:val>
+                                            <p:strVal val="#ppt_y-.03"/>
+                                          </p:val>
+                                        </p:tav>
+                                        <p:tav tm="100000">
+                                          <p:val>
+                                            <p:strVal val="#ppt_y"/>
+                                          </p:val>
+                                        </p:tav>
+                                      </p:tavLst>
+                                    </p:anim>
+                                  </p:childTnLst>
+                                </p:cTn>
+                              </p:par>
+                            </p:childTnLst>
+                          </p:cTn>
+                        </p:par>
+                      </p:childTnLst>
+                    </p:cTn>
+                  </p:par>
+                  <p:par>
+                    <p:cTn id="41" fill="hold">
+                      <p:stCondLst>
+                        <p:cond delay="indefinite"/>
+                      </p:stCondLst>
+                      <p:childTnLst>
+                        <p:par>
+                          <p:cTn id="42" fill="hold">
+                            <p:stCondLst>
+                              <p:cond delay="0"/>
+                            </p:stCondLst>
+                            <p:childTnLst>
+                              <p:par>
+                                <p:cTn id="43" presetID="2" presetClass="entr" presetSubtype="4" fill="hold" grpId="0" nodeType="clickEffect">
+                                  <p:stCondLst>
+                                    <p:cond delay="0"/>
+                                  </p:stCondLst>
+                                  <p:childTnLst>
+                                    <p:set>
+                                      <p:cBhvr>
+                                        <p:cTn id="44" dur="1" fill="hold">
+                                          <p:stCondLst>
+                                            <p:cond delay="0"/>
+                                          </p:stCondLst>
+                                        </p:cTn>
+                                        <p:tgtEl>
+                                          <p:spTgt spid="4">
+                                            <p:txEl>
+                                              <p:pRg st="0" end="0"/>
+                                            </p:txEl>
+                                          </p:spTgt>
+                                        </p:tgtEl>
+                                        <p:attrNameLst>
+                                          <p:attrName>style.visibility</p:attrName>
+                                        </p:attrNameLst>
+                                      </p:cBhvr>
+                                      <p:to>
+                                        <p:strVal val="visible"/>
+                                      </p:to>
+                                    </p:set>
+                                    <p:anim calcmode="lin" valueType="num">
+                                      <p:cBhvr additive="base">
+                                        <p:cTn id="45" dur="500" fill="hold"/>
+                                        <p:tgtEl>
+                                          <p:spTgt spid="4">
+                                            <p:txEl>
+                                              <p:pRg st="0" end="0"/>
+                                            </p:txEl>
+                                          </p:spTgt>
+                                        </p:tgtEl>
+                                        <p:attrNameLst>
+                                          <p:attrName>ppt_x</p:attrName>
+                                        </p:attrNameLst>
+                                      </p:cBhvr>
+                                      <p:tavLst>
+                                        <p:tav tm="0">
+                                          <p:val>
+                                            <p:strVal val="#ppt_x"/>
+                                          </p:val>
+                                        </p:tav>
+                                        <p:tav tm="100000">
+                                          <p:val>
+                                            <p:strVal val="#ppt_x"/>
+                                          </p:val>
+                                        </p:tav>
+                                      </p:tavLst>
+                                    </p:anim>
+                                    <p:anim calcmode="lin" valueType="num">
+                                      <p:cBhvr additive="base">
+                                        <p:cTn id="46" dur="500" fill="hold"/>
+                                        <p:tgtEl>
+                                          <p:spTgt spid="4">
+                                            <p:txEl>
+                                              <p:pRg st="0" end="0"/>
+                                            </p:txEl>
+                                          </p:spTgt>
+                                        </p:tgtEl>
+                                        <p:attrNameLst>
+                                          <p:attrName>ppt_y</p:attrName>
+                                        </p:attrNameLst>
+                                      </p:cBhvr>
+                                      <p:tavLst>
+                                        <p:tav tm="0">
+                                          <p:val>
+                                            <p:strVal val="1+#ppt_h/2"/>
+                                          </p:val>
+                                        </p:tav>
+                                        <p:tav tm="100000">
+                                          <p:val>
+                                            <p:strVal val="#ppt_y"/>
+                                          </p:val>
+                                        </p:tav>
+                                      </p:tavLst>
+                                    </p:anim>
+                                  </p:childTnLst>
+                                </p:cTn>
+                              </p:par>
+                            </p:childTnLst>
+                          </p:cTn>
+                        </p:par>
+                      </p:childTnLst>
+                    </p:cTn>
+                  </p:par>
+                  <p:par>
+                    <p:cTn id="47" fill="hold">
+                      <p:stCondLst>
+                        <p:cond delay="indefinite"/>
+                      </p:stCondLst>
+                      <p:childTnLst>
+                        <p:par>
+                          <p:cTn id="48" fill="hold">
+                            <p:stCondLst>
+                              <p:cond delay="0"/>
+                            </p:stCondLst>
+                            <p:childTnLst>
+                              <p:par>
+                                <p:cTn id="49" presetID="2" presetClass="entr" presetSubtype="4" fill="hold" grpId="0" nodeType="clickEffect">
+                                  <p:stCondLst>
+                                    <p:cond delay="0"/>
+                                  </p:stCondLst>
+                                  <p:childTnLst>
+                                    <p:set>
+                                      <p:cBhvr>
+                                        <p:cTn id="50" dur="1" fill="hold">
+                                          <p:stCondLst>
+                                            <p:cond delay="0"/>
+                                          </p:stCondLst>
+                                        </p:cTn>
+                                        <p:tgtEl>
+                                          <p:spTgt spid="4">
+                                            <p:txEl>
+                                              <p:pRg st="1" end="1"/>
+                                            </p:txEl>
+                                          </p:spTgt>
+                                        </p:tgtEl>
+                                        <p:attrNameLst>
+                                          <p:attrName>style.visibility</p:attrName>
+                                        </p:attrNameLst>
+                                      </p:cBhvr>
+                                      <p:to>
+                                        <p:strVal val="visible"/>
+                                      </p:to>
+                                    </p:set>
+                                    <p:anim calcmode="lin" valueType="num">
+                                      <p:cBhvr additive="base">
+                                        <p:cTn id="51" dur="500" fill="hold"/>
+                                        <p:tgtEl>
+                                          <p:spTgt spid="4">
+                                            <p:txEl>
+                                              <p:pRg st="1" end="1"/>
+                                            </p:txEl>
+                                          </p:spTgt>
+                                        </p:tgtEl>
+                                        <p:attrNameLst>
+                                          <p:attrName>ppt_x</p:attrName>
+                                        </p:attrNameLst>
+                                      </p:cBhvr>
+                                      <p:tavLst>
+                                        <p:tav tm="0">
+                                          <p:val>
+                                            <p:strVal val="#ppt_x"/>
+                                          </p:val>
+                                        </p:tav>
+                                        <p:tav tm="100000">
+                                          <p:val>
+                                            <p:strVal val="#ppt_x"/>
+                                          </p:val>
+                                        </p:tav>
+                                      </p:tavLst>
+                                    </p:anim>
+                                    <p:anim calcmode="lin" valueType="num">
+                                      <p:cBhvr additive="base">
+                                        <p:cTn id="52" dur="500" fill="hold"/>
+                                        <p:tgtEl>
+                                          <p:spTgt spid="4">
+                                            <p:txEl>
+                                              <p:pRg st="1" end="1"/>
+                                            </p:txEl>
+                                          </p:spTgt>
+                                        </p:tgtEl>
+                                        <p:attrNameLst>
+                                          <p:attrName>ppt_y</p:attrName>
+                                        </p:attrNameLst>
+                                      </p:cBhvr>
+                                      <p:tavLst>
+                                        <p:tav tm="0">
+                                          <p:val>
+                                            <p:strVal val="1+#ppt_h/2"/>
+                                          </p:val>
+                                        </p:tav>
+                                        <p:tav tm="100000">
+                                          <p:val>
+                                            <p:strVal val="#ppt_y"/>
+                                          </p:val>
+                                        </p:tav>
+                                      </p:tavLst>
+                                    </p:anim>
+                                  </p:childTnLst>
+                                </p:cTn>
+                              </p:par>
+                              <p:par>
+                                <p:cTn id="53" presetID="2" presetClass="entr" presetSubtype="4" fill="hold" grpId="0" nodeType="withEffect">
+                                  <p:stCondLst>
+                                    <p:cond delay="0"/>
+                                  </p:stCondLst>
+                                  <p:childTnLst>
+                                    <p:set>
+                                      <p:cBhvr>
+                                        <p:cTn id="54" dur="1" fill="hold">
+                                          <p:stCondLst>
+                                            <p:cond delay="0"/>
+                                          </p:stCondLst>
+                                        </p:cTn>
+                                        <p:tgtEl>
+                                          <p:spTgt spid="4">
+                                            <p:txEl>
+                                              <p:pRg st="2" end="2"/>
+                                            </p:txEl>
+                                          </p:spTgt>
+                                        </p:tgtEl>
+                                        <p:attrNameLst>
+                                          <p:attrName>style.visibility</p:attrName>
+                                        </p:attrNameLst>
+                                      </p:cBhvr>
+                                      <p:to>
+                                        <p:strVal val="visible"/>
+                                      </p:to>
+                                    </p:set>
+                                    <p:anim calcmode="lin" valueType="num">
+                                      <p:cBhvr additive="base">
+                                        <p:cTn id="55" dur="500" fill="hold"/>
+                                        <p:tgtEl>
+                                          <p:spTgt spid="4">
+                                            <p:txEl>
+                                              <p:pRg st="2" end="2"/>
+                                            </p:txEl>
+                                          </p:spTgt>
+                                        </p:tgtEl>
+                                        <p:attrNameLst>
+                                          <p:attrName>ppt_x</p:attrName>
+                                        </p:attrNameLst>
+                                      </p:cBhvr>
+                                      <p:tavLst>
+                                        <p:tav tm="0">
+                                          <p:val>
+                                            <p:strVal val="#ppt_x"/>
+                                          </p:val>
+                                        </p:tav>
+                                        <p:tav tm="100000">
+                                          <p:val>
+                                            <p:strVal val="#ppt_x"/>
+                                          </p:val>
+                                        </p:tav>
+                                      </p:tavLst>
+                                    </p:anim>
+                                    <p:anim calcmode="lin" valueType="num">
+                                      <p:cBhvr additive="base">
+                                        <p:cTn id="56" dur="500" fill="hold"/>
+                                        <p:tgtEl>
+                                          <p:spTgt spid="4">
+                                            <p:txEl>
+                                              <p:pRg st="2" end="2"/>
+                                            </p:txEl>
+                                          </p:spTgt>
+                                        </p:tgtEl>
+                                        <p:attrNameLst>
+                                          <p:attrName>ppt_y</p:attrName>
+                                        </p:attrNameLst>
+                                      </p:cBhvr>
+                                      <p:tavLst>
+                                        <p:tav tm="0">
+                                          <p:val>
+                                            <p:strVal val="1+#ppt_h/2"/>
+                                          </p:val>
+                                        </p:tav>
+                                        <p:tav tm="100000">
+                                          <p:val>
+                                            <p:strVal val="#ppt_y"/>
+                                          </p:val>
+                                        </p:tav>
+                                      </p:tavLst>
+                                    </p:anim>
+                                  </p:childTnLst>
+                                </p:cTn>
+                              </p:par>
+                              <p:par>
+                                <p:cTn id="57" presetID="2" presetClass="entr" presetSubtype="4" fill="hold" grpId="0" nodeType="withEffect">
+                                  <p:stCondLst>
+                                    <p:cond delay="0"/>
+                                  </p:stCondLst>
+                                  <p:childTnLst>
+                                    <p:set>
+                                      <p:cBhvr>
+                                        <p:cTn id="58" dur="1" fill="hold">
+                                          <p:stCondLst>
+                                            <p:cond delay="0"/>
+                                          </p:stCondLst>
+                                        </p:cTn>
+                                        <p:tgtEl>
+                                          <p:spTgt spid="4">
+                                            <p:txEl>
+                                              <p:pRg st="3" end="3"/>
+                                            </p:txEl>
+                                          </p:spTgt>
+                                        </p:tgtEl>
+                                        <p:attrNameLst>
+                                          <p:attrName>style.visibility</p:attrName>
+                                        </p:attrNameLst>
+                                      </p:cBhvr>
+                                      <p:to>
+                                        <p:strVal val="visible"/>
+                                      </p:to>
+                                    </p:set>
+                                    <p:anim calcmode="lin" valueType="num">
+                                      <p:cBhvr additive="base">
+                                        <p:cTn id="59" dur="500" fill="hold"/>
+                                        <p:tgtEl>
+                                          <p:spTgt spid="4">
+                                            <p:txEl>
+                                              <p:pRg st="3" end="3"/>
+                                            </p:txEl>
+                                          </p:spTgt>
+                                        </p:tgtEl>
+                                        <p:attrNameLst>
+                                          <p:attrName>ppt_x</p:attrName>
+                                        </p:attrNameLst>
+                                      </p:cBhvr>
+                                      <p:tavLst>
+                                        <p:tav tm="0">
+                                          <p:val>
+                                            <p:strVal val="#ppt_x"/>
+                                          </p:val>
+                                        </p:tav>
+                                        <p:tav tm="100000">
+                                          <p:val>
+                                            <p:strVal val="#ppt_x"/>
+                                          </p:val>
+                                        </p:tav>
+                                      </p:tavLst>
+                                    </p:anim>
+                                    <p:anim calcmode="lin" valueType="num">
+                                      <p:cBhvr additive="base">
+                                        <p:cTn id="60" dur="500" fill="hold"/>
+                                        <p:tgtEl>
+                                          <p:spTgt spid="4">
+                                            <p:txEl>
+                                              <p:pRg st="3" end="3"/>
+                                            </p:txEl>
+                                          </p:spTgt>
+                                        </p:tgtEl>
+                                        <p:attrNameLst>
+                                          <p:attrName>ppt_y</p:attrName>
+                                        </p:attrNameLst>
+                                      </p:cBhvr>
+                                      <p:tavLst>
+                                        <p:tav tm="0">
+                                          <p:val>
+                                            <p:strVal val="1+#ppt_h/2"/>
+                                          </p:val>
+                                        </p:tav>
+                                        <p:tav tm="100000">
+                                          <p:val>
+                                            <p:strVal val="#ppt_y"/>
+                                          </p:val>
+                                        </p:tav>
+                                      </p:tavLst>
+                                    </p:anim>
+                                  </p:childTnLst>
+                                </p:cTn>
+                              </p:par>
+                              <p:par>
+                                <p:cTn id="61" presetID="2" presetClass="entr" presetSubtype="4" fill="hold" grpId="0" nodeType="withEffect">
+                                  <p:stCondLst>
+                                    <p:cond delay="0"/>
+                                  </p:stCondLst>
+                                  <p:childTnLst>
+                                    <p:set>
+                                      <p:cBhvr>
+                                        <p:cTn id="62" dur="1" fill="hold">
+                                          <p:stCondLst>
+                                            <p:cond delay="0"/>
+                                          </p:stCondLst>
+                                        </p:cTn>
+                                        <p:tgtEl>
+                                          <p:spTgt spid="4">
+                                            <p:txEl>
+                                              <p:pRg st="4" end="4"/>
+                                            </p:txEl>
+                                          </p:spTgt>
+                                        </p:tgtEl>
+                                        <p:attrNameLst>
+                                          <p:attrName>style.visibility</p:attrName>
+                                        </p:attrNameLst>
+                                      </p:cBhvr>
+                                      <p:to>
+                                        <p:strVal val="visible"/>
+                                      </p:to>
+                                    </p:set>
+                                    <p:anim calcmode="lin" valueType="num">
+                                      <p:cBhvr additive="base">
+                                        <p:cTn id="63" dur="500" fill="hold"/>
+                                        <p:tgtEl>
+                                          <p:spTgt spid="4">
+                                            <p:txEl>
+                                              <p:pRg st="4" end="4"/>
+                                            </p:txEl>
+                                          </p:spTgt>
+                                        </p:tgtEl>
+                                        <p:attrNameLst>
+                                          <p:attrName>ppt_x</p:attrName>
+                                        </p:attrNameLst>
+                                      </p:cBhvr>
+                                      <p:tavLst>
+                                        <p:tav tm="0">
+                                          <p:val>
+                                            <p:strVal val="#ppt_x"/>
+                                          </p:val>
+                                        </p:tav>
+                                        <p:tav tm="100000">
+                                          <p:val>
+                                            <p:strVal val="#ppt_x"/>
+                                          </p:val>
+                                        </p:tav>
+                                      </p:tavLst>
+                                    </p:anim>
+                                    <p:anim calcmode="lin" valueType="num">
+                                      <p:cBhvr additive="base">
+                                        <p:cTn id="64" dur="500" fill="hold"/>
+                                        <p:tgtEl>
+                                          <p:spTgt spid="4">
+                                            <p:txEl>
+                                              <p:pRg st="4" end="4"/>
+                                            </p:txEl>
+                                          </p:spTgt>
+                                        </p:tgtEl>
+                                        <p:attrNameLst>
+                                          <p:attrName>ppt_y</p:attrName>
+                                        </p:attrNameLst>
+                                      </p:cBhvr>
+                                      <p:tavLst>
+                                        <p:tav tm="0">
+                                          <p:val>
+                                            <p:strVal val="1+#ppt_h/2"/>
+                                          </p:val>
+                                        </p:tav>
+                                        <p:tav tm="100000">
+                                          <p:val>
+                                            <p:strVal val="#ppt_y"/>
+                                          </p:val>
+                                        </p:tav>
+                                      </p:tavLst>
+                                    </p:anim>
+                                  </p:childTnLst>
+                                </p:cTn>
+                              </p:par>
+                            </p:childTnLst>
+                          </p:cTn>
+                        </p:par>
+                      </p:childTnLst>
+                    </p:cTn>
+                  </p:par>
+                  <p:par>
+                    <p:cTn id="65" fill="hold">
+                      <p:stCondLst>
+                        <p:cond delay="indefinite"/>
+                      </p:stCondLst>
+                      <p:childTnLst>
+                        <p:par>
+                          <p:cTn id="66" fill="hold">
+                            <p:stCondLst>
+                              <p:cond delay="0"/>
+                            </p:stCondLst>
+                            <p:childTnLst>
+                              <p:par>
+                                <p:cTn id="67" presetID="2" presetClass="entr" presetSubtype="4" fill="hold" grpId="0" nodeType="clickEffect">
+                                  <p:stCondLst>
+                                    <p:cond delay="0"/>
+                                  </p:stCondLst>
+                                  <p:childTnLst>
+                                    <p:set>
+                                      <p:cBhvr>
+                                        <p:cTn id="68" dur="1" fill="hold">
+                                          <p:stCondLst>
+                                            <p:cond delay="0"/>
+                                          </p:stCondLst>
+                                        </p:cTn>
+                                        <p:tgtEl>
+                                          <p:spTgt spid="4">
+                                            <p:txEl>
+                                              <p:pRg st="5" end="5"/>
+                                            </p:txEl>
+                                          </p:spTgt>
+                                        </p:tgtEl>
+                                        <p:attrNameLst>
+                                          <p:attrName>style.visibility</p:attrName>
+                                        </p:attrNameLst>
+                                      </p:cBhvr>
+                                      <p:to>
+                                        <p:strVal val="visible"/>
+                                      </p:to>
+                                    </p:set>
+                                    <p:anim calcmode="lin" valueType="num">
+                                      <p:cBhvr additive="base">
+                                        <p:cTn id="69" dur="500" fill="hold"/>
+                                        <p:tgtEl>
+                                          <p:spTgt spid="4">
+                                            <p:txEl>
+                                              <p:pRg st="5" end="5"/>
+                                            </p:txEl>
+                                          </p:spTgt>
+                                        </p:tgtEl>
+                                        <p:attrNameLst>
+                                          <p:attrName>ppt_x</p:attrName>
+                                        </p:attrNameLst>
+                                      </p:cBhvr>
+                                      <p:tavLst>
+                                        <p:tav tm="0">
+                                          <p:val>
+                                            <p:strVal val="#ppt_x"/>
+                                          </p:val>
+                                        </p:tav>
+                                        <p:tav tm="100000">
+                                          <p:val>
+                                            <p:strVal val="#ppt_x"/>
+                                          </p:val>
+                                        </p:tav>
+                                      </p:tavLst>
+                                    </p:anim>
+                                    <p:anim calcmode="lin" valueType="num">
+                                      <p:cBhvr additive="base">
+                                        <p:cTn id="70" dur="500" fill="hold"/>
+                                        <p:tgtEl>
+                                          <p:spTgt spid="4">
+                                            <p:txEl>
+                                              <p:pRg st="5" end="5"/>
+                                            </p:txEl>
+                                          </p:spTgt>
+                                        </p:tgtEl>
+                                        <p:attrNameLst>
+                                          <p:attrName>ppt_y</p:attrName>
+                                        </p:attrNameLst>
+                                      </p:cBhvr>
+                                      <p:tavLst>
+                                        <p:tav tm="0">
+                                          <p:val>
+                                            <p:strVal val="1+#ppt_h/2"/>
+                                          </p:val>
+                                        </p:tav>
+                                        <p:tav tm="100000">
+                                          <p:val>
+                                            <p:strVal val="#ppt_y"/>
+                                          </p:val>
+                                        </p:tav>
+                                      </p:tavLst>
+                                    </p:anim>
+                                  </p:childTnLst>
+                                </p:cTn>
+                              </p:par>
+                            </p:childTnLst>
+                          </p:cTn>
+                        </p:par>
+                      </p:childTnLst>
+                    </p:cTn>
+                  </p:par>
+                </p:childTnLst>
+              </p:cTn>
+              <p:prevCondLst>
+                <p:cond evt="onPrev" delay="0">
+                  <p:tgtEl>
+                    <p:sldTgt/>
+                  </p:tgtEl>
+                </p:cond>
+              </p:prevCondLst>
+              <p:nextCondLst>
+                <p:cond evt="onNext" delay="0">
+                  <p:tgtEl>
+                    <p:sldTgt/>
+                  </p:tgtEl>
+                </p:cond>
+              </p:nextCondLst>
+            </p:seq>
+          </p:childTnLst>
+        </p:cTn>
       </p:par>
     </p:tnLst>
+    <p:bldLst>
+      <p:bldP spid="3" grpId="0" uiExpand="1" build="allAtOnce"/>
+      <p:bldP spid="4" grpId="0" build="p"/>
+    </p:bldLst>
   </p:timing>
 </p:sld>
 </file>

--- a/Slides/Lesson3.pptx
+++ b/Slides/Lesson3.pptx
@@ -22,13 +22,6 @@
     <p:sldId id="269" r:id="rId16"/>
     <p:sldId id="281" r:id="rId17"/>
     <p:sldId id="272" r:id="rId18"/>
-    <p:sldId id="276" r:id="rId19"/>
-    <p:sldId id="277" r:id="rId20"/>
-    <p:sldId id="278" r:id="rId21"/>
-    <p:sldId id="279" r:id="rId22"/>
-    <p:sldId id="280" r:id="rId23"/>
-    <p:sldId id="270" r:id="rId24"/>
-    <p:sldId id="273" r:id="rId25"/>
   </p:sldIdLst>
   <p:sldSz cx="9144000" cy="6858000" type="screen4x3"/>
   <p:notesSz cx="6858000" cy="9144000"/>
@@ -327,7 +320,7 @@
           <a:p>
             <a:fld id="{1F14DB6E-5E5A-D64F-BC9B-82536EC5F491}" type="datetimeFigureOut">
               <a:rPr lang="en-US" smtClean="0"/>
-              <a:t>1/30/16</a:t>
+              <a:t>2/1/16</a:t>
             </a:fld>
             <a:endParaRPr lang="en-US"/>
           </a:p>
@@ -497,7 +490,7 @@
           <a:p>
             <a:fld id="{1F14DB6E-5E5A-D64F-BC9B-82536EC5F491}" type="datetimeFigureOut">
               <a:rPr lang="en-US" smtClean="0"/>
-              <a:t>1/30/16</a:t>
+              <a:t>2/1/16</a:t>
             </a:fld>
             <a:endParaRPr lang="en-US"/>
           </a:p>
@@ -677,7 +670,7 @@
           <a:p>
             <a:fld id="{1F14DB6E-5E5A-D64F-BC9B-82536EC5F491}" type="datetimeFigureOut">
               <a:rPr lang="en-US" smtClean="0"/>
-              <a:t>1/30/16</a:t>
+              <a:t>2/1/16</a:t>
             </a:fld>
             <a:endParaRPr lang="en-US"/>
           </a:p>
@@ -847,7 +840,7 @@
           <a:p>
             <a:fld id="{1F14DB6E-5E5A-D64F-BC9B-82536EC5F491}" type="datetimeFigureOut">
               <a:rPr lang="en-US" smtClean="0"/>
-              <a:t>1/30/16</a:t>
+              <a:t>2/1/16</a:t>
             </a:fld>
             <a:endParaRPr lang="en-US"/>
           </a:p>
@@ -1093,7 +1086,7 @@
           <a:p>
             <a:fld id="{1F14DB6E-5E5A-D64F-BC9B-82536EC5F491}" type="datetimeFigureOut">
               <a:rPr lang="en-US" smtClean="0"/>
-              <a:t>1/30/16</a:t>
+              <a:t>2/1/16</a:t>
             </a:fld>
             <a:endParaRPr lang="en-US"/>
           </a:p>
@@ -1381,7 +1374,7 @@
           <a:p>
             <a:fld id="{1F14DB6E-5E5A-D64F-BC9B-82536EC5F491}" type="datetimeFigureOut">
               <a:rPr lang="en-US" smtClean="0"/>
-              <a:t>1/30/16</a:t>
+              <a:t>2/1/16</a:t>
             </a:fld>
             <a:endParaRPr lang="en-US"/>
           </a:p>
@@ -1803,7 +1796,7 @@
           <a:p>
             <a:fld id="{1F14DB6E-5E5A-D64F-BC9B-82536EC5F491}" type="datetimeFigureOut">
               <a:rPr lang="en-US" smtClean="0"/>
-              <a:t>1/30/16</a:t>
+              <a:t>2/1/16</a:t>
             </a:fld>
             <a:endParaRPr lang="en-US"/>
           </a:p>
@@ -1921,7 +1914,7 @@
           <a:p>
             <a:fld id="{1F14DB6E-5E5A-D64F-BC9B-82536EC5F491}" type="datetimeFigureOut">
               <a:rPr lang="en-US" smtClean="0"/>
-              <a:t>1/30/16</a:t>
+              <a:t>2/1/16</a:t>
             </a:fld>
             <a:endParaRPr lang="en-US"/>
           </a:p>
@@ -2016,7 +2009,7 @@
           <a:p>
             <a:fld id="{1F14DB6E-5E5A-D64F-BC9B-82536EC5F491}" type="datetimeFigureOut">
               <a:rPr lang="en-US" smtClean="0"/>
-              <a:t>1/30/16</a:t>
+              <a:t>2/1/16</a:t>
             </a:fld>
             <a:endParaRPr lang="en-US"/>
           </a:p>
@@ -2293,7 +2286,7 @@
           <a:p>
             <a:fld id="{1F14DB6E-5E5A-D64F-BC9B-82536EC5F491}" type="datetimeFigureOut">
               <a:rPr lang="en-US" smtClean="0"/>
-              <a:t>1/30/16</a:t>
+              <a:t>2/1/16</a:t>
             </a:fld>
             <a:endParaRPr lang="en-US"/>
           </a:p>
@@ -2546,7 +2539,7 @@
           <a:p>
             <a:fld id="{1F14DB6E-5E5A-D64F-BC9B-82536EC5F491}" type="datetimeFigureOut">
               <a:rPr lang="en-US" smtClean="0"/>
-              <a:t>1/30/16</a:t>
+              <a:t>2/1/16</a:t>
             </a:fld>
             <a:endParaRPr lang="en-US"/>
           </a:p>
@@ -2759,7 +2752,7 @@
           <a:p>
             <a:fld id="{1F14DB6E-5E5A-D64F-BC9B-82536EC5F491}" type="datetimeFigureOut">
               <a:rPr lang="en-US" smtClean="0"/>
-              <a:t>1/30/16</a:t>
+              <a:t>2/1/16</a:t>
             </a:fld>
             <a:endParaRPr lang="en-US"/>
           </a:p>
@@ -3702,11 +3695,7 @@
           <a:p>
             <a:r>
               <a:rPr lang="en-US" dirty="0" smtClean="0"/>
-              <a:t>The </a:t>
-            </a:r>
-            <a:r>
-              <a:rPr lang="en-US" dirty="0" smtClean="0"/>
-              <a:t>index always starts at 0</a:t>
+              <a:t>The index always starts at 0</a:t>
             </a:r>
           </a:p>
           <a:p>
@@ -3714,17 +3703,12 @@
               <a:rPr lang="en-US" dirty="0" smtClean="0"/>
               <a:t>DEMO: </a:t>
             </a:r>
-            <a:endParaRPr lang="en-US" dirty="0" smtClean="0"/>
           </a:p>
           <a:p>
             <a:pPr lvl="1"/>
             <a:r>
               <a:rPr lang="en-US" dirty="0" smtClean="0"/>
-              <a:t>max, min grades </a:t>
-            </a:r>
-            <a:r>
-              <a:rPr lang="en-US" dirty="0" smtClean="0"/>
-              <a:t>program. </a:t>
+              <a:t>max, min grades program. </a:t>
             </a:r>
             <a:endParaRPr lang="en-US" dirty="0"/>
           </a:p>
@@ -3850,13 +3834,8 @@
           <a:p>
             <a:r>
               <a:rPr lang="en-US" dirty="0" smtClean="0"/>
-              <a:t>Length doesn’t take into account the null terminating character (‘\0</a:t>
-            </a:r>
-            <a:r>
-              <a:rPr lang="en-US" dirty="0" smtClean="0"/>
-              <a:t>’)</a:t>
-            </a:r>
-            <a:endParaRPr lang="en-US" dirty="0" smtClean="0"/>
+              <a:t>Length doesn’t take into account the null terminating character (‘\0’)</a:t>
+            </a:r>
           </a:p>
         </p:txBody>
       </p:sp>
@@ -3912,7 +3891,7 @@
           <a:bodyPr/>
           <a:lstStyle/>
           <a:p>
-            <a:endParaRPr lang="en-US"/>
+            <a:endParaRPr lang="en-US" dirty="0"/>
           </a:p>
         </p:txBody>
       </p:sp>
@@ -4129,699 +4108,6 @@
 </p:sld>
 </file>
 
-<file path=ppt/slides/slide18.xml><?xml version="1.0" encoding="utf-8"?>
-<p:sld xmlns:a="http://schemas.openxmlformats.org/drawingml/2006/main" xmlns:r="http://schemas.openxmlformats.org/officeDocument/2006/relationships" xmlns:p="http://schemas.openxmlformats.org/presentationml/2006/main">
-  <p:cSld>
-    <p:spTree>
-      <p:nvGrpSpPr>
-        <p:cNvPr id="1" name=""/>
-        <p:cNvGrpSpPr/>
-        <p:nvPr/>
-      </p:nvGrpSpPr>
-      <p:grpSpPr>
-        <a:xfrm>
-          <a:off x="0" y="0"/>
-          <a:ext cx="0" cy="0"/>
-          <a:chOff x="0" y="0"/>
-          <a:chExt cx="0" cy="0"/>
-        </a:xfrm>
-      </p:grpSpPr>
-      <p:sp>
-        <p:nvSpPr>
-          <p:cNvPr id="2" name="Title 1"/>
-          <p:cNvSpPr>
-            <a:spLocks noGrp="1"/>
-          </p:cNvSpPr>
-          <p:nvPr>
-            <p:ph type="title"/>
-          </p:nvPr>
-        </p:nvSpPr>
-        <p:spPr/>
-        <p:txBody>
-          <a:bodyPr/>
-          <a:lstStyle/>
-          <a:p>
-            <a:r>
-              <a:rPr lang="en-US" dirty="0" smtClean="0"/>
-              <a:t>Operating System Considerations</a:t>
-            </a:r>
-            <a:endParaRPr lang="en-US" dirty="0"/>
-          </a:p>
-        </p:txBody>
-      </p:sp>
-      <p:sp>
-        <p:nvSpPr>
-          <p:cNvPr id="3" name="Content Placeholder 2"/>
-          <p:cNvSpPr>
-            <a:spLocks noGrp="1"/>
-          </p:cNvSpPr>
-          <p:nvPr>
-            <p:ph idx="1"/>
-          </p:nvPr>
-        </p:nvSpPr>
-        <p:spPr/>
-        <p:txBody>
-          <a:bodyPr/>
-          <a:lstStyle/>
-          <a:p>
-            <a:r>
-              <a:rPr lang="en-US" dirty="0" smtClean="0"/>
-              <a:t>Steps to running a program:</a:t>
-            </a:r>
-          </a:p>
-          <a:p>
-            <a:pPr lvl="1"/>
-            <a:r>
-              <a:rPr lang="en-US" dirty="0" smtClean="0"/>
-              <a:t>Edit (</a:t>
-            </a:r>
-            <a:r>
-              <a:rPr lang="en-US" b="1" dirty="0" smtClean="0"/>
-              <a:t>Sublime, </a:t>
-            </a:r>
-            <a:r>
-              <a:rPr lang="en-US" b="1" dirty="0" err="1" smtClean="0"/>
-              <a:t>Emacs</a:t>
-            </a:r>
-            <a:r>
-              <a:rPr lang="en-US" b="1" dirty="0" smtClean="0"/>
-              <a:t>, vi</a:t>
-            </a:r>
-            <a:r>
-              <a:rPr lang="en-US" dirty="0" smtClean="0"/>
-              <a:t>)</a:t>
-            </a:r>
-          </a:p>
-          <a:p>
-            <a:pPr lvl="1"/>
-            <a:r>
-              <a:rPr lang="en-US" dirty="0" smtClean="0"/>
-              <a:t>Compile  (</a:t>
-            </a:r>
-            <a:r>
-              <a:rPr lang="en-US" b="1" dirty="0" smtClean="0"/>
-              <a:t>cc </a:t>
-            </a:r>
-            <a:r>
-              <a:rPr lang="en-US" b="1" dirty="0" err="1" smtClean="0"/>
-              <a:t>program.c</a:t>
-            </a:r>
-            <a:r>
-              <a:rPr lang="en-US" dirty="0" smtClean="0"/>
-              <a:t>)</a:t>
-            </a:r>
-          </a:p>
-          <a:p>
-            <a:pPr lvl="1"/>
-            <a:r>
-              <a:rPr lang="en-US" dirty="0" smtClean="0"/>
-              <a:t>Execute (</a:t>
-            </a:r>
-            <a:r>
-              <a:rPr lang="en-US" b="1" dirty="0" smtClean="0"/>
-              <a:t>./</a:t>
-            </a:r>
-            <a:r>
-              <a:rPr lang="en-US" b="1" dirty="0" err="1" smtClean="0"/>
-              <a:t>a.out</a:t>
-            </a:r>
-            <a:r>
-              <a:rPr lang="en-US" dirty="0" smtClean="0"/>
-              <a:t> or </a:t>
-            </a:r>
-            <a:r>
-              <a:rPr lang="en-US" b="1" dirty="0" smtClean="0"/>
-              <a:t>./</a:t>
-            </a:r>
-            <a:r>
-              <a:rPr lang="en-US" b="1" dirty="0" err="1" smtClean="0"/>
-              <a:t>a.exe</a:t>
-            </a:r>
-            <a:r>
-              <a:rPr lang="en-US" dirty="0" smtClean="0"/>
-              <a:t>)</a:t>
-            </a:r>
-            <a:endParaRPr lang="en-US" dirty="0"/>
-          </a:p>
-        </p:txBody>
-      </p:sp>
-    </p:spTree>
-    <p:extLst>
-      <p:ext uri="{BB962C8B-B14F-4D97-AF65-F5344CB8AC3E}">
-        <p14:creationId xmlns:p14="http://schemas.microsoft.com/office/powerpoint/2010/main" val="929809463"/>
-      </p:ext>
-    </p:extLst>
-  </p:cSld>
-  <p:clrMapOvr>
-    <a:masterClrMapping/>
-  </p:clrMapOvr>
-  <p:timing>
-    <p:tnLst>
-      <p:par>
-        <p:cTn id="1" dur="indefinite" restart="never" nodeType="tmRoot">
-          <p:childTnLst>
-            <p:seq concurrent="1" nextAc="seek">
-              <p:cTn id="2" dur="indefinite" nodeType="mainSeq">
-                <p:childTnLst>
-                  <p:par>
-                    <p:cTn id="3" fill="hold">
-                      <p:stCondLst>
-                        <p:cond delay="indefinite"/>
-                      </p:stCondLst>
-                      <p:childTnLst>
-                        <p:par>
-                          <p:cTn id="4" fill="hold">
-                            <p:stCondLst>
-                              <p:cond delay="0"/>
-                            </p:stCondLst>
-                            <p:childTnLst>
-                              <p:par>
-                                <p:cTn id="5" presetID="2" presetClass="entr" presetSubtype="4" fill="hold" nodeType="clickEffect">
-                                  <p:stCondLst>
-                                    <p:cond delay="0"/>
-                                  </p:stCondLst>
-                                  <p:childTnLst>
-                                    <p:set>
-                                      <p:cBhvr>
-                                        <p:cTn id="6" dur="1" fill="hold">
-                                          <p:stCondLst>
-                                            <p:cond delay="0"/>
-                                          </p:stCondLst>
-                                        </p:cTn>
-                                        <p:tgtEl>
-                                          <p:spTgt spid="3">
-                                            <p:txEl>
-                                              <p:pRg st="1" end="1"/>
-                                            </p:txEl>
-                                          </p:spTgt>
-                                        </p:tgtEl>
-                                        <p:attrNameLst>
-                                          <p:attrName>style.visibility</p:attrName>
-                                        </p:attrNameLst>
-                                      </p:cBhvr>
-                                      <p:to>
-                                        <p:strVal val="visible"/>
-                                      </p:to>
-                                    </p:set>
-                                    <p:anim calcmode="lin" valueType="num">
-                                      <p:cBhvr additive="base">
-                                        <p:cTn id="7" dur="500" fill="hold"/>
-                                        <p:tgtEl>
-                                          <p:spTgt spid="3">
-                                            <p:txEl>
-                                              <p:pRg st="1" end="1"/>
-                                            </p:txEl>
-                                          </p:spTgt>
-                                        </p:tgtEl>
-                                        <p:attrNameLst>
-                                          <p:attrName>ppt_x</p:attrName>
-                                        </p:attrNameLst>
-                                      </p:cBhvr>
-                                      <p:tavLst>
-                                        <p:tav tm="0">
-                                          <p:val>
-                                            <p:strVal val="#ppt_x"/>
-                                          </p:val>
-                                        </p:tav>
-                                        <p:tav tm="100000">
-                                          <p:val>
-                                            <p:strVal val="#ppt_x"/>
-                                          </p:val>
-                                        </p:tav>
-                                      </p:tavLst>
-                                    </p:anim>
-                                    <p:anim calcmode="lin" valueType="num">
-                                      <p:cBhvr additive="base">
-                                        <p:cTn id="8" dur="500" fill="hold"/>
-                                        <p:tgtEl>
-                                          <p:spTgt spid="3">
-                                            <p:txEl>
-                                              <p:pRg st="1" end="1"/>
-                                            </p:txEl>
-                                          </p:spTgt>
-                                        </p:tgtEl>
-                                        <p:attrNameLst>
-                                          <p:attrName>ppt_y</p:attrName>
-                                        </p:attrNameLst>
-                                      </p:cBhvr>
-                                      <p:tavLst>
-                                        <p:tav tm="0">
-                                          <p:val>
-                                            <p:strVal val="1+#ppt_h/2"/>
-                                          </p:val>
-                                        </p:tav>
-                                        <p:tav tm="100000">
-                                          <p:val>
-                                            <p:strVal val="#ppt_y"/>
-                                          </p:val>
-                                        </p:tav>
-                                      </p:tavLst>
-                                    </p:anim>
-                                  </p:childTnLst>
-                                </p:cTn>
-                              </p:par>
-                            </p:childTnLst>
-                          </p:cTn>
-                        </p:par>
-                      </p:childTnLst>
-                    </p:cTn>
-                  </p:par>
-                  <p:par>
-                    <p:cTn id="9" fill="hold">
-                      <p:stCondLst>
-                        <p:cond delay="indefinite"/>
-                      </p:stCondLst>
-                      <p:childTnLst>
-                        <p:par>
-                          <p:cTn id="10" fill="hold">
-                            <p:stCondLst>
-                              <p:cond delay="0"/>
-                            </p:stCondLst>
-                            <p:childTnLst>
-                              <p:par>
-                                <p:cTn id="11" presetID="2" presetClass="entr" presetSubtype="4" fill="hold" nodeType="clickEffect">
-                                  <p:stCondLst>
-                                    <p:cond delay="0"/>
-                                  </p:stCondLst>
-                                  <p:childTnLst>
-                                    <p:set>
-                                      <p:cBhvr>
-                                        <p:cTn id="12" dur="1" fill="hold">
-                                          <p:stCondLst>
-                                            <p:cond delay="0"/>
-                                          </p:stCondLst>
-                                        </p:cTn>
-                                        <p:tgtEl>
-                                          <p:spTgt spid="3">
-                                            <p:txEl>
-                                              <p:pRg st="2" end="2"/>
-                                            </p:txEl>
-                                          </p:spTgt>
-                                        </p:tgtEl>
-                                        <p:attrNameLst>
-                                          <p:attrName>style.visibility</p:attrName>
-                                        </p:attrNameLst>
-                                      </p:cBhvr>
-                                      <p:to>
-                                        <p:strVal val="visible"/>
-                                      </p:to>
-                                    </p:set>
-                                    <p:anim calcmode="lin" valueType="num">
-                                      <p:cBhvr additive="base">
-                                        <p:cTn id="13" dur="500" fill="hold"/>
-                                        <p:tgtEl>
-                                          <p:spTgt spid="3">
-                                            <p:txEl>
-                                              <p:pRg st="2" end="2"/>
-                                            </p:txEl>
-                                          </p:spTgt>
-                                        </p:tgtEl>
-                                        <p:attrNameLst>
-                                          <p:attrName>ppt_x</p:attrName>
-                                        </p:attrNameLst>
-                                      </p:cBhvr>
-                                      <p:tavLst>
-                                        <p:tav tm="0">
-                                          <p:val>
-                                            <p:strVal val="#ppt_x"/>
-                                          </p:val>
-                                        </p:tav>
-                                        <p:tav tm="100000">
-                                          <p:val>
-                                            <p:strVal val="#ppt_x"/>
-                                          </p:val>
-                                        </p:tav>
-                                      </p:tavLst>
-                                    </p:anim>
-                                    <p:anim calcmode="lin" valueType="num">
-                                      <p:cBhvr additive="base">
-                                        <p:cTn id="14" dur="500" fill="hold"/>
-                                        <p:tgtEl>
-                                          <p:spTgt spid="3">
-                                            <p:txEl>
-                                              <p:pRg st="2" end="2"/>
-                                            </p:txEl>
-                                          </p:spTgt>
-                                        </p:tgtEl>
-                                        <p:attrNameLst>
-                                          <p:attrName>ppt_y</p:attrName>
-                                        </p:attrNameLst>
-                                      </p:cBhvr>
-                                      <p:tavLst>
-                                        <p:tav tm="0">
-                                          <p:val>
-                                            <p:strVal val="1+#ppt_h/2"/>
-                                          </p:val>
-                                        </p:tav>
-                                        <p:tav tm="100000">
-                                          <p:val>
-                                            <p:strVal val="#ppt_y"/>
-                                          </p:val>
-                                        </p:tav>
-                                      </p:tavLst>
-                                    </p:anim>
-                                  </p:childTnLst>
-                                </p:cTn>
-                              </p:par>
-                            </p:childTnLst>
-                          </p:cTn>
-                        </p:par>
-                      </p:childTnLst>
-                    </p:cTn>
-                  </p:par>
-                  <p:par>
-                    <p:cTn id="15" fill="hold">
-                      <p:stCondLst>
-                        <p:cond delay="indefinite"/>
-                      </p:stCondLst>
-                      <p:childTnLst>
-                        <p:par>
-                          <p:cTn id="16" fill="hold">
-                            <p:stCondLst>
-                              <p:cond delay="0"/>
-                            </p:stCondLst>
-                            <p:childTnLst>
-                              <p:par>
-                                <p:cTn id="17" presetID="2" presetClass="entr" presetSubtype="4" fill="hold" nodeType="clickEffect">
-                                  <p:stCondLst>
-                                    <p:cond delay="0"/>
-                                  </p:stCondLst>
-                                  <p:childTnLst>
-                                    <p:set>
-                                      <p:cBhvr>
-                                        <p:cTn id="18" dur="1" fill="hold">
-                                          <p:stCondLst>
-                                            <p:cond delay="0"/>
-                                          </p:stCondLst>
-                                        </p:cTn>
-                                        <p:tgtEl>
-                                          <p:spTgt spid="3">
-                                            <p:txEl>
-                                              <p:pRg st="3" end="3"/>
-                                            </p:txEl>
-                                          </p:spTgt>
-                                        </p:tgtEl>
-                                        <p:attrNameLst>
-                                          <p:attrName>style.visibility</p:attrName>
-                                        </p:attrNameLst>
-                                      </p:cBhvr>
-                                      <p:to>
-                                        <p:strVal val="visible"/>
-                                      </p:to>
-                                    </p:set>
-                                    <p:anim calcmode="lin" valueType="num">
-                                      <p:cBhvr additive="base">
-                                        <p:cTn id="19" dur="500" fill="hold"/>
-                                        <p:tgtEl>
-                                          <p:spTgt spid="3">
-                                            <p:txEl>
-                                              <p:pRg st="3" end="3"/>
-                                            </p:txEl>
-                                          </p:spTgt>
-                                        </p:tgtEl>
-                                        <p:attrNameLst>
-                                          <p:attrName>ppt_x</p:attrName>
-                                        </p:attrNameLst>
-                                      </p:cBhvr>
-                                      <p:tavLst>
-                                        <p:tav tm="0">
-                                          <p:val>
-                                            <p:strVal val="#ppt_x"/>
-                                          </p:val>
-                                        </p:tav>
-                                        <p:tav tm="100000">
-                                          <p:val>
-                                            <p:strVal val="#ppt_x"/>
-                                          </p:val>
-                                        </p:tav>
-                                      </p:tavLst>
-                                    </p:anim>
-                                    <p:anim calcmode="lin" valueType="num">
-                                      <p:cBhvr additive="base">
-                                        <p:cTn id="20" dur="500" fill="hold"/>
-                                        <p:tgtEl>
-                                          <p:spTgt spid="3">
-                                            <p:txEl>
-                                              <p:pRg st="3" end="3"/>
-                                            </p:txEl>
-                                          </p:spTgt>
-                                        </p:tgtEl>
-                                        <p:attrNameLst>
-                                          <p:attrName>ppt_y</p:attrName>
-                                        </p:attrNameLst>
-                                      </p:cBhvr>
-                                      <p:tavLst>
-                                        <p:tav tm="0">
-                                          <p:val>
-                                            <p:strVal val="1+#ppt_h/2"/>
-                                          </p:val>
-                                        </p:tav>
-                                        <p:tav tm="100000">
-                                          <p:val>
-                                            <p:strVal val="#ppt_y"/>
-                                          </p:val>
-                                        </p:tav>
-                                      </p:tavLst>
-                                    </p:anim>
-                                  </p:childTnLst>
-                                </p:cTn>
-                              </p:par>
-                            </p:childTnLst>
-                          </p:cTn>
-                        </p:par>
-                      </p:childTnLst>
-                    </p:cTn>
-                  </p:par>
-                </p:childTnLst>
-              </p:cTn>
-              <p:prevCondLst>
-                <p:cond evt="onPrev" delay="0">
-                  <p:tgtEl>
-                    <p:sldTgt/>
-                  </p:tgtEl>
-                </p:cond>
-              </p:prevCondLst>
-              <p:nextCondLst>
-                <p:cond evt="onNext" delay="0">
-                  <p:tgtEl>
-                    <p:sldTgt/>
-                  </p:tgtEl>
-                </p:cond>
-              </p:nextCondLst>
-            </p:seq>
-          </p:childTnLst>
-        </p:cTn>
-      </p:par>
-    </p:tnLst>
-  </p:timing>
-</p:sld>
-</file>
-
-<file path=ppt/slides/slide19.xml><?xml version="1.0" encoding="utf-8"?>
-<p:sld xmlns:a="http://schemas.openxmlformats.org/drawingml/2006/main" xmlns:r="http://schemas.openxmlformats.org/officeDocument/2006/relationships" xmlns:p="http://schemas.openxmlformats.org/presentationml/2006/main">
-  <p:cSld>
-    <p:spTree>
-      <p:nvGrpSpPr>
-        <p:cNvPr id="1" name=""/>
-        <p:cNvGrpSpPr/>
-        <p:nvPr/>
-      </p:nvGrpSpPr>
-      <p:grpSpPr>
-        <a:xfrm>
-          <a:off x="0" y="0"/>
-          <a:ext cx="0" cy="0"/>
-          <a:chOff x="0" y="0"/>
-          <a:chExt cx="0" cy="0"/>
-        </a:xfrm>
-      </p:grpSpPr>
-      <p:sp>
-        <p:nvSpPr>
-          <p:cNvPr id="2" name="Title 1"/>
-          <p:cNvSpPr>
-            <a:spLocks noGrp="1"/>
-          </p:cNvSpPr>
-          <p:nvPr>
-            <p:ph type="title"/>
-          </p:nvPr>
-        </p:nvSpPr>
-        <p:spPr/>
-        <p:txBody>
-          <a:bodyPr/>
-          <a:lstStyle/>
-          <a:p>
-            <a:r>
-              <a:rPr lang="en-US" dirty="0" smtClean="0"/>
-              <a:t>Compiler switches</a:t>
-            </a:r>
-            <a:endParaRPr lang="en-US" dirty="0"/>
-          </a:p>
-        </p:txBody>
-      </p:sp>
-      <p:sp>
-        <p:nvSpPr>
-          <p:cNvPr id="3" name="Content Placeholder 2"/>
-          <p:cNvSpPr>
-            <a:spLocks noGrp="1"/>
-          </p:cNvSpPr>
-          <p:nvPr>
-            <p:ph idx="1"/>
-          </p:nvPr>
-        </p:nvSpPr>
-        <p:spPr/>
-        <p:txBody>
-          <a:bodyPr/>
-          <a:lstStyle/>
-          <a:p>
-            <a:r>
-              <a:rPr lang="en-US" dirty="0" smtClean="0"/>
-              <a:t>Problem:</a:t>
-            </a:r>
-          </a:p>
-          <a:p>
-            <a:pPr lvl="1"/>
-            <a:r>
-              <a:rPr lang="en-US" dirty="0" smtClean="0"/>
-              <a:t>If we compiler another program in the same directory </a:t>
-            </a:r>
-            <a:r>
-              <a:rPr lang="en-US" dirty="0" err="1" smtClean="0"/>
-              <a:t>a.out</a:t>
-            </a:r>
-            <a:r>
-              <a:rPr lang="en-US" dirty="0" smtClean="0"/>
-              <a:t> will be overwritten. </a:t>
-            </a:r>
-          </a:p>
-          <a:p>
-            <a:r>
-              <a:rPr lang="en-US" dirty="0" smtClean="0"/>
-              <a:t>Solution (s):</a:t>
-            </a:r>
-          </a:p>
-          <a:p>
-            <a:pPr lvl="1"/>
-            <a:r>
-              <a:rPr lang="en-US" dirty="0" smtClean="0"/>
-              <a:t>Use move </a:t>
-            </a:r>
-          </a:p>
-          <a:p>
-            <a:pPr lvl="2"/>
-            <a:r>
-              <a:rPr lang="en-US" b="1" dirty="0" err="1" smtClean="0">
-                <a:latin typeface="Courier" charset="0"/>
-                <a:ea typeface="Courier" charset="0"/>
-                <a:cs typeface="Courier" charset="0"/>
-              </a:rPr>
-              <a:t>Mv</a:t>
-            </a:r>
-            <a:r>
-              <a:rPr lang="en-US" b="1" dirty="0" smtClean="0">
-                <a:latin typeface="Courier" charset="0"/>
-                <a:ea typeface="Courier" charset="0"/>
-                <a:cs typeface="Courier" charset="0"/>
-              </a:rPr>
-              <a:t> </a:t>
-            </a:r>
-            <a:r>
-              <a:rPr lang="en-US" b="1" dirty="0" err="1" smtClean="0">
-                <a:latin typeface="Courier" charset="0"/>
-                <a:ea typeface="Courier" charset="0"/>
-                <a:cs typeface="Courier" charset="0"/>
-              </a:rPr>
-              <a:t>a.out</a:t>
-            </a:r>
-            <a:r>
-              <a:rPr lang="en-US" b="1" dirty="0" smtClean="0">
-                <a:latin typeface="Courier" charset="0"/>
-                <a:ea typeface="Courier" charset="0"/>
-                <a:cs typeface="Courier" charset="0"/>
-              </a:rPr>
-              <a:t> </a:t>
-            </a:r>
-            <a:r>
-              <a:rPr lang="en-US" b="1" dirty="0" err="1" smtClean="0">
-                <a:latin typeface="Courier" charset="0"/>
-                <a:ea typeface="Courier" charset="0"/>
-                <a:cs typeface="Courier" charset="0"/>
-              </a:rPr>
-              <a:t>strlen</a:t>
-            </a:r>
-            <a:endParaRPr lang="en-US" b="1" dirty="0" smtClean="0">
-              <a:latin typeface="Courier" charset="0"/>
-              <a:ea typeface="Courier" charset="0"/>
-              <a:cs typeface="Courier" charset="0"/>
-            </a:endParaRPr>
-          </a:p>
-          <a:p>
-            <a:pPr lvl="1"/>
-            <a:r>
-              <a:rPr lang="en-US" dirty="0" smtClean="0"/>
-              <a:t>Use a compiler switch (argument)</a:t>
-            </a:r>
-          </a:p>
-          <a:p>
-            <a:pPr lvl="2"/>
-            <a:r>
-              <a:rPr lang="en-US" b="1" dirty="0" smtClean="0">
-                <a:latin typeface="Courier" charset="0"/>
-                <a:ea typeface="Courier" charset="0"/>
-                <a:cs typeface="Courier" charset="0"/>
-              </a:rPr>
-              <a:t>cc –o </a:t>
-            </a:r>
-            <a:r>
-              <a:rPr lang="en-US" b="1" dirty="0" err="1" smtClean="0">
-                <a:latin typeface="Courier" charset="0"/>
-                <a:ea typeface="Courier" charset="0"/>
-                <a:cs typeface="Courier" charset="0"/>
-              </a:rPr>
-              <a:t>strlen</a:t>
-            </a:r>
-            <a:r>
-              <a:rPr lang="en-US" b="1" dirty="0" smtClean="0">
-                <a:latin typeface="Courier" charset="0"/>
-                <a:ea typeface="Courier" charset="0"/>
-                <a:cs typeface="Courier" charset="0"/>
-              </a:rPr>
-              <a:t> </a:t>
-            </a:r>
-            <a:r>
-              <a:rPr lang="en-US" b="1" dirty="0" err="1" smtClean="0">
-                <a:latin typeface="Courier" charset="0"/>
-                <a:ea typeface="Courier" charset="0"/>
-                <a:cs typeface="Courier" charset="0"/>
-              </a:rPr>
-              <a:t>strlen.c</a:t>
-            </a:r>
-            <a:endParaRPr lang="en-US" b="1" dirty="0">
-              <a:latin typeface="Courier" charset="0"/>
-              <a:ea typeface="Courier" charset="0"/>
-              <a:cs typeface="Courier" charset="0"/>
-            </a:endParaRPr>
-          </a:p>
-        </p:txBody>
-      </p:sp>
-    </p:spTree>
-    <p:extLst>
-      <p:ext uri="{BB962C8B-B14F-4D97-AF65-F5344CB8AC3E}">
-        <p14:creationId xmlns:p14="http://schemas.microsoft.com/office/powerpoint/2010/main" val="1128728699"/>
-      </p:ext>
-    </p:extLst>
-  </p:cSld>
-  <p:clrMapOvr>
-    <a:masterClrMapping/>
-  </p:clrMapOvr>
-  <p:timing>
-    <p:tnLst>
-      <p:par>
-        <p:cTn id="1" dur="indefinite" restart="never" nodeType="tmRoot"/>
-      </p:par>
-    </p:tnLst>
-  </p:timing>
-</p:sld>
-</file>
-
 <file path=ppt/slides/slide2.xml><?xml version="1.0" encoding="utf-8"?>
 <p:sld xmlns:a="http://schemas.openxmlformats.org/drawingml/2006/main" xmlns:r="http://schemas.openxmlformats.org/officeDocument/2006/relationships" xmlns:p="http://schemas.openxmlformats.org/presentationml/2006/main">
   <p:cSld>
@@ -4885,1180 +4171,6 @@
     <p:extLst>
       <p:ext uri="{BB962C8B-B14F-4D97-AF65-F5344CB8AC3E}">
         <p14:creationId xmlns:p14="http://schemas.microsoft.com/office/powerpoint/2010/main" val="3817323233"/>
-      </p:ext>
-    </p:extLst>
-  </p:cSld>
-  <p:clrMapOvr>
-    <a:masterClrMapping/>
-  </p:clrMapOvr>
-  <p:timing>
-    <p:tnLst>
-      <p:par>
-        <p:cTn id="1" dur="indefinite" restart="never" nodeType="tmRoot"/>
-      </p:par>
-    </p:tnLst>
-  </p:timing>
-</p:sld>
-</file>
-
-<file path=ppt/slides/slide20.xml><?xml version="1.0" encoding="utf-8"?>
-<p:sld xmlns:a="http://schemas.openxmlformats.org/drawingml/2006/main" xmlns:r="http://schemas.openxmlformats.org/officeDocument/2006/relationships" xmlns:p="http://schemas.openxmlformats.org/presentationml/2006/main">
-  <p:cSld>
-    <p:spTree>
-      <p:nvGrpSpPr>
-        <p:cNvPr id="1" name=""/>
-        <p:cNvGrpSpPr/>
-        <p:nvPr/>
-      </p:nvGrpSpPr>
-      <p:grpSpPr>
-        <a:xfrm>
-          <a:off x="0" y="0"/>
-          <a:ext cx="0" cy="0"/>
-          <a:chOff x="0" y="0"/>
-          <a:chExt cx="0" cy="0"/>
-        </a:xfrm>
-      </p:grpSpPr>
-      <p:sp>
-        <p:nvSpPr>
-          <p:cNvPr id="2" name="Title 1"/>
-          <p:cNvSpPr>
-            <a:spLocks noGrp="1"/>
-          </p:cNvSpPr>
-          <p:nvPr>
-            <p:ph type="title"/>
-          </p:nvPr>
-        </p:nvSpPr>
-        <p:spPr/>
-        <p:txBody>
-          <a:bodyPr/>
-          <a:lstStyle/>
-          <a:p>
-            <a:r>
-              <a:rPr lang="en-US" dirty="0" smtClean="0"/>
-              <a:t>Declaring loop </a:t>
-            </a:r>
-            <a:r>
-              <a:rPr lang="en-US" dirty="0" err="1" smtClean="0"/>
-              <a:t>vars</a:t>
-            </a:r>
-            <a:r>
-              <a:rPr lang="en-US" dirty="0" smtClean="0"/>
-              <a:t> </a:t>
-            </a:r>
-            <a:endParaRPr lang="en-US" dirty="0"/>
-          </a:p>
-        </p:txBody>
-      </p:sp>
-      <p:sp>
-        <p:nvSpPr>
-          <p:cNvPr id="3" name="Content Placeholder 2"/>
-          <p:cNvSpPr>
-            <a:spLocks noGrp="1"/>
-          </p:cNvSpPr>
-          <p:nvPr>
-            <p:ph idx="1"/>
-          </p:nvPr>
-        </p:nvSpPr>
-        <p:spPr/>
-        <p:txBody>
-          <a:bodyPr/>
-          <a:lstStyle/>
-          <a:p>
-            <a:r>
-              <a:rPr lang="en-US" dirty="0" smtClean="0"/>
-              <a:t>Remember:</a:t>
-            </a:r>
-          </a:p>
-          <a:p>
-            <a:pPr lvl="1"/>
-            <a:r>
-              <a:rPr lang="en-US" b="1" dirty="0" smtClean="0">
-                <a:latin typeface="Courier" charset="0"/>
-                <a:ea typeface="Courier" charset="0"/>
-                <a:cs typeface="Courier" charset="0"/>
-              </a:rPr>
-              <a:t>cc </a:t>
-            </a:r>
-            <a:r>
-              <a:rPr lang="en-US" b="1" dirty="0">
-                <a:latin typeface="Courier" charset="0"/>
-                <a:ea typeface="Courier" charset="0"/>
-                <a:cs typeface="Courier" charset="0"/>
-              </a:rPr>
-              <a:t>–</a:t>
-            </a:r>
-            <a:r>
-              <a:rPr lang="en-US" b="1" dirty="0" err="1">
-                <a:latin typeface="Courier" charset="0"/>
-                <a:ea typeface="Courier" charset="0"/>
-                <a:cs typeface="Courier" charset="0"/>
-              </a:rPr>
-              <a:t>std</a:t>
-            </a:r>
-            <a:r>
-              <a:rPr lang="en-US" b="1" dirty="0">
-                <a:latin typeface="Courier" charset="0"/>
-                <a:ea typeface="Courier" charset="0"/>
-                <a:cs typeface="Courier" charset="0"/>
-              </a:rPr>
-              <a:t>=c99 </a:t>
-            </a:r>
-            <a:r>
-              <a:rPr lang="en-US" b="1" dirty="0" err="1">
-                <a:latin typeface="Courier" charset="0"/>
-                <a:ea typeface="Courier" charset="0"/>
-                <a:cs typeface="Courier" charset="0"/>
-              </a:rPr>
-              <a:t>program.c</a:t>
-            </a:r>
-            <a:r>
-              <a:rPr lang="en-US" b="1" dirty="0">
-                <a:latin typeface="Courier" charset="0"/>
-                <a:ea typeface="Courier" charset="0"/>
-                <a:cs typeface="Courier" charset="0"/>
-              </a:rPr>
-              <a:t> </a:t>
-            </a:r>
-          </a:p>
-          <a:p>
-            <a:r>
-              <a:rPr lang="en-US" dirty="0" smtClean="0"/>
-              <a:t>We could even do:</a:t>
-            </a:r>
-          </a:p>
-          <a:p>
-            <a:pPr lvl="1"/>
-            <a:r>
-              <a:rPr lang="en-US" b="1" dirty="0" smtClean="0">
-                <a:latin typeface="Courier" charset="0"/>
-                <a:ea typeface="Courier" charset="0"/>
-                <a:cs typeface="Courier" charset="0"/>
-              </a:rPr>
-              <a:t>cc –</a:t>
-            </a:r>
-            <a:r>
-              <a:rPr lang="en-US" b="1" dirty="0" err="1" smtClean="0">
-                <a:latin typeface="Courier" charset="0"/>
-                <a:ea typeface="Courier" charset="0"/>
-                <a:cs typeface="Courier" charset="0"/>
-              </a:rPr>
-              <a:t>std</a:t>
-            </a:r>
-            <a:r>
-              <a:rPr lang="en-US" b="1" dirty="0" smtClean="0">
-                <a:latin typeface="Courier" charset="0"/>
-                <a:ea typeface="Courier" charset="0"/>
-                <a:cs typeface="Courier" charset="0"/>
-              </a:rPr>
-              <a:t>=c99 –o program </a:t>
-            </a:r>
-            <a:r>
-              <a:rPr lang="en-US" b="1" dirty="0" err="1" smtClean="0">
-                <a:latin typeface="Courier" charset="0"/>
-                <a:ea typeface="Courier" charset="0"/>
-                <a:cs typeface="Courier" charset="0"/>
-              </a:rPr>
-              <a:t>program.c</a:t>
-            </a:r>
-            <a:endParaRPr lang="en-US" b="1" dirty="0">
-              <a:latin typeface="Courier" charset="0"/>
-              <a:ea typeface="Courier" charset="0"/>
-              <a:cs typeface="Courier" charset="0"/>
-            </a:endParaRPr>
-          </a:p>
-        </p:txBody>
-      </p:sp>
-    </p:spTree>
-    <p:extLst>
-      <p:ext uri="{BB962C8B-B14F-4D97-AF65-F5344CB8AC3E}">
-        <p14:creationId xmlns:p14="http://schemas.microsoft.com/office/powerpoint/2010/main" val="1210433717"/>
-      </p:ext>
-    </p:extLst>
-  </p:cSld>
-  <p:clrMapOvr>
-    <a:masterClrMapping/>
-  </p:clrMapOvr>
-  <p:timing>
-    <p:tnLst>
-      <p:par>
-        <p:cTn id="1" dur="indefinite" restart="never" nodeType="tmRoot"/>
-      </p:par>
-    </p:tnLst>
-  </p:timing>
-</p:sld>
-</file>
-
-<file path=ppt/slides/slide21.xml><?xml version="1.0" encoding="utf-8"?>
-<p:sld xmlns:a="http://schemas.openxmlformats.org/drawingml/2006/main" xmlns:r="http://schemas.openxmlformats.org/officeDocument/2006/relationships" xmlns:p="http://schemas.openxmlformats.org/presentationml/2006/main">
-  <p:cSld>
-    <p:spTree>
-      <p:nvGrpSpPr>
-        <p:cNvPr id="1" name=""/>
-        <p:cNvGrpSpPr/>
-        <p:nvPr/>
-      </p:nvGrpSpPr>
-      <p:grpSpPr>
-        <a:xfrm>
-          <a:off x="0" y="0"/>
-          <a:ext cx="0" cy="0"/>
-          <a:chOff x="0" y="0"/>
-          <a:chExt cx="0" cy="0"/>
-        </a:xfrm>
-      </p:grpSpPr>
-      <p:sp>
-        <p:nvSpPr>
-          <p:cNvPr id="2" name="Title 1"/>
-          <p:cNvSpPr>
-            <a:spLocks noGrp="1"/>
-          </p:cNvSpPr>
-          <p:nvPr>
-            <p:ph type="title"/>
-          </p:nvPr>
-        </p:nvSpPr>
-        <p:spPr/>
-        <p:txBody>
-          <a:bodyPr/>
-          <a:lstStyle/>
-          <a:p>
-            <a:r>
-              <a:rPr lang="en-US" dirty="0" smtClean="0"/>
-              <a:t>Interrupting a program</a:t>
-            </a:r>
-            <a:endParaRPr lang="en-US" dirty="0"/>
-          </a:p>
-        </p:txBody>
-      </p:sp>
-      <p:sp>
-        <p:nvSpPr>
-          <p:cNvPr id="3" name="Content Placeholder 2"/>
-          <p:cNvSpPr>
-            <a:spLocks noGrp="1"/>
-          </p:cNvSpPr>
-          <p:nvPr>
-            <p:ph idx="1"/>
-          </p:nvPr>
-        </p:nvSpPr>
-        <p:spPr/>
-        <p:txBody>
-          <a:bodyPr/>
-          <a:lstStyle/>
-          <a:p>
-            <a:r>
-              <a:rPr lang="en-US" dirty="0" smtClean="0"/>
-              <a:t>Remember about the infinite loop ?</a:t>
-            </a:r>
-          </a:p>
-          <a:p>
-            <a:pPr marL="0" indent="0">
-              <a:buNone/>
-            </a:pPr>
-            <a:r>
-              <a:rPr lang="en-US" dirty="0" smtClean="0"/>
-              <a:t> </a:t>
-            </a:r>
-          </a:p>
-          <a:p>
-            <a:pPr marL="0" indent="0">
-              <a:buNone/>
-            </a:pPr>
-            <a:r>
-              <a:rPr lang="en-US" dirty="0" smtClean="0">
-                <a:latin typeface="Courier" charset="0"/>
-                <a:ea typeface="Courier" charset="0"/>
-                <a:cs typeface="Courier" charset="0"/>
-              </a:rPr>
-              <a:t>	while (</a:t>
-            </a:r>
-            <a:r>
-              <a:rPr lang="en-US" dirty="0" err="1" smtClean="0">
-                <a:latin typeface="Courier" charset="0"/>
-                <a:ea typeface="Courier" charset="0"/>
-                <a:cs typeface="Courier" charset="0"/>
-              </a:rPr>
-              <a:t>i</a:t>
-            </a:r>
-            <a:r>
-              <a:rPr lang="en-US" dirty="0" smtClean="0">
-                <a:latin typeface="Courier" charset="0"/>
-                <a:ea typeface="Courier" charset="0"/>
-                <a:cs typeface="Courier" charset="0"/>
-              </a:rPr>
-              <a:t> &lt; 10) {</a:t>
-            </a:r>
-          </a:p>
-          <a:p>
-            <a:pPr marL="0" indent="0">
-              <a:buNone/>
-            </a:pPr>
-            <a:r>
-              <a:rPr lang="en-US" dirty="0">
-                <a:latin typeface="Courier" charset="0"/>
-                <a:ea typeface="Courier" charset="0"/>
-                <a:cs typeface="Courier" charset="0"/>
-              </a:rPr>
-              <a:t>	</a:t>
-            </a:r>
-            <a:r>
-              <a:rPr lang="en-US" dirty="0" smtClean="0">
-                <a:latin typeface="Courier" charset="0"/>
-                <a:ea typeface="Courier" charset="0"/>
-                <a:cs typeface="Courier" charset="0"/>
-              </a:rPr>
-              <a:t>	</a:t>
-            </a:r>
-            <a:r>
-              <a:rPr lang="en-US" dirty="0" err="1" smtClean="0">
-                <a:latin typeface="Courier" charset="0"/>
-                <a:ea typeface="Courier" charset="0"/>
-                <a:cs typeface="Courier" charset="0"/>
-              </a:rPr>
-              <a:t>printf</a:t>
-            </a:r>
-            <a:r>
-              <a:rPr lang="en-US" dirty="0" smtClean="0">
-                <a:latin typeface="Courier" charset="0"/>
-                <a:ea typeface="Courier" charset="0"/>
-                <a:cs typeface="Courier" charset="0"/>
-              </a:rPr>
-              <a:t>(“hello”);	</a:t>
-            </a:r>
-          </a:p>
-          <a:p>
-            <a:pPr marL="0" indent="0">
-              <a:buNone/>
-            </a:pPr>
-            <a:r>
-              <a:rPr lang="en-US" dirty="0">
-                <a:latin typeface="Courier" charset="0"/>
-                <a:ea typeface="Courier" charset="0"/>
-                <a:cs typeface="Courier" charset="0"/>
-              </a:rPr>
-              <a:t> </a:t>
-            </a:r>
-            <a:r>
-              <a:rPr lang="en-US" dirty="0" smtClean="0">
-                <a:latin typeface="Courier" charset="0"/>
-                <a:ea typeface="Courier" charset="0"/>
-                <a:cs typeface="Courier" charset="0"/>
-              </a:rPr>
-              <a:t>    }</a:t>
-            </a:r>
-          </a:p>
-          <a:p>
-            <a:pPr marL="0" indent="0">
-              <a:buNone/>
-            </a:pPr>
-            <a:endParaRPr lang="en-US" dirty="0" smtClean="0"/>
-          </a:p>
-          <a:p>
-            <a:r>
-              <a:rPr lang="en-US" dirty="0" smtClean="0"/>
-              <a:t>Stop it with </a:t>
-            </a:r>
-            <a:r>
-              <a:rPr lang="en-US" b="1" dirty="0" smtClean="0"/>
-              <a:t>Control - C</a:t>
-            </a:r>
-            <a:r>
-              <a:rPr lang="en-US" b="1" dirty="0"/>
-              <a:t>	</a:t>
-            </a:r>
-          </a:p>
-        </p:txBody>
-      </p:sp>
-    </p:spTree>
-    <p:extLst>
-      <p:ext uri="{BB962C8B-B14F-4D97-AF65-F5344CB8AC3E}">
-        <p14:creationId xmlns:p14="http://schemas.microsoft.com/office/powerpoint/2010/main" val="1699674674"/>
-      </p:ext>
-    </p:extLst>
-  </p:cSld>
-  <p:clrMapOvr>
-    <a:masterClrMapping/>
-  </p:clrMapOvr>
-  <p:timing>
-    <p:tnLst>
-      <p:par>
-        <p:cTn id="1" dur="indefinite" restart="never" nodeType="tmRoot">
-          <p:childTnLst>
-            <p:seq concurrent="1" nextAc="seek">
-              <p:cTn id="2" dur="indefinite" nodeType="mainSeq">
-                <p:childTnLst>
-                  <p:par>
-                    <p:cTn id="3" fill="hold">
-                      <p:stCondLst>
-                        <p:cond delay="indefinite"/>
-                      </p:stCondLst>
-                      <p:childTnLst>
-                        <p:par>
-                          <p:cTn id="4" fill="hold">
-                            <p:stCondLst>
-                              <p:cond delay="0"/>
-                            </p:stCondLst>
-                            <p:childTnLst>
-                              <p:par>
-                                <p:cTn id="5" presetID="2" presetClass="entr" presetSubtype="4" fill="hold" nodeType="clickEffect">
-                                  <p:stCondLst>
-                                    <p:cond delay="0"/>
-                                  </p:stCondLst>
-                                  <p:childTnLst>
-                                    <p:set>
-                                      <p:cBhvr>
-                                        <p:cTn id="6" dur="1" fill="hold">
-                                          <p:stCondLst>
-                                            <p:cond delay="0"/>
-                                          </p:stCondLst>
-                                        </p:cTn>
-                                        <p:tgtEl>
-                                          <p:spTgt spid="3">
-                                            <p:txEl>
-                                              <p:pRg st="2" end="2"/>
-                                            </p:txEl>
-                                          </p:spTgt>
-                                        </p:tgtEl>
-                                        <p:attrNameLst>
-                                          <p:attrName>style.visibility</p:attrName>
-                                        </p:attrNameLst>
-                                      </p:cBhvr>
-                                      <p:to>
-                                        <p:strVal val="visible"/>
-                                      </p:to>
-                                    </p:set>
-                                    <p:anim calcmode="lin" valueType="num">
-                                      <p:cBhvr additive="base">
-                                        <p:cTn id="7" dur="500" fill="hold"/>
-                                        <p:tgtEl>
-                                          <p:spTgt spid="3">
-                                            <p:txEl>
-                                              <p:pRg st="2" end="2"/>
-                                            </p:txEl>
-                                          </p:spTgt>
-                                        </p:tgtEl>
-                                        <p:attrNameLst>
-                                          <p:attrName>ppt_x</p:attrName>
-                                        </p:attrNameLst>
-                                      </p:cBhvr>
-                                      <p:tavLst>
-                                        <p:tav tm="0">
-                                          <p:val>
-                                            <p:strVal val="#ppt_x"/>
-                                          </p:val>
-                                        </p:tav>
-                                        <p:tav tm="100000">
-                                          <p:val>
-                                            <p:strVal val="#ppt_x"/>
-                                          </p:val>
-                                        </p:tav>
-                                      </p:tavLst>
-                                    </p:anim>
-                                    <p:anim calcmode="lin" valueType="num">
-                                      <p:cBhvr additive="base">
-                                        <p:cTn id="8" dur="500" fill="hold"/>
-                                        <p:tgtEl>
-                                          <p:spTgt spid="3">
-                                            <p:txEl>
-                                              <p:pRg st="2" end="2"/>
-                                            </p:txEl>
-                                          </p:spTgt>
-                                        </p:tgtEl>
-                                        <p:attrNameLst>
-                                          <p:attrName>ppt_y</p:attrName>
-                                        </p:attrNameLst>
-                                      </p:cBhvr>
-                                      <p:tavLst>
-                                        <p:tav tm="0">
-                                          <p:val>
-                                            <p:strVal val="1+#ppt_h/2"/>
-                                          </p:val>
-                                        </p:tav>
-                                        <p:tav tm="100000">
-                                          <p:val>
-                                            <p:strVal val="#ppt_y"/>
-                                          </p:val>
-                                        </p:tav>
-                                      </p:tavLst>
-                                    </p:anim>
-                                  </p:childTnLst>
-                                </p:cTn>
-                              </p:par>
-                              <p:par>
-                                <p:cTn id="9" presetID="2" presetClass="entr" presetSubtype="4" fill="hold" nodeType="withEffect">
-                                  <p:stCondLst>
-                                    <p:cond delay="0"/>
-                                  </p:stCondLst>
-                                  <p:childTnLst>
-                                    <p:set>
-                                      <p:cBhvr>
-                                        <p:cTn id="10" dur="1" fill="hold">
-                                          <p:stCondLst>
-                                            <p:cond delay="0"/>
-                                          </p:stCondLst>
-                                        </p:cTn>
-                                        <p:tgtEl>
-                                          <p:spTgt spid="3">
-                                            <p:txEl>
-                                              <p:pRg st="3" end="3"/>
-                                            </p:txEl>
-                                          </p:spTgt>
-                                        </p:tgtEl>
-                                        <p:attrNameLst>
-                                          <p:attrName>style.visibility</p:attrName>
-                                        </p:attrNameLst>
-                                      </p:cBhvr>
-                                      <p:to>
-                                        <p:strVal val="visible"/>
-                                      </p:to>
-                                    </p:set>
-                                    <p:anim calcmode="lin" valueType="num">
-                                      <p:cBhvr additive="base">
-                                        <p:cTn id="11" dur="500" fill="hold"/>
-                                        <p:tgtEl>
-                                          <p:spTgt spid="3">
-                                            <p:txEl>
-                                              <p:pRg st="3" end="3"/>
-                                            </p:txEl>
-                                          </p:spTgt>
-                                        </p:tgtEl>
-                                        <p:attrNameLst>
-                                          <p:attrName>ppt_x</p:attrName>
-                                        </p:attrNameLst>
-                                      </p:cBhvr>
-                                      <p:tavLst>
-                                        <p:tav tm="0">
-                                          <p:val>
-                                            <p:strVal val="#ppt_x"/>
-                                          </p:val>
-                                        </p:tav>
-                                        <p:tav tm="100000">
-                                          <p:val>
-                                            <p:strVal val="#ppt_x"/>
-                                          </p:val>
-                                        </p:tav>
-                                      </p:tavLst>
-                                    </p:anim>
-                                    <p:anim calcmode="lin" valueType="num">
-                                      <p:cBhvr additive="base">
-                                        <p:cTn id="12" dur="500" fill="hold"/>
-                                        <p:tgtEl>
-                                          <p:spTgt spid="3">
-                                            <p:txEl>
-                                              <p:pRg st="3" end="3"/>
-                                            </p:txEl>
-                                          </p:spTgt>
-                                        </p:tgtEl>
-                                        <p:attrNameLst>
-                                          <p:attrName>ppt_y</p:attrName>
-                                        </p:attrNameLst>
-                                      </p:cBhvr>
-                                      <p:tavLst>
-                                        <p:tav tm="0">
-                                          <p:val>
-                                            <p:strVal val="1+#ppt_h/2"/>
-                                          </p:val>
-                                        </p:tav>
-                                        <p:tav tm="100000">
-                                          <p:val>
-                                            <p:strVal val="#ppt_y"/>
-                                          </p:val>
-                                        </p:tav>
-                                      </p:tavLst>
-                                    </p:anim>
-                                  </p:childTnLst>
-                                </p:cTn>
-                              </p:par>
-                              <p:par>
-                                <p:cTn id="13" presetID="2" presetClass="entr" presetSubtype="4" fill="hold" nodeType="withEffect">
-                                  <p:stCondLst>
-                                    <p:cond delay="0"/>
-                                  </p:stCondLst>
-                                  <p:childTnLst>
-                                    <p:set>
-                                      <p:cBhvr>
-                                        <p:cTn id="14" dur="1" fill="hold">
-                                          <p:stCondLst>
-                                            <p:cond delay="0"/>
-                                          </p:stCondLst>
-                                        </p:cTn>
-                                        <p:tgtEl>
-                                          <p:spTgt spid="3">
-                                            <p:txEl>
-                                              <p:pRg st="4" end="4"/>
-                                            </p:txEl>
-                                          </p:spTgt>
-                                        </p:tgtEl>
-                                        <p:attrNameLst>
-                                          <p:attrName>style.visibility</p:attrName>
-                                        </p:attrNameLst>
-                                      </p:cBhvr>
-                                      <p:to>
-                                        <p:strVal val="visible"/>
-                                      </p:to>
-                                    </p:set>
-                                    <p:anim calcmode="lin" valueType="num">
-                                      <p:cBhvr additive="base">
-                                        <p:cTn id="15" dur="500" fill="hold"/>
-                                        <p:tgtEl>
-                                          <p:spTgt spid="3">
-                                            <p:txEl>
-                                              <p:pRg st="4" end="4"/>
-                                            </p:txEl>
-                                          </p:spTgt>
-                                        </p:tgtEl>
-                                        <p:attrNameLst>
-                                          <p:attrName>ppt_x</p:attrName>
-                                        </p:attrNameLst>
-                                      </p:cBhvr>
-                                      <p:tavLst>
-                                        <p:tav tm="0">
-                                          <p:val>
-                                            <p:strVal val="#ppt_x"/>
-                                          </p:val>
-                                        </p:tav>
-                                        <p:tav tm="100000">
-                                          <p:val>
-                                            <p:strVal val="#ppt_x"/>
-                                          </p:val>
-                                        </p:tav>
-                                      </p:tavLst>
-                                    </p:anim>
-                                    <p:anim calcmode="lin" valueType="num">
-                                      <p:cBhvr additive="base">
-                                        <p:cTn id="16" dur="500" fill="hold"/>
-                                        <p:tgtEl>
-                                          <p:spTgt spid="3">
-                                            <p:txEl>
-                                              <p:pRg st="4" end="4"/>
-                                            </p:txEl>
-                                          </p:spTgt>
-                                        </p:tgtEl>
-                                        <p:attrNameLst>
-                                          <p:attrName>ppt_y</p:attrName>
-                                        </p:attrNameLst>
-                                      </p:cBhvr>
-                                      <p:tavLst>
-                                        <p:tav tm="0">
-                                          <p:val>
-                                            <p:strVal val="1+#ppt_h/2"/>
-                                          </p:val>
-                                        </p:tav>
-                                        <p:tav tm="100000">
-                                          <p:val>
-                                            <p:strVal val="#ppt_y"/>
-                                          </p:val>
-                                        </p:tav>
-                                      </p:tavLst>
-                                    </p:anim>
-                                  </p:childTnLst>
-                                </p:cTn>
-                              </p:par>
-                            </p:childTnLst>
-                          </p:cTn>
-                        </p:par>
-                      </p:childTnLst>
-                    </p:cTn>
-                  </p:par>
-                  <p:par>
-                    <p:cTn id="17" fill="hold">
-                      <p:stCondLst>
-                        <p:cond delay="indefinite"/>
-                      </p:stCondLst>
-                      <p:childTnLst>
-                        <p:par>
-                          <p:cTn id="18" fill="hold">
-                            <p:stCondLst>
-                              <p:cond delay="0"/>
-                            </p:stCondLst>
-                            <p:childTnLst>
-                              <p:par>
-                                <p:cTn id="19" presetID="2" presetClass="entr" presetSubtype="4" fill="hold" nodeType="clickEffect">
-                                  <p:stCondLst>
-                                    <p:cond delay="0"/>
-                                  </p:stCondLst>
-                                  <p:childTnLst>
-                                    <p:set>
-                                      <p:cBhvr>
-                                        <p:cTn id="20" dur="1" fill="hold">
-                                          <p:stCondLst>
-                                            <p:cond delay="0"/>
-                                          </p:stCondLst>
-                                        </p:cTn>
-                                        <p:tgtEl>
-                                          <p:spTgt spid="3">
-                                            <p:txEl>
-                                              <p:pRg st="6" end="6"/>
-                                            </p:txEl>
-                                          </p:spTgt>
-                                        </p:tgtEl>
-                                        <p:attrNameLst>
-                                          <p:attrName>style.visibility</p:attrName>
-                                        </p:attrNameLst>
-                                      </p:cBhvr>
-                                      <p:to>
-                                        <p:strVal val="visible"/>
-                                      </p:to>
-                                    </p:set>
-                                    <p:anim calcmode="lin" valueType="num">
-                                      <p:cBhvr additive="base">
-                                        <p:cTn id="21" dur="500" fill="hold"/>
-                                        <p:tgtEl>
-                                          <p:spTgt spid="3">
-                                            <p:txEl>
-                                              <p:pRg st="6" end="6"/>
-                                            </p:txEl>
-                                          </p:spTgt>
-                                        </p:tgtEl>
-                                        <p:attrNameLst>
-                                          <p:attrName>ppt_x</p:attrName>
-                                        </p:attrNameLst>
-                                      </p:cBhvr>
-                                      <p:tavLst>
-                                        <p:tav tm="0">
-                                          <p:val>
-                                            <p:strVal val="#ppt_x"/>
-                                          </p:val>
-                                        </p:tav>
-                                        <p:tav tm="100000">
-                                          <p:val>
-                                            <p:strVal val="#ppt_x"/>
-                                          </p:val>
-                                        </p:tav>
-                                      </p:tavLst>
-                                    </p:anim>
-                                    <p:anim calcmode="lin" valueType="num">
-                                      <p:cBhvr additive="base">
-                                        <p:cTn id="22" dur="500" fill="hold"/>
-                                        <p:tgtEl>
-                                          <p:spTgt spid="3">
-                                            <p:txEl>
-                                              <p:pRg st="6" end="6"/>
-                                            </p:txEl>
-                                          </p:spTgt>
-                                        </p:tgtEl>
-                                        <p:attrNameLst>
-                                          <p:attrName>ppt_y</p:attrName>
-                                        </p:attrNameLst>
-                                      </p:cBhvr>
-                                      <p:tavLst>
-                                        <p:tav tm="0">
-                                          <p:val>
-                                            <p:strVal val="1+#ppt_h/2"/>
-                                          </p:val>
-                                        </p:tav>
-                                        <p:tav tm="100000">
-                                          <p:val>
-                                            <p:strVal val="#ppt_y"/>
-                                          </p:val>
-                                        </p:tav>
-                                      </p:tavLst>
-                                    </p:anim>
-                                  </p:childTnLst>
-                                </p:cTn>
-                              </p:par>
-                            </p:childTnLst>
-                          </p:cTn>
-                        </p:par>
-                      </p:childTnLst>
-                    </p:cTn>
-                  </p:par>
-                </p:childTnLst>
-              </p:cTn>
-              <p:prevCondLst>
-                <p:cond evt="onPrev" delay="0">
-                  <p:tgtEl>
-                    <p:sldTgt/>
-                  </p:tgtEl>
-                </p:cond>
-              </p:prevCondLst>
-              <p:nextCondLst>
-                <p:cond evt="onNext" delay="0">
-                  <p:tgtEl>
-                    <p:sldTgt/>
-                  </p:tgtEl>
-                </p:cond>
-              </p:nextCondLst>
-            </p:seq>
-          </p:childTnLst>
-        </p:cTn>
-      </p:par>
-    </p:tnLst>
-  </p:timing>
-</p:sld>
-</file>
-
-<file path=ppt/slides/slide22.xml><?xml version="1.0" encoding="utf-8"?>
-<p:sld xmlns:a="http://schemas.openxmlformats.org/drawingml/2006/main" xmlns:r="http://schemas.openxmlformats.org/officeDocument/2006/relationships" xmlns:p="http://schemas.openxmlformats.org/presentationml/2006/main">
-  <p:cSld>
-    <p:spTree>
-      <p:nvGrpSpPr>
-        <p:cNvPr id="1" name=""/>
-        <p:cNvGrpSpPr/>
-        <p:nvPr/>
-      </p:nvGrpSpPr>
-      <p:grpSpPr>
-        <a:xfrm>
-          <a:off x="0" y="0"/>
-          <a:ext cx="0" cy="0"/>
-          <a:chOff x="0" y="0"/>
-          <a:chExt cx="0" cy="0"/>
-        </a:xfrm>
-      </p:grpSpPr>
-      <p:sp>
-        <p:nvSpPr>
-          <p:cNvPr id="2" name="Title 1"/>
-          <p:cNvSpPr>
-            <a:spLocks noGrp="1"/>
-          </p:cNvSpPr>
-          <p:nvPr>
-            <p:ph type="title"/>
-          </p:nvPr>
-        </p:nvSpPr>
-        <p:spPr/>
-        <p:txBody>
-          <a:bodyPr/>
-          <a:lstStyle/>
-          <a:p>
-            <a:r>
-              <a:rPr lang="en-US" dirty="0" smtClean="0"/>
-              <a:t>Redirection</a:t>
-            </a:r>
-            <a:endParaRPr lang="en-US" dirty="0"/>
-          </a:p>
-        </p:txBody>
-      </p:sp>
-      <p:sp>
-        <p:nvSpPr>
-          <p:cNvPr id="3" name="Content Placeholder 2"/>
-          <p:cNvSpPr>
-            <a:spLocks noGrp="1"/>
-          </p:cNvSpPr>
-          <p:nvPr>
-            <p:ph idx="1"/>
-          </p:nvPr>
-        </p:nvSpPr>
-        <p:spPr/>
-        <p:txBody>
-          <a:bodyPr/>
-          <a:lstStyle/>
-          <a:p>
-            <a:r>
-              <a:rPr lang="en-US" dirty="0" smtClean="0"/>
-              <a:t>Accomplished using the &gt; </a:t>
-            </a:r>
-          </a:p>
-          <a:p>
-            <a:pPr lvl="1"/>
-            <a:r>
-              <a:rPr lang="en-US" dirty="0" err="1" smtClean="0"/>
-              <a:t>ls</a:t>
-            </a:r>
-            <a:r>
-              <a:rPr lang="en-US" dirty="0" smtClean="0"/>
-              <a:t> &gt; </a:t>
-            </a:r>
-            <a:r>
-              <a:rPr lang="en-US" dirty="0" err="1" smtClean="0"/>
-              <a:t>tmp</a:t>
-            </a:r>
-            <a:endParaRPr lang="en-US" dirty="0" smtClean="0"/>
-          </a:p>
-          <a:p>
-            <a:pPr lvl="1"/>
-            <a:endParaRPr lang="en-US" dirty="0"/>
-          </a:p>
-          <a:p>
-            <a:r>
-              <a:rPr lang="en-US" dirty="0" smtClean="0"/>
-              <a:t>We can do it for a program too !</a:t>
-            </a:r>
-          </a:p>
-          <a:p>
-            <a:pPr lvl="1"/>
-            <a:endParaRPr lang="en-US" dirty="0"/>
-          </a:p>
-        </p:txBody>
-      </p:sp>
-    </p:spTree>
-    <p:extLst>
-      <p:ext uri="{BB962C8B-B14F-4D97-AF65-F5344CB8AC3E}">
-        <p14:creationId xmlns:p14="http://schemas.microsoft.com/office/powerpoint/2010/main" val="1723383072"/>
-      </p:ext>
-    </p:extLst>
-  </p:cSld>
-  <p:clrMapOvr>
-    <a:masterClrMapping/>
-  </p:clrMapOvr>
-  <p:timing>
-    <p:tnLst>
-      <p:par>
-        <p:cTn id="1" dur="indefinite" restart="never" nodeType="tmRoot"/>
-      </p:par>
-    </p:tnLst>
-  </p:timing>
-</p:sld>
-</file>
-
-<file path=ppt/slides/slide23.xml><?xml version="1.0" encoding="utf-8"?>
-<p:sld xmlns:a="http://schemas.openxmlformats.org/drawingml/2006/main" xmlns:r="http://schemas.openxmlformats.org/officeDocument/2006/relationships" xmlns:p="http://schemas.openxmlformats.org/presentationml/2006/main">
-  <p:cSld>
-    <p:spTree>
-      <p:nvGrpSpPr>
-        <p:cNvPr id="1" name=""/>
-        <p:cNvGrpSpPr/>
-        <p:nvPr/>
-      </p:nvGrpSpPr>
-      <p:grpSpPr>
-        <a:xfrm>
-          <a:off x="0" y="0"/>
-          <a:ext cx="0" cy="0"/>
-          <a:chOff x="0" y="0"/>
-          <a:chExt cx="0" cy="0"/>
-        </a:xfrm>
-      </p:grpSpPr>
-      <p:sp>
-        <p:nvSpPr>
-          <p:cNvPr id="2" name="Title 1"/>
-          <p:cNvSpPr>
-            <a:spLocks noGrp="1"/>
-          </p:cNvSpPr>
-          <p:nvPr>
-            <p:ph type="title"/>
-          </p:nvPr>
-        </p:nvSpPr>
-        <p:spPr/>
-        <p:txBody>
-          <a:bodyPr/>
-          <a:lstStyle/>
-          <a:p>
-            <a:r>
-              <a:rPr lang="en-US" dirty="0" smtClean="0"/>
-              <a:t>Homework for Friday </a:t>
-            </a:r>
-            <a:endParaRPr lang="en-US" dirty="0"/>
-          </a:p>
-        </p:txBody>
-      </p:sp>
-      <p:sp>
-        <p:nvSpPr>
-          <p:cNvPr id="3" name="Content Placeholder 2"/>
-          <p:cNvSpPr>
-            <a:spLocks noGrp="1"/>
-          </p:cNvSpPr>
-          <p:nvPr>
-            <p:ph idx="1"/>
-          </p:nvPr>
-        </p:nvSpPr>
-        <p:spPr/>
-        <p:txBody>
-          <a:bodyPr>
-            <a:normAutofit fontScale="92500" lnSpcReduction="20000"/>
-          </a:bodyPr>
-          <a:lstStyle/>
-          <a:p>
-            <a:r>
-              <a:rPr lang="en-US" dirty="0" smtClean="0"/>
-              <a:t>Go through this tutorial:</a:t>
-            </a:r>
-          </a:p>
-          <a:p>
-            <a:pPr lvl="1"/>
-            <a:r>
-              <a:rPr lang="en-US" dirty="0">
-                <a:hlinkClick r:id="rId2"/>
-              </a:rPr>
-              <a:t>https://learn.wheelhouse.io/events/nyu</a:t>
-            </a:r>
-            <a:endParaRPr lang="en-US" dirty="0"/>
-          </a:p>
-          <a:p>
-            <a:pPr marL="0" indent="0">
-              <a:buNone/>
-            </a:pPr>
-            <a:endParaRPr lang="en-US" dirty="0" smtClean="0"/>
-          </a:p>
-          <a:p>
-            <a:r>
-              <a:rPr lang="en-US" dirty="0" err="1" smtClean="0"/>
-              <a:t>Git</a:t>
-            </a:r>
-            <a:r>
-              <a:rPr lang="en-US" dirty="0" smtClean="0"/>
-              <a:t> </a:t>
-            </a:r>
-            <a:r>
-              <a:rPr lang="en-US" dirty="0" smtClean="0"/>
-              <a:t>Concepts: </a:t>
-            </a:r>
-          </a:p>
-          <a:p>
-            <a:pPr lvl="1"/>
-            <a:r>
-              <a:rPr lang="en-US" dirty="0" smtClean="0"/>
-              <a:t>Fork</a:t>
-            </a:r>
-          </a:p>
-          <a:p>
-            <a:pPr lvl="1"/>
-            <a:r>
-              <a:rPr lang="en-US" dirty="0" smtClean="0"/>
-              <a:t>Clone</a:t>
-            </a:r>
-          </a:p>
-          <a:p>
-            <a:pPr lvl="1"/>
-            <a:r>
-              <a:rPr lang="en-US" dirty="0" smtClean="0"/>
-              <a:t>Pull request</a:t>
-            </a:r>
-          </a:p>
-          <a:p>
-            <a:pPr marL="457200" lvl="1" indent="0">
-              <a:buNone/>
-            </a:pPr>
-            <a:endParaRPr lang="en-US" dirty="0" smtClean="0"/>
-          </a:p>
-          <a:p>
-            <a:r>
-              <a:rPr lang="en-US" dirty="0" err="1" smtClean="0"/>
-              <a:t>Git</a:t>
-            </a:r>
-            <a:r>
-              <a:rPr lang="en-US" dirty="0" smtClean="0"/>
-              <a:t> reading:</a:t>
-            </a:r>
-          </a:p>
-          <a:p>
-            <a:pPr lvl="1"/>
-            <a:r>
-              <a:rPr lang="en-US" dirty="0">
-                <a:hlinkClick r:id="rId3"/>
-              </a:rPr>
-              <a:t>https://guides.github.com/activities/forking/</a:t>
-            </a:r>
-            <a:r>
-              <a:rPr lang="en-US" dirty="0" smtClean="0">
-                <a:hlinkClick r:id="rId3"/>
-              </a:rPr>
-              <a:t>index.html</a:t>
-            </a:r>
-            <a:endParaRPr lang="en-US" dirty="0" smtClean="0"/>
-          </a:p>
-          <a:p>
-            <a:pPr lvl="1"/>
-            <a:endParaRPr lang="en-US" dirty="0" smtClean="0"/>
-          </a:p>
-        </p:txBody>
-      </p:sp>
-    </p:spTree>
-    <p:extLst>
-      <p:ext uri="{BB962C8B-B14F-4D97-AF65-F5344CB8AC3E}">
-        <p14:creationId xmlns:p14="http://schemas.microsoft.com/office/powerpoint/2010/main" val="1728550643"/>
-      </p:ext>
-    </p:extLst>
-  </p:cSld>
-  <p:clrMapOvr>
-    <a:masterClrMapping/>
-  </p:clrMapOvr>
-  <p:timing>
-    <p:tnLst>
-      <p:par>
-        <p:cTn id="1" dur="indefinite" restart="never" nodeType="tmRoot"/>
-      </p:par>
-    </p:tnLst>
-  </p:timing>
-</p:sld>
-</file>
-
-<file path=ppt/slides/slide24.xml><?xml version="1.0" encoding="utf-8"?>
-<p:sld xmlns:a="http://schemas.openxmlformats.org/drawingml/2006/main" xmlns:r="http://schemas.openxmlformats.org/officeDocument/2006/relationships" xmlns:p="http://schemas.openxmlformats.org/presentationml/2006/main">
-  <p:cSld>
-    <p:spTree>
-      <p:nvGrpSpPr>
-        <p:cNvPr id="1" name=""/>
-        <p:cNvGrpSpPr/>
-        <p:nvPr/>
-      </p:nvGrpSpPr>
-      <p:grpSpPr>
-        <a:xfrm>
-          <a:off x="0" y="0"/>
-          <a:ext cx="0" cy="0"/>
-          <a:chOff x="0" y="0"/>
-          <a:chExt cx="0" cy="0"/>
-        </a:xfrm>
-      </p:grpSpPr>
-      <p:sp>
-        <p:nvSpPr>
-          <p:cNvPr id="2" name="Title 1"/>
-          <p:cNvSpPr>
-            <a:spLocks noGrp="1"/>
-          </p:cNvSpPr>
-          <p:nvPr>
-            <p:ph type="title"/>
-          </p:nvPr>
-        </p:nvSpPr>
-        <p:spPr/>
-        <p:txBody>
-          <a:bodyPr/>
-          <a:lstStyle/>
-          <a:p>
-            <a:r>
-              <a:rPr lang="en-US" dirty="0" smtClean="0"/>
-              <a:t>Practice</a:t>
-            </a:r>
-            <a:endParaRPr lang="en-US" dirty="0"/>
-          </a:p>
-        </p:txBody>
-      </p:sp>
-      <p:sp>
-        <p:nvSpPr>
-          <p:cNvPr id="3" name="Content Placeholder 2"/>
-          <p:cNvSpPr>
-            <a:spLocks noGrp="1"/>
-          </p:cNvSpPr>
-          <p:nvPr>
-            <p:ph idx="1"/>
-          </p:nvPr>
-        </p:nvSpPr>
-        <p:spPr/>
-        <p:txBody>
-          <a:bodyPr/>
-          <a:lstStyle/>
-          <a:p>
-            <a:r>
-              <a:rPr lang="en-US" dirty="0" smtClean="0"/>
-              <a:t>Complete the following program by writing </a:t>
-            </a:r>
-            <a:r>
-              <a:rPr lang="en-US" dirty="0" err="1" smtClean="0"/>
-              <a:t>stringlength</a:t>
-            </a:r>
-            <a:r>
-              <a:rPr lang="en-US" dirty="0" smtClean="0"/>
-              <a:t>() function that prints the length of a string. Compare your result with the </a:t>
-            </a:r>
-            <a:r>
-              <a:rPr lang="en-US" dirty="0" err="1" smtClean="0"/>
-              <a:t>strlen</a:t>
-            </a:r>
-            <a:r>
-              <a:rPr lang="en-US" dirty="0" smtClean="0"/>
-              <a:t>() function in </a:t>
-            </a:r>
-            <a:r>
-              <a:rPr lang="en-US" dirty="0" err="1" smtClean="0"/>
-              <a:t>string.h</a:t>
-            </a:r>
-            <a:r>
-              <a:rPr lang="en-US" dirty="0" smtClean="0"/>
-              <a:t>.</a:t>
-            </a:r>
-            <a:endParaRPr lang="en-US" dirty="0"/>
-          </a:p>
-        </p:txBody>
-      </p:sp>
-    </p:spTree>
-    <p:extLst>
-      <p:ext uri="{BB962C8B-B14F-4D97-AF65-F5344CB8AC3E}">
-        <p14:creationId xmlns:p14="http://schemas.microsoft.com/office/powerpoint/2010/main" val="63371597"/>
       </p:ext>
     </p:extLst>
   </p:cSld>
@@ -6261,11 +4373,6 @@
               </a:rPr>
               <a:t>	Statement;</a:t>
             </a:r>
-            <a:endParaRPr lang="en-US" b="1" dirty="0" smtClean="0">
-              <a:latin typeface="Courier" charset="0"/>
-              <a:ea typeface="Courier" charset="0"/>
-              <a:cs typeface="Courier" charset="0"/>
-            </a:endParaRPr>
           </a:p>
           <a:p>
             <a:pPr marL="0" indent="0">
@@ -6485,15 +4592,7 @@
                 <a:ea typeface="Courier" charset="0"/>
                 <a:cs typeface="Courier" charset="0"/>
               </a:rPr>
-              <a:t> = </a:t>
-            </a:r>
-            <a:r>
-              <a:rPr lang="en-US" sz="2400" b="1" dirty="0">
-                <a:latin typeface="Courier" charset="0"/>
-                <a:ea typeface="Courier" charset="0"/>
-                <a:cs typeface="Courier" charset="0"/>
-              </a:rPr>
-              <a:t>0</a:t>
+              <a:t> = 0</a:t>
             </a:r>
             <a:r>
               <a:rPr lang="en-US" sz="2400" b="1" dirty="0" smtClean="0">
@@ -7833,11 +5932,7 @@
           <a:p>
             <a:r>
               <a:rPr lang="en-US" dirty="0" smtClean="0"/>
-              <a:t>There will be at least one: our old friend main</a:t>
-            </a:r>
-            <a:r>
-              <a:rPr lang="en-US" dirty="0" smtClean="0"/>
-              <a:t>()</a:t>
+              <a:t>There will be at least one: our old friend main()</a:t>
             </a:r>
           </a:p>
         </p:txBody>
@@ -8145,14 +6240,7 @@
                 <a:latin typeface="Consolas"/>
                 <a:cs typeface="Consolas"/>
               </a:rPr>
-              <a:t> </a:t>
-            </a:r>
-            <a:r>
-              <a:rPr lang="en-US" dirty="0" smtClean="0">
-                <a:latin typeface="Consolas"/>
-                <a:cs typeface="Consolas"/>
-              </a:rPr>
-              <a:t>main()</a:t>
+              <a:t> main()</a:t>
             </a:r>
           </a:p>
           <a:p>
